--- a/Detection de fraude.pptx
+++ b/Detection de fraude.pptx
@@ -12070,47 +12070,6 @@
       </p:sp>
       <p:sp>
         <p:nvSpPr>
-          <p:cNvPr id="4" name="Espace réservé de la date 3">
-            <a:extLst>
-              <a:ext uri="{FF2B5EF4-FFF2-40B4-BE49-F238E27FC236}">
-                <a16:creationId xmlns:a16="http://schemas.microsoft.com/office/drawing/2014/main" id="{8E1D5272-6C79-48A6-9634-684284929AF5}"/>
-              </a:ext>
-            </a:extLst>
-          </p:cNvPr>
-          <p:cNvSpPr>
-            <a:spLocks noGrp="1"/>
-          </p:cNvSpPr>
-          <p:nvPr>
-            <p:ph type="dt" sz="half" idx="10"/>
-          </p:nvPr>
-        </p:nvSpPr>
-        <p:spPr>
-          <a:xfrm>
-            <a:off x="621792" y="6356350"/>
-            <a:ext cx="2743200" cy="365125"/>
-          </a:xfrm>
-        </p:spPr>
-        <p:txBody>
-          <a:bodyPr>
-            <a:normAutofit/>
-          </a:bodyPr>
-          <a:lstStyle/>
-          <a:p>
-            <a:pPr>
-              <a:spcAft>
-                <a:spcPts val="600"/>
-              </a:spcAft>
-            </a:pPr>
-            <a:r>
-              <a:rPr lang="fr-FR" dirty="0"/>
-              <a:t>03/12/2021</a:t>
-            </a:r>
-            <a:endParaRPr lang="fr-FR"/>
-          </a:p>
-        </p:txBody>
-      </p:sp>
-      <p:sp>
-        <p:nvSpPr>
           <p:cNvPr id="13" name="Footer Placeholder 4">
             <a:extLst>
               <a:ext uri="{FF2B5EF4-FFF2-40B4-BE49-F238E27FC236}">
@@ -12740,53 +12699,6 @@
       </p:pic>
       <p:sp>
         <p:nvSpPr>
-          <p:cNvPr id="4" name="Espace réservé de la date 3">
-            <a:extLst>
-              <a:ext uri="{FF2B5EF4-FFF2-40B4-BE49-F238E27FC236}">
-                <a16:creationId xmlns:a16="http://schemas.microsoft.com/office/drawing/2014/main" id="{8E1D5272-6C79-48A6-9634-684284929AF5}"/>
-              </a:ext>
-            </a:extLst>
-          </p:cNvPr>
-          <p:cNvSpPr>
-            <a:spLocks noGrp="1"/>
-          </p:cNvSpPr>
-          <p:nvPr>
-            <p:ph type="dt" sz="half" idx="10"/>
-          </p:nvPr>
-        </p:nvSpPr>
-        <p:spPr>
-          <a:xfrm>
-            <a:off x="477981" y="6356350"/>
-            <a:ext cx="1178099" cy="365125"/>
-          </a:xfrm>
-        </p:spPr>
-        <p:txBody>
-          <a:bodyPr vert="horz" lIns="91440" tIns="45720" rIns="91440" bIns="45720" rtlCol="0" anchor="ctr">
-            <a:normAutofit/>
-          </a:bodyPr>
-          <a:lstStyle/>
-          <a:p>
-            <a:pPr>
-              <a:spcAft>
-                <a:spcPts val="600"/>
-              </a:spcAft>
-            </a:pPr>
-            <a:r>
-              <a:rPr lang="en-US">
-                <a:solidFill>
-                  <a:schemeClr val="tx2">
-                    <a:lumMod val="50000"/>
-                    <a:lumOff val="50000"/>
-                  </a:schemeClr>
-                </a:solidFill>
-              </a:rPr>
-              <a:t>03/12/2021</a:t>
-            </a:r>
-          </a:p>
-        </p:txBody>
-      </p:sp>
-      <p:sp>
-        <p:nvSpPr>
           <p:cNvPr id="18" name="Footer Placeholder 4">
             <a:extLst>
               <a:ext uri="{FF2B5EF4-FFF2-40B4-BE49-F238E27FC236}">
@@ -13207,47 +13119,6 @@
               <a:ea typeface="+mn-ea"/>
               <a:cs typeface="+mn-cs"/>
             </a:endParaRPr>
-          </a:p>
-        </p:txBody>
-      </p:sp>
-      <p:sp>
-        <p:nvSpPr>
-          <p:cNvPr id="4" name="Espace réservé de la date 3">
-            <a:extLst>
-              <a:ext uri="{FF2B5EF4-FFF2-40B4-BE49-F238E27FC236}">
-                <a16:creationId xmlns:a16="http://schemas.microsoft.com/office/drawing/2014/main" id="{8E1D5272-6C79-48A6-9634-684284929AF5}"/>
-              </a:ext>
-            </a:extLst>
-          </p:cNvPr>
-          <p:cNvSpPr>
-            <a:spLocks noGrp="1"/>
-          </p:cNvSpPr>
-          <p:nvPr>
-            <p:ph type="dt" sz="half" idx="10"/>
-          </p:nvPr>
-        </p:nvSpPr>
-        <p:spPr>
-          <a:xfrm>
-            <a:off x="841248" y="6356350"/>
-            <a:ext cx="2467775" cy="365125"/>
-          </a:xfrm>
-        </p:spPr>
-        <p:txBody>
-          <a:bodyPr>
-            <a:normAutofit/>
-          </a:bodyPr>
-          <a:lstStyle/>
-          <a:p>
-            <a:pPr>
-              <a:spcAft>
-                <a:spcPts val="600"/>
-              </a:spcAft>
-            </a:pPr>
-            <a:r>
-              <a:rPr lang="fr-FR" dirty="0"/>
-              <a:t>03/12/2021</a:t>
-            </a:r>
-            <a:endParaRPr lang="fr-FR"/>
           </a:p>
         </p:txBody>
       </p:sp>
@@ -16266,53 +16137,6 @@
       </p:pic>
       <p:sp>
         <p:nvSpPr>
-          <p:cNvPr id="4" name="Espace réservé de la date 3">
-            <a:extLst>
-              <a:ext uri="{FF2B5EF4-FFF2-40B4-BE49-F238E27FC236}">
-                <a16:creationId xmlns:a16="http://schemas.microsoft.com/office/drawing/2014/main" id="{8E1D5272-6C79-48A6-9634-684284929AF5}"/>
-              </a:ext>
-            </a:extLst>
-          </p:cNvPr>
-          <p:cNvSpPr>
-            <a:spLocks noGrp="1"/>
-          </p:cNvSpPr>
-          <p:nvPr>
-            <p:ph type="dt" sz="half" idx="10"/>
-          </p:nvPr>
-        </p:nvSpPr>
-        <p:spPr>
-          <a:xfrm>
-            <a:off x="477981" y="6356350"/>
-            <a:ext cx="1178099" cy="365125"/>
-          </a:xfrm>
-        </p:spPr>
-        <p:txBody>
-          <a:bodyPr vert="horz" lIns="91440" tIns="45720" rIns="91440" bIns="45720" rtlCol="0" anchor="ctr">
-            <a:normAutofit/>
-          </a:bodyPr>
-          <a:lstStyle/>
-          <a:p>
-            <a:pPr>
-              <a:spcAft>
-                <a:spcPts val="600"/>
-              </a:spcAft>
-            </a:pPr>
-            <a:r>
-              <a:rPr lang="en-US">
-                <a:solidFill>
-                  <a:schemeClr val="tx2">
-                    <a:lumMod val="50000"/>
-                    <a:lumOff val="50000"/>
-                  </a:schemeClr>
-                </a:solidFill>
-              </a:rPr>
-              <a:t>03/12/2021</a:t>
-            </a:r>
-          </a:p>
-        </p:txBody>
-      </p:sp>
-      <p:sp>
-        <p:nvSpPr>
           <p:cNvPr id="5" name="Espace réservé du pied de page 4">
             <a:extLst>
               <a:ext uri="{FF2B5EF4-FFF2-40B4-BE49-F238E27FC236}">
@@ -17661,47 +17485,6 @@
       </p:sp>
       <p:sp>
         <p:nvSpPr>
-          <p:cNvPr id="4" name="Espace réservé de la date 3">
-            <a:extLst>
-              <a:ext uri="{FF2B5EF4-FFF2-40B4-BE49-F238E27FC236}">
-                <a16:creationId xmlns:a16="http://schemas.microsoft.com/office/drawing/2014/main" id="{8E1D5272-6C79-48A6-9634-684284929AF5}"/>
-              </a:ext>
-            </a:extLst>
-          </p:cNvPr>
-          <p:cNvSpPr>
-            <a:spLocks noGrp="1"/>
-          </p:cNvSpPr>
-          <p:nvPr>
-            <p:ph type="dt" sz="half" idx="10"/>
-          </p:nvPr>
-        </p:nvSpPr>
-        <p:spPr>
-          <a:xfrm>
-            <a:off x="621792" y="6356350"/>
-            <a:ext cx="2743200" cy="365125"/>
-          </a:xfrm>
-        </p:spPr>
-        <p:txBody>
-          <a:bodyPr>
-            <a:normAutofit/>
-          </a:bodyPr>
-          <a:lstStyle/>
-          <a:p>
-            <a:pPr>
-              <a:spcAft>
-                <a:spcPts val="600"/>
-              </a:spcAft>
-            </a:pPr>
-            <a:r>
-              <a:rPr lang="fr-FR" dirty="0"/>
-              <a:t>03/12/2021</a:t>
-            </a:r>
-            <a:endParaRPr lang="fr-FR"/>
-          </a:p>
-        </p:txBody>
-      </p:sp>
-      <p:sp>
-        <p:nvSpPr>
           <p:cNvPr id="5" name="Espace réservé du pied de page 4">
             <a:extLst>
               <a:ext uri="{FF2B5EF4-FFF2-40B4-BE49-F238E27FC236}">
@@ -18443,47 +18226,6 @@
       </p:sp>
       <p:sp>
         <p:nvSpPr>
-          <p:cNvPr id="4" name="Espace réservé de la date 3">
-            <a:extLst>
-              <a:ext uri="{FF2B5EF4-FFF2-40B4-BE49-F238E27FC236}">
-                <a16:creationId xmlns:a16="http://schemas.microsoft.com/office/drawing/2014/main" id="{8E1D5272-6C79-48A6-9634-684284929AF5}"/>
-              </a:ext>
-            </a:extLst>
-          </p:cNvPr>
-          <p:cNvSpPr>
-            <a:spLocks noGrp="1"/>
-          </p:cNvSpPr>
-          <p:nvPr>
-            <p:ph type="dt" sz="half" idx="10"/>
-          </p:nvPr>
-        </p:nvSpPr>
-        <p:spPr>
-          <a:xfrm>
-            <a:off x="621792" y="6356350"/>
-            <a:ext cx="2743200" cy="365125"/>
-          </a:xfrm>
-        </p:spPr>
-        <p:txBody>
-          <a:bodyPr>
-            <a:normAutofit/>
-          </a:bodyPr>
-          <a:lstStyle/>
-          <a:p>
-            <a:pPr>
-              <a:spcAft>
-                <a:spcPts val="600"/>
-              </a:spcAft>
-            </a:pPr>
-            <a:r>
-              <a:rPr lang="fr-FR" dirty="0"/>
-              <a:t>03/12/2021</a:t>
-            </a:r>
-            <a:endParaRPr lang="fr-FR"/>
-          </a:p>
-        </p:txBody>
-      </p:sp>
-      <p:sp>
-        <p:nvSpPr>
           <p:cNvPr id="13" name="Footer Placeholder 4">
             <a:extLst>
               <a:ext uri="{FF2B5EF4-FFF2-40B4-BE49-F238E27FC236}">
@@ -19324,47 +19066,6 @@
       </p:sp>
       <p:sp>
         <p:nvSpPr>
-          <p:cNvPr id="4" name="Espace réservé de la date 3">
-            <a:extLst>
-              <a:ext uri="{FF2B5EF4-FFF2-40B4-BE49-F238E27FC236}">
-                <a16:creationId xmlns:a16="http://schemas.microsoft.com/office/drawing/2014/main" id="{8E1D5272-6C79-48A6-9634-684284929AF5}"/>
-              </a:ext>
-            </a:extLst>
-          </p:cNvPr>
-          <p:cNvSpPr>
-            <a:spLocks noGrp="1"/>
-          </p:cNvSpPr>
-          <p:nvPr>
-            <p:ph type="dt" sz="half" idx="10"/>
-          </p:nvPr>
-        </p:nvSpPr>
-        <p:spPr>
-          <a:xfrm>
-            <a:off x="621792" y="6356350"/>
-            <a:ext cx="2743200" cy="365125"/>
-          </a:xfrm>
-        </p:spPr>
-        <p:txBody>
-          <a:bodyPr>
-            <a:normAutofit/>
-          </a:bodyPr>
-          <a:lstStyle/>
-          <a:p>
-            <a:pPr>
-              <a:spcAft>
-                <a:spcPts val="600"/>
-              </a:spcAft>
-            </a:pPr>
-            <a:r>
-              <a:rPr lang="fr-FR" dirty="0"/>
-              <a:t>03/12/2021</a:t>
-            </a:r>
-            <a:endParaRPr lang="fr-FR"/>
-          </a:p>
-        </p:txBody>
-      </p:sp>
-      <p:sp>
-        <p:nvSpPr>
           <p:cNvPr id="13" name="Footer Placeholder 4">
             <a:extLst>
               <a:ext uri="{FF2B5EF4-FFF2-40B4-BE49-F238E27FC236}">
@@ -20098,47 +19799,6 @@
             <a:endParaRPr lang="fr-FR" sz="2000" dirty="0">
               <a:latin typeface="charter"/>
             </a:endParaRPr>
-          </a:p>
-        </p:txBody>
-      </p:sp>
-      <p:sp>
-        <p:nvSpPr>
-          <p:cNvPr id="4" name="Espace réservé de la date 3">
-            <a:extLst>
-              <a:ext uri="{FF2B5EF4-FFF2-40B4-BE49-F238E27FC236}">
-                <a16:creationId xmlns:a16="http://schemas.microsoft.com/office/drawing/2014/main" id="{8E1D5272-6C79-48A6-9634-684284929AF5}"/>
-              </a:ext>
-            </a:extLst>
-          </p:cNvPr>
-          <p:cNvSpPr>
-            <a:spLocks noGrp="1"/>
-          </p:cNvSpPr>
-          <p:nvPr>
-            <p:ph type="dt" sz="half" idx="10"/>
-          </p:nvPr>
-        </p:nvSpPr>
-        <p:spPr>
-          <a:xfrm>
-            <a:off x="621792" y="6356350"/>
-            <a:ext cx="2743200" cy="365125"/>
-          </a:xfrm>
-        </p:spPr>
-        <p:txBody>
-          <a:bodyPr>
-            <a:normAutofit/>
-          </a:bodyPr>
-          <a:lstStyle/>
-          <a:p>
-            <a:pPr>
-              <a:spcAft>
-                <a:spcPts val="600"/>
-              </a:spcAft>
-            </a:pPr>
-            <a:r>
-              <a:rPr lang="fr-FR" dirty="0"/>
-              <a:t>03/12/2021</a:t>
-            </a:r>
-            <a:endParaRPr lang="fr-FR"/>
           </a:p>
         </p:txBody>
       </p:sp>

--- a/Detection de fraude.pptx
+++ b/Detection de fraude.pptx
@@ -9,17 +9,18 @@
     <p:sldId id="266" r:id="rId3"/>
     <p:sldId id="257" r:id="rId4"/>
     <p:sldId id="268" r:id="rId5"/>
-    <p:sldId id="269" r:id="rId6"/>
-    <p:sldId id="258" r:id="rId7"/>
-    <p:sldId id="259" r:id="rId8"/>
-    <p:sldId id="260" r:id="rId9"/>
-    <p:sldId id="261" r:id="rId10"/>
-    <p:sldId id="263" r:id="rId11"/>
-    <p:sldId id="264" r:id="rId12"/>
-    <p:sldId id="265" r:id="rId13"/>
-    <p:sldId id="270" r:id="rId14"/>
-    <p:sldId id="271" r:id="rId15"/>
-    <p:sldId id="272" r:id="rId16"/>
+    <p:sldId id="273" r:id="rId6"/>
+    <p:sldId id="269" r:id="rId7"/>
+    <p:sldId id="258" r:id="rId8"/>
+    <p:sldId id="259" r:id="rId9"/>
+    <p:sldId id="260" r:id="rId10"/>
+    <p:sldId id="261" r:id="rId11"/>
+    <p:sldId id="263" r:id="rId12"/>
+    <p:sldId id="264" r:id="rId13"/>
+    <p:sldId id="265" r:id="rId14"/>
+    <p:sldId id="270" r:id="rId15"/>
+    <p:sldId id="271" r:id="rId16"/>
+    <p:sldId id="272" r:id="rId17"/>
   </p:sldIdLst>
   <p:sldSz cx="12192000" cy="6858000"/>
   <p:notesSz cx="6858000" cy="9144000"/>
@@ -6261,7 +6262,7 @@
           <a:p>
             <a:fld id="{02AC24A9-CCB6-4F8D-B8DB-C2F3692CFA5A}" type="datetimeFigureOut">
               <a:rPr lang="en-US" smtClean="0"/>
-              <a:t>12/7/2021</a:t>
+              <a:t>12/8/2021</a:t>
             </a:fld>
             <a:endParaRPr lang="en-US" dirty="0"/>
           </a:p>
@@ -6631,7 +6632,7 @@
           <a:p>
             <a:fld id="{02AC24A9-CCB6-4F8D-B8DB-C2F3692CFA5A}" type="datetimeFigureOut">
               <a:rPr lang="en-US" smtClean="0"/>
-              <a:t>12/7/2021</a:t>
+              <a:t>12/8/2021</a:t>
             </a:fld>
             <a:endParaRPr lang="en-US"/>
           </a:p>
@@ -6840,7 +6841,7 @@
           <a:p>
             <a:fld id="{02AC24A9-CCB6-4F8D-B8DB-C2F3692CFA5A}" type="datetimeFigureOut">
               <a:rPr lang="en-US" smtClean="0"/>
-              <a:t>12/7/2021</a:t>
+              <a:t>12/8/2021</a:t>
             </a:fld>
             <a:endParaRPr lang="en-US"/>
           </a:p>
@@ -7310,7 +7311,7 @@
           <a:p>
             <a:fld id="{02AC24A9-CCB6-4F8D-B8DB-C2F3692CFA5A}" type="datetimeFigureOut">
               <a:rPr lang="en-US" smtClean="0"/>
-              <a:t>12/7/2021</a:t>
+              <a:t>12/8/2021</a:t>
             </a:fld>
             <a:endParaRPr lang="en-US"/>
           </a:p>
@@ -7764,7 +7765,7 @@
           <a:p>
             <a:fld id="{02AC24A9-CCB6-4F8D-B8DB-C2F3692CFA5A}" type="datetimeFigureOut">
               <a:rPr lang="en-US" smtClean="0"/>
-              <a:t>12/7/2021</a:t>
+              <a:t>12/8/2021</a:t>
             </a:fld>
             <a:endParaRPr lang="en-US"/>
           </a:p>
@@ -8296,7 +8297,7 @@
           <a:p>
             <a:fld id="{02AC24A9-CCB6-4F8D-B8DB-C2F3692CFA5A}" type="datetimeFigureOut">
               <a:rPr lang="en-US" smtClean="0"/>
-              <a:t>12/7/2021</a:t>
+              <a:t>12/8/2021</a:t>
             </a:fld>
             <a:endParaRPr lang="en-US"/>
           </a:p>
@@ -8995,7 +8996,7 @@
           <a:p>
             <a:fld id="{02AC24A9-CCB6-4F8D-B8DB-C2F3692CFA5A}" type="datetimeFigureOut">
               <a:rPr lang="en-US" smtClean="0"/>
-              <a:t>12/7/2021</a:t>
+              <a:t>12/8/2021</a:t>
             </a:fld>
             <a:endParaRPr lang="en-US"/>
           </a:p>
@@ -9324,7 +9325,7 @@
           <a:p>
             <a:fld id="{02AC24A9-CCB6-4F8D-B8DB-C2F3692CFA5A}" type="datetimeFigureOut">
               <a:rPr lang="en-US" smtClean="0"/>
-              <a:t>12/7/2021</a:t>
+              <a:t>12/8/2021</a:t>
             </a:fld>
             <a:endParaRPr lang="en-US"/>
           </a:p>
@@ -9437,7 +9438,7 @@
           <a:p>
             <a:fld id="{02AC24A9-CCB6-4F8D-B8DB-C2F3692CFA5A}" type="datetimeFigureOut">
               <a:rPr lang="en-US" smtClean="0"/>
-              <a:t>12/7/2021</a:t>
+              <a:t>12/8/2021</a:t>
             </a:fld>
             <a:endParaRPr lang="en-US"/>
           </a:p>
@@ -9932,7 +9933,7 @@
           <a:p>
             <a:fld id="{02AC24A9-CCB6-4F8D-B8DB-C2F3692CFA5A}" type="datetimeFigureOut">
               <a:rPr lang="en-US" smtClean="0"/>
-              <a:t>12/7/2021</a:t>
+              <a:t>12/8/2021</a:t>
             </a:fld>
             <a:endParaRPr lang="en-US" dirty="0"/>
           </a:p>
@@ -10409,7 +10410,7 @@
           <a:p>
             <a:fld id="{02AC24A9-CCB6-4F8D-B8DB-C2F3692CFA5A}" type="datetimeFigureOut">
               <a:rPr lang="en-US" smtClean="0"/>
-              <a:t>12/7/2021</a:t>
+              <a:t>12/8/2021</a:t>
             </a:fld>
             <a:endParaRPr lang="en-US"/>
           </a:p>
@@ -10652,7 +10653,7 @@
           <a:p>
             <a:fld id="{02AC24A9-CCB6-4F8D-B8DB-C2F3692CFA5A}" type="datetimeFigureOut">
               <a:rPr lang="en-US" smtClean="0"/>
-              <a:t>12/7/2021</a:t>
+              <a:t>12/8/2021</a:t>
             </a:fld>
             <a:endParaRPr lang="en-US"/>
           </a:p>
@@ -11848,6 +11849,852 @@
           <a:p>
             <a:r>
               <a:rPr lang="en-US" b="1" dirty="0"/>
+              <a:t>Term frequency–inverse document frequency (</a:t>
+            </a:r>
+            <a:r>
+              <a:rPr lang="en-US" b="1" dirty="0" err="1"/>
+              <a:t>tf-idf</a:t>
+            </a:r>
+            <a:r>
+              <a:rPr lang="en-US" b="1" dirty="0"/>
+              <a:t>)</a:t>
+            </a:r>
+            <a:endParaRPr lang="fr-FR" b="1" dirty="0"/>
+          </a:p>
+        </p:txBody>
+      </p:sp>
+      <p:sp>
+        <p:nvSpPr>
+          <p:cNvPr id="24" name="Rectangle 23">
+            <a:extLst>
+              <a:ext uri="{FF2B5EF4-FFF2-40B4-BE49-F238E27FC236}">
+                <a16:creationId xmlns:a16="http://schemas.microsoft.com/office/drawing/2014/main" id="{463EEC44-1BA3-44ED-81FC-A644B04B2A44}"/>
+              </a:ext>
+              <a:ext uri="{C183D7F6-B498-43B3-948B-1728B52AA6E4}">
+                <adec:decorative xmlns:adec="http://schemas.microsoft.com/office/drawing/2017/decorative" val="1"/>
+              </a:ext>
+            </a:extLst>
+          </p:cNvPr>
+          <p:cNvSpPr>
+            <a:spLocks noGrp="1" noRot="1" noChangeAspect="1" noMove="1" noResize="1" noEditPoints="1" noAdjustHandles="1" noChangeArrowheads="1" noChangeShapeType="1" noTextEdit="1"/>
+          </p:cNvSpPr>
+          <p:nvPr>
+            <p:extLst>
+              <p:ext uri="{386F3935-93C4-4BCD-93E2-E3B085C9AB24}">
+                <p16:designElem xmlns:p16="http://schemas.microsoft.com/office/powerpoint/2015/main" val="1"/>
+              </p:ext>
+            </p:extLst>
+          </p:nvPr>
+        </p:nvSpPr>
+        <p:spPr>
+          <a:xfrm>
+            <a:off x="0" y="3102049"/>
+            <a:ext cx="128016" cy="653903"/>
+          </a:xfrm>
+          <a:prstGeom prst="rect">
+            <a:avLst/>
+          </a:prstGeom>
+          <a:solidFill>
+            <a:schemeClr val="accent1"/>
+          </a:solidFill>
+          <a:ln>
+            <a:noFill/>
+          </a:ln>
+        </p:spPr>
+        <p:style>
+          <a:lnRef idx="2">
+            <a:schemeClr val="accent1">
+              <a:shade val="50000"/>
+            </a:schemeClr>
+          </a:lnRef>
+          <a:fillRef idx="1">
+            <a:schemeClr val="accent1"/>
+          </a:fillRef>
+          <a:effectRef idx="0">
+            <a:schemeClr val="accent1"/>
+          </a:effectRef>
+          <a:fontRef idx="minor">
+            <a:schemeClr val="lt1"/>
+          </a:fontRef>
+        </p:style>
+        <p:txBody>
+          <a:bodyPr rtlCol="0" anchor="ctr"/>
+          <a:lstStyle/>
+          <a:p>
+            <a:pPr marL="0" marR="0" lvl="0" indent="0" algn="ctr" defTabSz="914400" rtl="0" eaLnBrk="1" fontAlgn="auto" latinLnBrk="0" hangingPunct="1">
+              <a:lnSpc>
+                <a:spcPct val="100000"/>
+              </a:lnSpc>
+              <a:spcBef>
+                <a:spcPts val="0"/>
+              </a:spcBef>
+              <a:spcAft>
+                <a:spcPts val="0"/>
+              </a:spcAft>
+              <a:buClrTx/>
+              <a:buSzTx/>
+              <a:buFontTx/>
+              <a:buNone/>
+              <a:tabLst/>
+              <a:defRPr/>
+            </a:pPr>
+            <a:endParaRPr kumimoji="0" lang="en-US" sz="1800" b="0" i="0" u="none" strike="noStrike" kern="1200" cap="none" spc="0" normalizeH="0" baseline="0" noProof="0">
+              <a:ln>
+                <a:noFill/>
+              </a:ln>
+              <a:solidFill>
+                <a:prstClr val="white"/>
+              </a:solidFill>
+              <a:effectLst/>
+              <a:uLnTx/>
+              <a:uFillTx/>
+              <a:latin typeface="Calibri" panose="020F0502020204030204"/>
+              <a:ea typeface="+mn-ea"/>
+              <a:cs typeface="+mn-cs"/>
+            </a:endParaRPr>
+          </a:p>
+        </p:txBody>
+      </p:sp>
+      <p:sp>
+        <p:nvSpPr>
+          <p:cNvPr id="8" name="AutoShape 6" descr="{\displaystyle f_{t,d}{\Bigg /}{\sum _{t'\in d}{f_{t',d}}}}">
+            <a:extLst>
+              <a:ext uri="{FF2B5EF4-FFF2-40B4-BE49-F238E27FC236}">
+                <a16:creationId xmlns:a16="http://schemas.microsoft.com/office/drawing/2014/main" id="{143ED526-84FB-4BDD-A971-A8B99899A547}"/>
+              </a:ext>
+            </a:extLst>
+          </p:cNvPr>
+          <p:cNvSpPr>
+            <a:spLocks noGrp="1" noChangeAspect="1" noChangeArrowheads="1"/>
+          </p:cNvSpPr>
+          <p:nvPr>
+            <p:ph idx="1"/>
+          </p:nvPr>
+        </p:nvSpPr>
+        <p:spPr bwMode="auto">
+          <a:xfrm>
+            <a:off x="5434149" y="932688"/>
+            <a:ext cx="5916603" cy="4992624"/>
+          </a:xfrm>
+          <a:prstGeom prst="rect">
+            <a:avLst/>
+          </a:prstGeom>
+          <a:extLst>
+            <a:ext uri="{909E8E84-426E-40DD-AFC4-6F175D3DCCD1}">
+              <a14:hiddenFill xmlns:a14="http://schemas.microsoft.com/office/drawing/2010/main">
+                <a:solidFill>
+                  <a:srgbClr val="FFFFFF"/>
+                </a:solidFill>
+              </a14:hiddenFill>
+            </a:ext>
+          </a:extLst>
+        </p:spPr>
+        <p:txBody>
+          <a:bodyPr vert="horz" lIns="91440" tIns="45720" rIns="91440" bIns="45720" numCol="1" anchor="ctr" anchorCtr="0" compatLnSpc="1">
+            <a:prstTxWarp prst="textNoShape">
+              <a:avLst/>
+            </a:prstTxWarp>
+            <a:normAutofit/>
+          </a:bodyPr>
+          <a:lstStyle/>
+          <a:p>
+            <a:pPr marL="0" indent="0">
+              <a:buNone/>
+            </a:pPr>
+            <a:r>
+              <a:rPr lang="fr-FR" sz="2000" b="0" i="0" dirty="0">
+                <a:effectLst/>
+                <a:latin typeface="Arial" panose="020B0604020202020204" pitchFamily="34" charset="0"/>
+              </a:rPr>
+              <a:t>Le </a:t>
+            </a:r>
+            <a:r>
+              <a:rPr lang="fr-FR" sz="2000" b="1" i="0" dirty="0" err="1">
+                <a:effectLst/>
+                <a:latin typeface="Arial" panose="020B0604020202020204" pitchFamily="34" charset="0"/>
+              </a:rPr>
+              <a:t>tf-idf</a:t>
+            </a:r>
+            <a:r>
+              <a:rPr lang="fr-FR" sz="2000" b="0" i="0" dirty="0">
+                <a:effectLst/>
+                <a:latin typeface="Arial" panose="020B0604020202020204" pitchFamily="34" charset="0"/>
+              </a:rPr>
+              <a:t> est une méthode de pondération. Cette mesure statistique permet d'évaluer l'importance d'un terme contenu dans un document, relativement à une collection ou un </a:t>
+            </a:r>
+            <a:r>
+              <a:rPr lang="fr-FR" sz="2000" b="0" i="0" u="none" strike="noStrike" dirty="0">
+                <a:effectLst/>
+                <a:latin typeface="Arial" panose="020B0604020202020204" pitchFamily="34" charset="0"/>
+              </a:rPr>
+              <a:t>corpus</a:t>
+            </a:r>
+            <a:r>
+              <a:rPr lang="fr-FR" sz="2000" b="0" i="0" dirty="0">
+                <a:effectLst/>
+                <a:latin typeface="Arial" panose="020B0604020202020204" pitchFamily="34" charset="0"/>
+              </a:rPr>
+              <a:t>. Le poids augmente proportionnellement au nombre d'occurrences du mot dans le document.</a:t>
+            </a:r>
+            <a:endParaRPr lang="fr-FR" sz="2000" dirty="0">
+              <a:latin typeface="charter"/>
+            </a:endParaRPr>
+          </a:p>
+        </p:txBody>
+      </p:sp>
+      <p:sp>
+        <p:nvSpPr>
+          <p:cNvPr id="13" name="Footer Placeholder 4">
+            <a:extLst>
+              <a:ext uri="{FF2B5EF4-FFF2-40B4-BE49-F238E27FC236}">
+                <a16:creationId xmlns:a16="http://schemas.microsoft.com/office/drawing/2014/main" id="{AC81979D-E11E-42F2-A9C0-820E9FDFC907}"/>
+              </a:ext>
+            </a:extLst>
+          </p:cNvPr>
+          <p:cNvSpPr>
+            <a:spLocks noGrp="1"/>
+          </p:cNvSpPr>
+          <p:nvPr>
+            <p:ph type="ftr" sz="quarter" idx="11"/>
+          </p:nvPr>
+        </p:nvSpPr>
+        <p:spPr>
+          <a:xfrm>
+            <a:off x="5434147" y="6356350"/>
+            <a:ext cx="4572000" cy="365125"/>
+          </a:xfrm>
+        </p:spPr>
+        <p:txBody>
+          <a:bodyPr>
+            <a:normAutofit/>
+          </a:bodyPr>
+          <a:lstStyle/>
+          <a:p>
+            <a:pPr algn="l"/>
+            <a:endParaRPr lang="fr-FR"/>
+          </a:p>
+        </p:txBody>
+      </p:sp>
+      <p:sp>
+        <p:nvSpPr>
+          <p:cNvPr id="6" name="Espace réservé du numéro de diapositive 5">
+            <a:extLst>
+              <a:ext uri="{FF2B5EF4-FFF2-40B4-BE49-F238E27FC236}">
+                <a16:creationId xmlns:a16="http://schemas.microsoft.com/office/drawing/2014/main" id="{78C9C121-DD82-43BE-90BA-580F1987956D}"/>
+              </a:ext>
+            </a:extLst>
+          </p:cNvPr>
+          <p:cNvSpPr>
+            <a:spLocks noGrp="1"/>
+          </p:cNvSpPr>
+          <p:nvPr>
+            <p:ph type="sldNum" sz="quarter" idx="12"/>
+          </p:nvPr>
+        </p:nvSpPr>
+        <p:spPr>
+          <a:xfrm>
+            <a:off x="10351362" y="6356350"/>
+            <a:ext cx="1002437" cy="365125"/>
+          </a:xfrm>
+        </p:spPr>
+        <p:txBody>
+          <a:bodyPr>
+            <a:normAutofit/>
+          </a:bodyPr>
+          <a:lstStyle/>
+          <a:p>
+            <a:pPr>
+              <a:spcAft>
+                <a:spcPts val="600"/>
+              </a:spcAft>
+            </a:pPr>
+            <a:fld id="{3D1BC708-6C6B-415E-A2B1-AA9CE2E7AADD}" type="slidenum">
+              <a:rPr lang="fr-FR" smtClean="0"/>
+              <a:pPr>
+                <a:spcAft>
+                  <a:spcPts val="600"/>
+                </a:spcAft>
+              </a:pPr>
+              <a:t>10</a:t>
+            </a:fld>
+            <a:endParaRPr lang="fr-FR"/>
+          </a:p>
+        </p:txBody>
+      </p:sp>
+      <p:pic>
+        <p:nvPicPr>
+          <p:cNvPr id="5" name="Image 4" descr="Une image contenant texte&#10;&#10;Description générée automatiquement">
+            <a:extLst>
+              <a:ext uri="{FF2B5EF4-FFF2-40B4-BE49-F238E27FC236}">
+                <a16:creationId xmlns:a16="http://schemas.microsoft.com/office/drawing/2014/main" id="{19BD963F-EDD8-491F-BE79-8B01500B9487}"/>
+              </a:ext>
+            </a:extLst>
+          </p:cNvPr>
+          <p:cNvPicPr>
+            <a:picLocks noChangeAspect="1"/>
+          </p:cNvPicPr>
+          <p:nvPr/>
+        </p:nvPicPr>
+        <p:blipFill>
+          <a:blip r:embed="rId2">
+            <a:extLst>
+              <a:ext uri="{28A0092B-C50C-407E-A947-70E740481C1C}">
+                <a14:useLocalDpi xmlns:a14="http://schemas.microsoft.com/office/drawing/2010/main" val="0"/>
+              </a:ext>
+            </a:extLst>
+          </a:blip>
+          <a:stretch>
+            <a:fillRect/>
+          </a:stretch>
+        </p:blipFill>
+        <p:spPr>
+          <a:xfrm>
+            <a:off x="5131994" y="4646295"/>
+            <a:ext cx="1737511" cy="640135"/>
+          </a:xfrm>
+          <a:prstGeom prst="rect">
+            <a:avLst/>
+          </a:prstGeom>
+        </p:spPr>
+      </p:pic>
+      <p:pic>
+        <p:nvPicPr>
+          <p:cNvPr id="9" name="Image 8" descr="Une image contenant texte&#10;&#10;Description générée automatiquement">
+            <a:extLst>
+              <a:ext uri="{FF2B5EF4-FFF2-40B4-BE49-F238E27FC236}">
+                <a16:creationId xmlns:a16="http://schemas.microsoft.com/office/drawing/2014/main" id="{14EF401E-3A18-4D40-ABCB-2A37754D658C}"/>
+              </a:ext>
+            </a:extLst>
+          </p:cNvPr>
+          <p:cNvPicPr>
+            <a:picLocks noChangeAspect="1"/>
+          </p:cNvPicPr>
+          <p:nvPr/>
+        </p:nvPicPr>
+        <p:blipFill>
+          <a:blip r:embed="rId3">
+            <a:extLst>
+              <a:ext uri="{28A0092B-C50C-407E-A947-70E740481C1C}">
+                <a14:useLocalDpi xmlns:a14="http://schemas.microsoft.com/office/drawing/2010/main" val="0"/>
+              </a:ext>
+            </a:extLst>
+          </a:blip>
+          <a:stretch>
+            <a:fillRect/>
+          </a:stretch>
+        </p:blipFill>
+        <p:spPr>
+          <a:xfrm>
+            <a:off x="6869505" y="4642484"/>
+            <a:ext cx="2484335" cy="647756"/>
+          </a:xfrm>
+          <a:prstGeom prst="rect">
+            <a:avLst/>
+          </a:prstGeom>
+        </p:spPr>
+      </p:pic>
+      <p:pic>
+        <p:nvPicPr>
+          <p:cNvPr id="11" name="Image 10">
+            <a:extLst>
+              <a:ext uri="{FF2B5EF4-FFF2-40B4-BE49-F238E27FC236}">
+                <a16:creationId xmlns:a16="http://schemas.microsoft.com/office/drawing/2014/main" id="{5D9D0222-BC35-43F8-8CBB-933639AFB29B}"/>
+              </a:ext>
+            </a:extLst>
+          </p:cNvPr>
+          <p:cNvPicPr>
+            <a:picLocks noChangeAspect="1"/>
+          </p:cNvPicPr>
+          <p:nvPr/>
+        </p:nvPicPr>
+        <p:blipFill>
+          <a:blip r:embed="rId4">
+            <a:extLst>
+              <a:ext uri="{28A0092B-C50C-407E-A947-70E740481C1C}">
+                <a14:useLocalDpi xmlns:a14="http://schemas.microsoft.com/office/drawing/2010/main" val="0"/>
+              </a:ext>
+            </a:extLst>
+          </a:blip>
+          <a:stretch>
+            <a:fillRect/>
+          </a:stretch>
+        </p:blipFill>
+        <p:spPr>
+          <a:xfrm>
+            <a:off x="9526803" y="4798707"/>
+            <a:ext cx="2339543" cy="335309"/>
+          </a:xfrm>
+          <a:prstGeom prst="rect">
+            <a:avLst/>
+          </a:prstGeom>
+        </p:spPr>
+      </p:pic>
+    </p:spTree>
+    <p:extLst>
+      <p:ext uri="{BB962C8B-B14F-4D97-AF65-F5344CB8AC3E}">
+        <p14:creationId xmlns:p14="http://schemas.microsoft.com/office/powerpoint/2010/main" val="3367910491"/>
+      </p:ext>
+    </p:extLst>
+  </p:cSld>
+  <p:clrMapOvr>
+    <a:masterClrMapping/>
+  </p:clrMapOvr>
+</p:sld>
+</file>
+
+<file path=ppt/slides/slide11.xml><?xml version="1.0" encoding="utf-8"?>
+<p:sld xmlns:a="http://schemas.openxmlformats.org/drawingml/2006/main" xmlns:r="http://schemas.openxmlformats.org/officeDocument/2006/relationships" xmlns:p="http://schemas.openxmlformats.org/presentationml/2006/main">
+  <p:cSld>
+    <p:bg>
+      <p:bgPr>
+        <a:solidFill>
+          <a:schemeClr val="bg1"/>
+        </a:solidFill>
+        <a:effectLst/>
+      </p:bgPr>
+    </p:bg>
+    <p:spTree>
+      <p:nvGrpSpPr>
+        <p:cNvPr id="1" name=""/>
+        <p:cNvGrpSpPr/>
+        <p:nvPr/>
+      </p:nvGrpSpPr>
+      <p:grpSpPr>
+        <a:xfrm>
+          <a:off x="0" y="0"/>
+          <a:ext cx="0" cy="0"/>
+          <a:chOff x="0" y="0"/>
+          <a:chExt cx="0" cy="0"/>
+        </a:xfrm>
+      </p:grpSpPr>
+      <p:sp useBgFill="1">
+        <p:nvSpPr>
+          <p:cNvPr id="18" name="Rectangle 17">
+            <a:extLst>
+              <a:ext uri="{FF2B5EF4-FFF2-40B4-BE49-F238E27FC236}">
+                <a16:creationId xmlns:a16="http://schemas.microsoft.com/office/drawing/2014/main" id="{1C799903-48D5-4A31-A1A2-541072D9771E}"/>
+              </a:ext>
+              <a:ext uri="{C183D7F6-B498-43B3-948B-1728B52AA6E4}">
+                <adec:decorative xmlns:adec="http://schemas.microsoft.com/office/drawing/2017/decorative" val="1"/>
+              </a:ext>
+            </a:extLst>
+          </p:cNvPr>
+          <p:cNvSpPr>
+            <a:spLocks noGrp="1" noRot="1" noChangeAspect="1" noMove="1" noResize="1" noEditPoints="1" noAdjustHandles="1" noChangeArrowheads="1" noChangeShapeType="1" noTextEdit="1"/>
+          </p:cNvSpPr>
+          <p:nvPr>
+            <p:extLst>
+              <p:ext uri="{386F3935-93C4-4BCD-93E2-E3B085C9AB24}">
+                <p16:designElem xmlns:p16="http://schemas.microsoft.com/office/powerpoint/2015/main" val="1"/>
+              </p:ext>
+            </p:extLst>
+          </p:nvPr>
+        </p:nvSpPr>
+        <p:spPr>
+          <a:xfrm>
+            <a:off x="0" y="0"/>
+            <a:ext cx="12192002" cy="6858000"/>
+          </a:xfrm>
+          <a:prstGeom prst="rect">
+            <a:avLst/>
+          </a:prstGeom>
+          <a:ln>
+            <a:noFill/>
+          </a:ln>
+        </p:spPr>
+        <p:style>
+          <a:lnRef idx="2">
+            <a:schemeClr val="accent1">
+              <a:shade val="50000"/>
+            </a:schemeClr>
+          </a:lnRef>
+          <a:fillRef idx="1">
+            <a:schemeClr val="accent1"/>
+          </a:fillRef>
+          <a:effectRef idx="0">
+            <a:schemeClr val="accent1"/>
+          </a:effectRef>
+          <a:fontRef idx="minor">
+            <a:schemeClr val="lt1"/>
+          </a:fontRef>
+        </p:style>
+        <p:txBody>
+          <a:bodyPr rtlCol="0" anchor="ctr"/>
+          <a:lstStyle/>
+          <a:p>
+            <a:pPr algn="ctr"/>
+            <a:endParaRPr lang="en-US"/>
+          </a:p>
+        </p:txBody>
+      </p:sp>
+      <p:sp useBgFill="1">
+        <p:nvSpPr>
+          <p:cNvPr id="20" name="Freeform: Shape 19">
+            <a:extLst>
+              <a:ext uri="{FF2B5EF4-FFF2-40B4-BE49-F238E27FC236}">
+                <a16:creationId xmlns:a16="http://schemas.microsoft.com/office/drawing/2014/main" id="{8EFFF109-FC58-4FD3-BE05-9775A1310F55}"/>
+              </a:ext>
+              <a:ext uri="{C183D7F6-B498-43B3-948B-1728B52AA6E4}">
+                <adec:decorative xmlns:adec="http://schemas.microsoft.com/office/drawing/2017/decorative" val="1"/>
+              </a:ext>
+            </a:extLst>
+          </p:cNvPr>
+          <p:cNvSpPr>
+            <a:spLocks noGrp="1" noRot="1" noChangeAspect="1" noMove="1" noResize="1" noEditPoints="1" noAdjustHandles="1" noChangeArrowheads="1" noChangeShapeType="1" noTextEdit="1"/>
+          </p:cNvSpPr>
+          <p:nvPr>
+            <p:extLst>
+              <p:ext uri="{386F3935-93C4-4BCD-93E2-E3B085C9AB24}">
+                <p16:designElem xmlns:p16="http://schemas.microsoft.com/office/powerpoint/2015/main" val="1"/>
+              </p:ext>
+            </p:extLst>
+          </p:nvPr>
+        </p:nvSpPr>
+        <p:spPr>
+          <a:xfrm>
+            <a:off x="-1" y="0"/>
+            <a:ext cx="4818889" cy="6858000"/>
+          </a:xfrm>
+          <a:custGeom>
+            <a:avLst/>
+            <a:gdLst>
+              <a:gd name="connsiteX0" fmla="*/ 0 w 4818889"/>
+              <a:gd name="connsiteY0" fmla="*/ 0 h 6858000"/>
+              <a:gd name="connsiteX1" fmla="*/ 3605911 w 4818889"/>
+              <a:gd name="connsiteY1" fmla="*/ 0 h 6858000"/>
+              <a:gd name="connsiteX2" fmla="*/ 3668894 w 4818889"/>
+              <a:gd name="connsiteY2" fmla="*/ 69271 h 6858000"/>
+              <a:gd name="connsiteX3" fmla="*/ 4818889 w 4818889"/>
+              <a:gd name="connsiteY3" fmla="*/ 3429000 h 6858000"/>
+              <a:gd name="connsiteX4" fmla="*/ 3668894 w 4818889"/>
+              <a:gd name="connsiteY4" fmla="*/ 6788730 h 6858000"/>
+              <a:gd name="connsiteX5" fmla="*/ 3605911 w 4818889"/>
+              <a:gd name="connsiteY5" fmla="*/ 6858000 h 6858000"/>
+              <a:gd name="connsiteX6" fmla="*/ 0 w 4818889"/>
+              <a:gd name="connsiteY6" fmla="*/ 6858000 h 6858000"/>
+            </a:gdLst>
+            <a:ahLst/>
+            <a:cxnLst>
+              <a:cxn ang="0">
+                <a:pos x="connsiteX0" y="connsiteY0"/>
+              </a:cxn>
+              <a:cxn ang="0">
+                <a:pos x="connsiteX1" y="connsiteY1"/>
+              </a:cxn>
+              <a:cxn ang="0">
+                <a:pos x="connsiteX2" y="connsiteY2"/>
+              </a:cxn>
+              <a:cxn ang="0">
+                <a:pos x="connsiteX3" y="connsiteY3"/>
+              </a:cxn>
+              <a:cxn ang="0">
+                <a:pos x="connsiteX4" y="connsiteY4"/>
+              </a:cxn>
+              <a:cxn ang="0">
+                <a:pos x="connsiteX5" y="connsiteY5"/>
+              </a:cxn>
+              <a:cxn ang="0">
+                <a:pos x="connsiteX6" y="connsiteY6"/>
+              </a:cxn>
+            </a:cxnLst>
+            <a:rect l="l" t="t" r="r" b="b"/>
+            <a:pathLst>
+              <a:path w="4818889" h="6858000">
+                <a:moveTo>
+                  <a:pt x="0" y="0"/>
+                </a:moveTo>
+                <a:lnTo>
+                  <a:pt x="3605911" y="0"/>
+                </a:lnTo>
+                <a:lnTo>
+                  <a:pt x="3668894" y="69271"/>
+                </a:lnTo>
+                <a:cubicBezTo>
+                  <a:pt x="4379420" y="929100"/>
+                  <a:pt x="4818889" y="2116944"/>
+                  <a:pt x="4818889" y="3429000"/>
+                </a:cubicBezTo>
+                <a:cubicBezTo>
+                  <a:pt x="4818889" y="4741056"/>
+                  <a:pt x="4379420" y="5928900"/>
+                  <a:pt x="3668894" y="6788730"/>
+                </a:cubicBezTo>
+                <a:lnTo>
+                  <a:pt x="3605911" y="6858000"/>
+                </a:lnTo>
+                <a:lnTo>
+                  <a:pt x="0" y="6858000"/>
+                </a:lnTo>
+                <a:close/>
+              </a:path>
+            </a:pathLst>
+          </a:custGeom>
+          <a:ln w="9525">
+            <a:solidFill>
+              <a:schemeClr val="tx2">
+                <a:lumMod val="10000"/>
+                <a:lumOff val="90000"/>
+              </a:schemeClr>
+            </a:solidFill>
+          </a:ln>
+          <a:effectLst>
+            <a:outerShdw blurRad="50800" dist="38100" algn="l" rotWithShape="0">
+              <a:schemeClr val="bg1">
+                <a:lumMod val="85000"/>
+                <a:alpha val="30000"/>
+              </a:schemeClr>
+            </a:outerShdw>
+          </a:effectLst>
+        </p:spPr>
+        <p:style>
+          <a:lnRef idx="2">
+            <a:schemeClr val="accent1">
+              <a:shade val="50000"/>
+            </a:schemeClr>
+          </a:lnRef>
+          <a:fillRef idx="1">
+            <a:schemeClr val="accent1"/>
+          </a:fillRef>
+          <a:effectRef idx="0">
+            <a:schemeClr val="accent1"/>
+          </a:effectRef>
+          <a:fontRef idx="minor">
+            <a:schemeClr val="lt1"/>
+          </a:fontRef>
+        </p:style>
+        <p:txBody>
+          <a:bodyPr wrap="square" rtlCol="0" anchor="ctr">
+            <a:noAutofit/>
+          </a:bodyPr>
+          <a:lstStyle/>
+          <a:p>
+            <a:pPr marL="0" marR="0" lvl="0" indent="0" algn="ctr" defTabSz="914400" rtl="0" eaLnBrk="1" fontAlgn="auto" latinLnBrk="0" hangingPunct="1">
+              <a:lnSpc>
+                <a:spcPct val="100000"/>
+              </a:lnSpc>
+              <a:spcBef>
+                <a:spcPts val="0"/>
+              </a:spcBef>
+              <a:spcAft>
+                <a:spcPts val="0"/>
+              </a:spcAft>
+              <a:buClrTx/>
+              <a:buSzTx/>
+              <a:buFontTx/>
+              <a:buNone/>
+              <a:tabLst/>
+              <a:defRPr/>
+            </a:pPr>
+            <a:endParaRPr kumimoji="0" lang="en-US" sz="1800" b="0" i="0" u="none" strike="noStrike" kern="1200" cap="none" spc="0" normalizeH="0" baseline="0" noProof="0">
+              <a:ln>
+                <a:noFill/>
+              </a:ln>
+              <a:solidFill>
+                <a:prstClr val="white"/>
+              </a:solidFill>
+              <a:effectLst/>
+              <a:uLnTx/>
+              <a:uFillTx/>
+              <a:latin typeface="Calibri" panose="020F0502020204030204"/>
+              <a:ea typeface="+mn-ea"/>
+              <a:cs typeface="+mn-cs"/>
+            </a:endParaRPr>
+          </a:p>
+        </p:txBody>
+      </p:sp>
+      <p:sp useBgFill="1">
+        <p:nvSpPr>
+          <p:cNvPr id="22" name="Freeform: Shape 21">
+            <a:extLst>
+              <a:ext uri="{FF2B5EF4-FFF2-40B4-BE49-F238E27FC236}">
+                <a16:creationId xmlns:a16="http://schemas.microsoft.com/office/drawing/2014/main" id="{E1B96AD6-92A9-4273-A62B-96A1C3E0BA95}"/>
+              </a:ext>
+              <a:ext uri="{C183D7F6-B498-43B3-948B-1728B52AA6E4}">
+                <adec:decorative xmlns:adec="http://schemas.microsoft.com/office/drawing/2017/decorative" val="1"/>
+              </a:ext>
+            </a:extLst>
+          </p:cNvPr>
+          <p:cNvSpPr>
+            <a:spLocks noGrp="1" noRot="1" noChangeAspect="1" noMove="1" noResize="1" noEditPoints="1" noAdjustHandles="1" noChangeArrowheads="1" noChangeShapeType="1" noTextEdit="1"/>
+          </p:cNvSpPr>
+          <p:nvPr>
+            <p:extLst>
+              <p:ext uri="{386F3935-93C4-4BCD-93E2-E3B085C9AB24}">
+                <p16:designElem xmlns:p16="http://schemas.microsoft.com/office/powerpoint/2015/main" val="1"/>
+              </p:ext>
+            </p:extLst>
+          </p:nvPr>
+        </p:nvSpPr>
+        <p:spPr>
+          <a:xfrm>
+            <a:off x="1" y="0"/>
+            <a:ext cx="4811477" cy="6858000"/>
+          </a:xfrm>
+          <a:custGeom>
+            <a:avLst/>
+            <a:gdLst>
+              <a:gd name="connsiteX0" fmla="*/ 0 w 4811477"/>
+              <a:gd name="connsiteY0" fmla="*/ 0 h 6858000"/>
+              <a:gd name="connsiteX1" fmla="*/ 3598499 w 4811477"/>
+              <a:gd name="connsiteY1" fmla="*/ 0 h 6858000"/>
+              <a:gd name="connsiteX2" fmla="*/ 3661482 w 4811477"/>
+              <a:gd name="connsiteY2" fmla="*/ 69271 h 6858000"/>
+              <a:gd name="connsiteX3" fmla="*/ 4811477 w 4811477"/>
+              <a:gd name="connsiteY3" fmla="*/ 3429000 h 6858000"/>
+              <a:gd name="connsiteX4" fmla="*/ 3661482 w 4811477"/>
+              <a:gd name="connsiteY4" fmla="*/ 6788730 h 6858000"/>
+              <a:gd name="connsiteX5" fmla="*/ 3598499 w 4811477"/>
+              <a:gd name="connsiteY5" fmla="*/ 6858000 h 6858000"/>
+              <a:gd name="connsiteX6" fmla="*/ 0 w 4811477"/>
+              <a:gd name="connsiteY6" fmla="*/ 6858000 h 6858000"/>
+            </a:gdLst>
+            <a:ahLst/>
+            <a:cxnLst>
+              <a:cxn ang="0">
+                <a:pos x="connsiteX0" y="connsiteY0"/>
+              </a:cxn>
+              <a:cxn ang="0">
+                <a:pos x="connsiteX1" y="connsiteY1"/>
+              </a:cxn>
+              <a:cxn ang="0">
+                <a:pos x="connsiteX2" y="connsiteY2"/>
+              </a:cxn>
+              <a:cxn ang="0">
+                <a:pos x="connsiteX3" y="connsiteY3"/>
+              </a:cxn>
+              <a:cxn ang="0">
+                <a:pos x="connsiteX4" y="connsiteY4"/>
+              </a:cxn>
+              <a:cxn ang="0">
+                <a:pos x="connsiteX5" y="connsiteY5"/>
+              </a:cxn>
+              <a:cxn ang="0">
+                <a:pos x="connsiteX6" y="connsiteY6"/>
+              </a:cxn>
+            </a:cxnLst>
+            <a:rect l="l" t="t" r="r" b="b"/>
+            <a:pathLst>
+              <a:path w="4811477" h="6858000">
+                <a:moveTo>
+                  <a:pt x="0" y="0"/>
+                </a:moveTo>
+                <a:lnTo>
+                  <a:pt x="3598499" y="0"/>
+                </a:lnTo>
+                <a:lnTo>
+                  <a:pt x="3661482" y="69271"/>
+                </a:lnTo>
+                <a:cubicBezTo>
+                  <a:pt x="4372008" y="929100"/>
+                  <a:pt x="4811477" y="2116944"/>
+                  <a:pt x="4811477" y="3429000"/>
+                </a:cubicBezTo>
+                <a:cubicBezTo>
+                  <a:pt x="4811477" y="4741056"/>
+                  <a:pt x="4372008" y="5928900"/>
+                  <a:pt x="3661482" y="6788730"/>
+                </a:cubicBezTo>
+                <a:lnTo>
+                  <a:pt x="3598499" y="6858000"/>
+                </a:lnTo>
+                <a:lnTo>
+                  <a:pt x="0" y="6858000"/>
+                </a:lnTo>
+                <a:close/>
+              </a:path>
+            </a:pathLst>
+          </a:custGeom>
+          <a:ln w="9525">
+            <a:noFill/>
+          </a:ln>
+          <a:effectLst/>
+        </p:spPr>
+        <p:style>
+          <a:lnRef idx="2">
+            <a:schemeClr val="accent1">
+              <a:shade val="50000"/>
+            </a:schemeClr>
+          </a:lnRef>
+          <a:fillRef idx="1">
+            <a:schemeClr val="accent1"/>
+          </a:fillRef>
+          <a:effectRef idx="0">
+            <a:schemeClr val="accent1"/>
+          </a:effectRef>
+          <a:fontRef idx="minor">
+            <a:schemeClr val="lt1"/>
+          </a:fontRef>
+        </p:style>
+        <p:txBody>
+          <a:bodyPr wrap="square" rtlCol="0" anchor="ctr">
+            <a:noAutofit/>
+          </a:bodyPr>
+          <a:lstStyle/>
+          <a:p>
+            <a:pPr marL="0" marR="0" lvl="0" indent="0" algn="ctr" defTabSz="914400" rtl="0" eaLnBrk="1" fontAlgn="auto" latinLnBrk="0" hangingPunct="1">
+              <a:lnSpc>
+                <a:spcPct val="100000"/>
+              </a:lnSpc>
+              <a:spcBef>
+                <a:spcPts val="0"/>
+              </a:spcBef>
+              <a:spcAft>
+                <a:spcPts val="0"/>
+              </a:spcAft>
+              <a:buClrTx/>
+              <a:buSzTx/>
+              <a:buFontTx/>
+              <a:buNone/>
+              <a:tabLst/>
+              <a:defRPr/>
+            </a:pPr>
+            <a:endParaRPr kumimoji="0" lang="en-US" sz="1800" b="0" i="0" u="none" strike="noStrike" kern="1200" cap="none" spc="0" normalizeH="0" baseline="0" noProof="0">
+              <a:ln>
+                <a:noFill/>
+              </a:ln>
+              <a:solidFill>
+                <a:prstClr val="white"/>
+              </a:solidFill>
+              <a:effectLst/>
+              <a:uLnTx/>
+              <a:uFillTx/>
+              <a:latin typeface="Calibri" panose="020F0502020204030204"/>
+              <a:ea typeface="+mn-ea"/>
+              <a:cs typeface="+mn-cs"/>
+            </a:endParaRPr>
+          </a:p>
+        </p:txBody>
+      </p:sp>
+      <p:sp>
+        <p:nvSpPr>
+          <p:cNvPr id="2" name="Titre 1">
+            <a:extLst>
+              <a:ext uri="{FF2B5EF4-FFF2-40B4-BE49-F238E27FC236}">
+                <a16:creationId xmlns:a16="http://schemas.microsoft.com/office/drawing/2014/main" id="{53C9C0E9-FB8D-49E9-A380-E308C526E7F9}"/>
+              </a:ext>
+            </a:extLst>
+          </p:cNvPr>
+          <p:cNvSpPr>
+            <a:spLocks noGrp="1"/>
+          </p:cNvSpPr>
+          <p:nvPr>
+            <p:ph type="title"/>
+          </p:nvPr>
+        </p:nvSpPr>
+        <p:spPr>
+          <a:xfrm>
+            <a:off x="621792" y="1161288"/>
+            <a:ext cx="3602736" cy="4526280"/>
+          </a:xfrm>
+        </p:spPr>
+        <p:txBody>
+          <a:bodyPr>
+            <a:normAutofit/>
+          </a:bodyPr>
+          <a:lstStyle/>
+          <a:p>
+            <a:r>
+              <a:rPr lang="en-US" b="1" dirty="0"/>
               <a:t>Sparse matrix</a:t>
             </a:r>
             <a:endParaRPr lang="fr-FR" b="1"/>
@@ -12141,7 +12988,7 @@
                   <a:spcPts val="600"/>
                 </a:spcAft>
               </a:pPr>
-              <a:t>10</a:t>
+              <a:t>11</a:t>
             </a:fld>
             <a:endParaRPr lang="fr-FR"/>
           </a:p>
@@ -12160,7 +13007,7 @@
 </p:sld>
 </file>
 
-<file path=ppt/slides/slide11.xml><?xml version="1.0" encoding="utf-8"?>
+<file path=ppt/slides/slide12.xml><?xml version="1.0" encoding="utf-8"?>
 <p:sld xmlns:a="http://schemas.openxmlformats.org/drawingml/2006/main" xmlns:r="http://schemas.openxmlformats.org/officeDocument/2006/relationships" xmlns:p="http://schemas.openxmlformats.org/presentationml/2006/main">
   <p:cSld>
     <p:bg>
@@ -12787,7 +13634,7 @@
                   <a:spcPts val="600"/>
                 </a:spcAft>
               </a:pPr>
-              <a:t>11</a:t>
+              <a:t>12</a:t>
             </a:fld>
             <a:endParaRPr lang="en-US">
               <a:solidFill>
@@ -12813,7 +13660,7 @@
 </p:sld>
 </file>
 
-<file path=ppt/slides/slide12.xml><?xml version="1.0" encoding="utf-8"?>
+<file path=ppt/slides/slide13.xml><?xml version="1.0" encoding="utf-8"?>
 <p:sld xmlns:a="http://schemas.openxmlformats.org/drawingml/2006/main" xmlns:r="http://schemas.openxmlformats.org/officeDocument/2006/relationships" xmlns:p="http://schemas.openxmlformats.org/presentationml/2006/main">
   <p:cSld>
     <p:bg>
@@ -13194,7 +14041,7 @@
                   <a:spcPts val="600"/>
                 </a:spcAft>
               </a:pPr>
-              <a:t>12</a:t>
+              <a:t>13</a:t>
             </a:fld>
             <a:endParaRPr lang="fr-FR"/>
           </a:p>
@@ -13244,7 +14091,7 @@
 </p:sld>
 </file>
 
-<file path=ppt/slides/slide13.xml><?xml version="1.0" encoding="utf-8"?>
+<file path=ppt/slides/slide14.xml><?xml version="1.0" encoding="utf-8"?>
 <p:sld xmlns:a="http://schemas.openxmlformats.org/drawingml/2006/main" xmlns:r="http://schemas.openxmlformats.org/officeDocument/2006/relationships" xmlns:p="http://schemas.openxmlformats.org/presentationml/2006/main">
   <p:cSld>
     <p:bg>
@@ -14132,7 +14979,7 @@
 </p:sld>
 </file>
 
-<file path=ppt/slides/slide14.xml><?xml version="1.0" encoding="utf-8"?>
+<file path=ppt/slides/slide15.xml><?xml version="1.0" encoding="utf-8"?>
 <p:sld xmlns:a="http://schemas.openxmlformats.org/drawingml/2006/main" xmlns:r="http://schemas.openxmlformats.org/officeDocument/2006/relationships" xmlns:p="http://schemas.openxmlformats.org/presentationml/2006/main">
   <p:cSld>
     <p:bg>
@@ -14660,7 +15507,7 @@
 </p:sld>
 </file>
 
-<file path=ppt/slides/slide15.xml><?xml version="1.0" encoding="utf-8"?>
+<file path=ppt/slides/slide16.xml><?xml version="1.0" encoding="utf-8"?>
 <p:sld xmlns:a="http://schemas.openxmlformats.org/drawingml/2006/main" xmlns:r="http://schemas.openxmlformats.org/officeDocument/2006/relationships" xmlns:p="http://schemas.openxmlformats.org/presentationml/2006/main">
   <p:cSld>
     <p:bg>
@@ -15067,34 +15914,33 @@
         </p:spPr>
         <p:txBody>
           <a:bodyPr vert="horz" lIns="91440" tIns="45720" rIns="91440" bIns="45720" rtlCol="0" anchor="b">
-            <a:normAutofit/>
+            <a:normAutofit fontScale="90000"/>
           </a:bodyPr>
           <a:lstStyle/>
           <a:p>
             <a:pPr algn="ctr"/>
             <a:r>
-              <a:rPr lang="en-US" b="1" dirty="0">
+              <a:rPr lang="fr-FR" b="1" dirty="0">
                 <a:solidFill>
                   <a:schemeClr val="bg1"/>
                 </a:solidFill>
               </a:rPr>
-              <a:t>Merci de </a:t>
+              <a:t>Merci de votre attention</a:t>
             </a:r>
-            <a:r>
-              <a:rPr lang="en-US" b="1" dirty="0" err="1">
+            <a:br>
+              <a:rPr lang="fr-FR" b="1" dirty="0">
                 <a:solidFill>
                   <a:schemeClr val="bg1"/>
                 </a:solidFill>
               </a:rPr>
-              <a:t>votre</a:t>
-            </a:r>
+            </a:br>
             <a:r>
-              <a:rPr lang="en-US" b="1" dirty="0">
+              <a:rPr lang="fr-FR" b="1" dirty="0">
                 <a:solidFill>
                   <a:schemeClr val="bg1"/>
                 </a:solidFill>
               </a:rPr>
-              <a:t> attention</a:t>
+              <a:t>Avez-vous des questions ?</a:t>
             </a:r>
           </a:p>
         </p:txBody>
@@ -15626,9 +16472,1345 @@
           <a:chExt cx="0" cy="0"/>
         </a:xfrm>
       </p:grpSpPr>
+      <p:sp useBgFill="1">
+        <p:nvSpPr>
+          <p:cNvPr id="35" name="Rectangle 34">
+            <a:extLst>
+              <a:ext uri="{FF2B5EF4-FFF2-40B4-BE49-F238E27FC236}">
+                <a16:creationId xmlns:a16="http://schemas.microsoft.com/office/drawing/2014/main" id="{5C9B446A-6343-4E56-90BA-061E4DDF0FFB}"/>
+              </a:ext>
+              <a:ext uri="{C183D7F6-B498-43B3-948B-1728B52AA6E4}">
+                <adec:decorative xmlns:adec="http://schemas.microsoft.com/office/drawing/2017/decorative" val="1"/>
+              </a:ext>
+            </a:extLst>
+          </p:cNvPr>
+          <p:cNvSpPr>
+            <a:spLocks noGrp="1" noRot="1" noChangeAspect="1" noMove="1" noResize="1" noEditPoints="1" noAdjustHandles="1" noChangeArrowheads="1" noChangeShapeType="1" noTextEdit="1"/>
+          </p:cNvSpPr>
+          <p:nvPr>
+            <p:extLst>
+              <p:ext uri="{386F3935-93C4-4BCD-93E2-E3B085C9AB24}">
+                <p16:designElem xmlns:p16="http://schemas.microsoft.com/office/powerpoint/2015/main" val="1"/>
+              </p:ext>
+            </p:extLst>
+          </p:nvPr>
+        </p:nvSpPr>
+        <p:spPr>
+          <a:xfrm>
+            <a:off x="0" y="0"/>
+            <a:ext cx="12192000" cy="6858000"/>
+          </a:xfrm>
+          <a:prstGeom prst="rect">
+            <a:avLst/>
+          </a:prstGeom>
+          <a:ln>
+            <a:noFill/>
+          </a:ln>
+        </p:spPr>
+        <p:style>
+          <a:lnRef idx="2">
+            <a:schemeClr val="accent1">
+              <a:shade val="50000"/>
+            </a:schemeClr>
+          </a:lnRef>
+          <a:fillRef idx="1">
+            <a:schemeClr val="accent1"/>
+          </a:fillRef>
+          <a:effectRef idx="0">
+            <a:schemeClr val="accent1"/>
+          </a:effectRef>
+          <a:fontRef idx="minor">
+            <a:schemeClr val="lt1"/>
+          </a:fontRef>
+        </p:style>
+        <p:txBody>
+          <a:bodyPr rtlCol="0" anchor="ctr"/>
+          <a:lstStyle/>
+          <a:p>
+            <a:pPr algn="ctr"/>
+            <a:endParaRPr lang="en-US"/>
+          </a:p>
+        </p:txBody>
+      </p:sp>
+      <p:sp useBgFill="1">
+        <p:nvSpPr>
+          <p:cNvPr id="37" name="Freeform: Shape 36">
+            <a:extLst>
+              <a:ext uri="{FF2B5EF4-FFF2-40B4-BE49-F238E27FC236}">
+                <a16:creationId xmlns:a16="http://schemas.microsoft.com/office/drawing/2014/main" id="{3EC72A1B-03D3-499C-B4BF-AC68EEC22B10}"/>
+              </a:ext>
+              <a:ext uri="{C183D7F6-B498-43B3-948B-1728B52AA6E4}">
+                <adec:decorative xmlns:adec="http://schemas.microsoft.com/office/drawing/2017/decorative" val="1"/>
+              </a:ext>
+            </a:extLst>
+          </p:cNvPr>
+          <p:cNvSpPr>
+            <a:spLocks noGrp="1" noRot="1" noChangeAspect="1" noMove="1" noResize="1" noEditPoints="1" noAdjustHandles="1" noChangeArrowheads="1" noChangeShapeType="1" noTextEdit="1"/>
+          </p:cNvSpPr>
+          <p:nvPr>
+            <p:extLst>
+              <p:ext uri="{386F3935-93C4-4BCD-93E2-E3B085C9AB24}">
+                <p16:designElem xmlns:p16="http://schemas.microsoft.com/office/powerpoint/2015/main" val="1"/>
+              </p:ext>
+            </p:extLst>
+          </p:nvPr>
+        </p:nvSpPr>
+        <p:spPr>
+          <a:xfrm>
+            <a:off x="-1" y="0"/>
+            <a:ext cx="4455673" cy="6858000"/>
+          </a:xfrm>
+          <a:custGeom>
+            <a:avLst/>
+            <a:gdLst>
+              <a:gd name="connsiteX0" fmla="*/ 0 w 4455673"/>
+              <a:gd name="connsiteY0" fmla="*/ 0 h 6858000"/>
+              <a:gd name="connsiteX1" fmla="*/ 3242695 w 4455673"/>
+              <a:gd name="connsiteY1" fmla="*/ 0 h 6858000"/>
+              <a:gd name="connsiteX2" fmla="*/ 3305678 w 4455673"/>
+              <a:gd name="connsiteY2" fmla="*/ 69271 h 6858000"/>
+              <a:gd name="connsiteX3" fmla="*/ 4455673 w 4455673"/>
+              <a:gd name="connsiteY3" fmla="*/ 3429000 h 6858000"/>
+              <a:gd name="connsiteX4" fmla="*/ 3305678 w 4455673"/>
+              <a:gd name="connsiteY4" fmla="*/ 6788730 h 6858000"/>
+              <a:gd name="connsiteX5" fmla="*/ 3242695 w 4455673"/>
+              <a:gd name="connsiteY5" fmla="*/ 6858000 h 6858000"/>
+              <a:gd name="connsiteX6" fmla="*/ 0 w 4455673"/>
+              <a:gd name="connsiteY6" fmla="*/ 6858000 h 6858000"/>
+            </a:gdLst>
+            <a:ahLst/>
+            <a:cxnLst>
+              <a:cxn ang="0">
+                <a:pos x="connsiteX0" y="connsiteY0"/>
+              </a:cxn>
+              <a:cxn ang="0">
+                <a:pos x="connsiteX1" y="connsiteY1"/>
+              </a:cxn>
+              <a:cxn ang="0">
+                <a:pos x="connsiteX2" y="connsiteY2"/>
+              </a:cxn>
+              <a:cxn ang="0">
+                <a:pos x="connsiteX3" y="connsiteY3"/>
+              </a:cxn>
+              <a:cxn ang="0">
+                <a:pos x="connsiteX4" y="connsiteY4"/>
+              </a:cxn>
+              <a:cxn ang="0">
+                <a:pos x="connsiteX5" y="connsiteY5"/>
+              </a:cxn>
+              <a:cxn ang="0">
+                <a:pos x="connsiteX6" y="connsiteY6"/>
+              </a:cxn>
+            </a:cxnLst>
+            <a:rect l="l" t="t" r="r" b="b"/>
+            <a:pathLst>
+              <a:path w="4455673" h="6858000">
+                <a:moveTo>
+                  <a:pt x="0" y="0"/>
+                </a:moveTo>
+                <a:lnTo>
+                  <a:pt x="3242695" y="0"/>
+                </a:lnTo>
+                <a:lnTo>
+                  <a:pt x="3305678" y="69271"/>
+                </a:lnTo>
+                <a:cubicBezTo>
+                  <a:pt x="4016204" y="929100"/>
+                  <a:pt x="4455673" y="2116944"/>
+                  <a:pt x="4455673" y="3429000"/>
+                </a:cubicBezTo>
+                <a:cubicBezTo>
+                  <a:pt x="4455673" y="4741056"/>
+                  <a:pt x="4016204" y="5928900"/>
+                  <a:pt x="3305678" y="6788730"/>
+                </a:cubicBezTo>
+                <a:lnTo>
+                  <a:pt x="3242695" y="6858000"/>
+                </a:lnTo>
+                <a:lnTo>
+                  <a:pt x="0" y="6858000"/>
+                </a:lnTo>
+                <a:close/>
+              </a:path>
+            </a:pathLst>
+          </a:custGeom>
+          <a:ln w="9525">
+            <a:solidFill>
+              <a:schemeClr val="tx2">
+                <a:lumMod val="10000"/>
+                <a:lumOff val="90000"/>
+              </a:schemeClr>
+            </a:solidFill>
+          </a:ln>
+          <a:effectLst>
+            <a:outerShdw blurRad="50800" dist="38100" algn="l" rotWithShape="0">
+              <a:schemeClr val="bg1">
+                <a:lumMod val="85000"/>
+                <a:alpha val="30000"/>
+              </a:schemeClr>
+            </a:outerShdw>
+          </a:effectLst>
+        </p:spPr>
+        <p:style>
+          <a:lnRef idx="2">
+            <a:schemeClr val="accent1">
+              <a:shade val="50000"/>
+            </a:schemeClr>
+          </a:lnRef>
+          <a:fillRef idx="1">
+            <a:schemeClr val="accent1"/>
+          </a:fillRef>
+          <a:effectRef idx="0">
+            <a:schemeClr val="accent1"/>
+          </a:effectRef>
+          <a:fontRef idx="minor">
+            <a:schemeClr val="lt1"/>
+          </a:fontRef>
+        </p:style>
+        <p:txBody>
+          <a:bodyPr wrap="square" rtlCol="0" anchor="ctr">
+            <a:noAutofit/>
+          </a:bodyPr>
+          <a:lstStyle/>
+          <a:p>
+            <a:pPr marL="0" marR="0" lvl="0" indent="0" algn="ctr" defTabSz="914400" rtl="0" eaLnBrk="1" fontAlgn="auto" latinLnBrk="0" hangingPunct="1">
+              <a:lnSpc>
+                <a:spcPct val="100000"/>
+              </a:lnSpc>
+              <a:spcBef>
+                <a:spcPts val="0"/>
+              </a:spcBef>
+              <a:spcAft>
+                <a:spcPts val="0"/>
+              </a:spcAft>
+              <a:buClrTx/>
+              <a:buSzTx/>
+              <a:buFontTx/>
+              <a:buNone/>
+              <a:tabLst/>
+              <a:defRPr/>
+            </a:pPr>
+            <a:endParaRPr kumimoji="0" lang="en-US" sz="1800" b="0" i="0" u="none" strike="noStrike" kern="1200" cap="none" spc="0" normalizeH="0" baseline="0" noProof="0">
+              <a:ln>
+                <a:noFill/>
+              </a:ln>
+              <a:solidFill>
+                <a:prstClr val="white"/>
+              </a:solidFill>
+              <a:effectLst/>
+              <a:uLnTx/>
+              <a:uFillTx/>
+              <a:latin typeface="Calibri" panose="020F0502020204030204"/>
+              <a:ea typeface="+mn-ea"/>
+              <a:cs typeface="+mn-cs"/>
+            </a:endParaRPr>
+          </a:p>
+        </p:txBody>
+      </p:sp>
+      <p:sp useBgFill="1">
+        <p:nvSpPr>
+          <p:cNvPr id="39" name="Freeform: Shape 38">
+            <a:extLst>
+              <a:ext uri="{FF2B5EF4-FFF2-40B4-BE49-F238E27FC236}">
+                <a16:creationId xmlns:a16="http://schemas.microsoft.com/office/drawing/2014/main" id="{216322C2-3CF0-4D33-BF90-3F384CF6D232}"/>
+              </a:ext>
+              <a:ext uri="{C183D7F6-B498-43B3-948B-1728B52AA6E4}">
+                <adec:decorative xmlns:adec="http://schemas.microsoft.com/office/drawing/2017/decorative" val="1"/>
+              </a:ext>
+            </a:extLst>
+          </p:cNvPr>
+          <p:cNvSpPr>
+            <a:spLocks noGrp="1" noRot="1" noChangeAspect="1" noMove="1" noResize="1" noEditPoints="1" noAdjustHandles="1" noChangeArrowheads="1" noChangeShapeType="1" noTextEdit="1"/>
+          </p:cNvSpPr>
+          <p:nvPr>
+            <p:extLst>
+              <p:ext uri="{386F3935-93C4-4BCD-93E2-E3B085C9AB24}">
+                <p16:designElem xmlns:p16="http://schemas.microsoft.com/office/powerpoint/2015/main" val="1"/>
+              </p:ext>
+            </p:extLst>
+          </p:nvPr>
+        </p:nvSpPr>
+        <p:spPr>
+          <a:xfrm>
+            <a:off x="0" y="0"/>
+            <a:ext cx="4446529" cy="6858000"/>
+          </a:xfrm>
+          <a:custGeom>
+            <a:avLst/>
+            <a:gdLst>
+              <a:gd name="connsiteX0" fmla="*/ 0 w 4446529"/>
+              <a:gd name="connsiteY0" fmla="*/ 0 h 6858000"/>
+              <a:gd name="connsiteX1" fmla="*/ 3233551 w 4446529"/>
+              <a:gd name="connsiteY1" fmla="*/ 0 h 6858000"/>
+              <a:gd name="connsiteX2" fmla="*/ 3296534 w 4446529"/>
+              <a:gd name="connsiteY2" fmla="*/ 69271 h 6858000"/>
+              <a:gd name="connsiteX3" fmla="*/ 4446529 w 4446529"/>
+              <a:gd name="connsiteY3" fmla="*/ 3429000 h 6858000"/>
+              <a:gd name="connsiteX4" fmla="*/ 3296534 w 4446529"/>
+              <a:gd name="connsiteY4" fmla="*/ 6788730 h 6858000"/>
+              <a:gd name="connsiteX5" fmla="*/ 3233551 w 4446529"/>
+              <a:gd name="connsiteY5" fmla="*/ 6858000 h 6858000"/>
+              <a:gd name="connsiteX6" fmla="*/ 0 w 4446529"/>
+              <a:gd name="connsiteY6" fmla="*/ 6858000 h 6858000"/>
+            </a:gdLst>
+            <a:ahLst/>
+            <a:cxnLst>
+              <a:cxn ang="0">
+                <a:pos x="connsiteX0" y="connsiteY0"/>
+              </a:cxn>
+              <a:cxn ang="0">
+                <a:pos x="connsiteX1" y="connsiteY1"/>
+              </a:cxn>
+              <a:cxn ang="0">
+                <a:pos x="connsiteX2" y="connsiteY2"/>
+              </a:cxn>
+              <a:cxn ang="0">
+                <a:pos x="connsiteX3" y="connsiteY3"/>
+              </a:cxn>
+              <a:cxn ang="0">
+                <a:pos x="connsiteX4" y="connsiteY4"/>
+              </a:cxn>
+              <a:cxn ang="0">
+                <a:pos x="connsiteX5" y="connsiteY5"/>
+              </a:cxn>
+              <a:cxn ang="0">
+                <a:pos x="connsiteX6" y="connsiteY6"/>
+              </a:cxn>
+            </a:cxnLst>
+            <a:rect l="l" t="t" r="r" b="b"/>
+            <a:pathLst>
+              <a:path w="4446529" h="6858000">
+                <a:moveTo>
+                  <a:pt x="0" y="0"/>
+                </a:moveTo>
+                <a:lnTo>
+                  <a:pt x="3233551" y="0"/>
+                </a:lnTo>
+                <a:lnTo>
+                  <a:pt x="3296534" y="69271"/>
+                </a:lnTo>
+                <a:cubicBezTo>
+                  <a:pt x="4007060" y="929100"/>
+                  <a:pt x="4446529" y="2116944"/>
+                  <a:pt x="4446529" y="3429000"/>
+                </a:cubicBezTo>
+                <a:cubicBezTo>
+                  <a:pt x="4446529" y="4741056"/>
+                  <a:pt x="4007060" y="5928900"/>
+                  <a:pt x="3296534" y="6788730"/>
+                </a:cubicBezTo>
+                <a:lnTo>
+                  <a:pt x="3233551" y="6858000"/>
+                </a:lnTo>
+                <a:lnTo>
+                  <a:pt x="0" y="6858000"/>
+                </a:lnTo>
+                <a:close/>
+              </a:path>
+            </a:pathLst>
+          </a:custGeom>
+          <a:ln w="9525">
+            <a:noFill/>
+          </a:ln>
+          <a:effectLst/>
+        </p:spPr>
+        <p:style>
+          <a:lnRef idx="2">
+            <a:schemeClr val="accent1">
+              <a:shade val="50000"/>
+            </a:schemeClr>
+          </a:lnRef>
+          <a:fillRef idx="1">
+            <a:schemeClr val="accent1"/>
+          </a:fillRef>
+          <a:effectRef idx="0">
+            <a:schemeClr val="accent1"/>
+          </a:effectRef>
+          <a:fontRef idx="minor">
+            <a:schemeClr val="lt1"/>
+          </a:fontRef>
+        </p:style>
+        <p:txBody>
+          <a:bodyPr wrap="square" rtlCol="0" anchor="ctr">
+            <a:noAutofit/>
+          </a:bodyPr>
+          <a:lstStyle/>
+          <a:p>
+            <a:pPr marL="0" marR="0" lvl="0" indent="0" algn="ctr" defTabSz="914400" rtl="0" eaLnBrk="1" fontAlgn="auto" latinLnBrk="0" hangingPunct="1">
+              <a:lnSpc>
+                <a:spcPct val="100000"/>
+              </a:lnSpc>
+              <a:spcBef>
+                <a:spcPts val="0"/>
+              </a:spcBef>
+              <a:spcAft>
+                <a:spcPts val="0"/>
+              </a:spcAft>
+              <a:buClrTx/>
+              <a:buSzTx/>
+              <a:buFontTx/>
+              <a:buNone/>
+              <a:tabLst/>
+              <a:defRPr/>
+            </a:pPr>
+            <a:endParaRPr kumimoji="0" lang="en-US" sz="1800" b="0" i="0" u="none" strike="noStrike" kern="1200" cap="none" spc="0" normalizeH="0" baseline="0" noProof="0">
+              <a:ln>
+                <a:noFill/>
+              </a:ln>
+              <a:solidFill>
+                <a:prstClr val="white"/>
+              </a:solidFill>
+              <a:effectLst/>
+              <a:uLnTx/>
+              <a:uFillTx/>
+              <a:latin typeface="Calibri" panose="020F0502020204030204"/>
+              <a:ea typeface="+mn-ea"/>
+              <a:cs typeface="+mn-cs"/>
+            </a:endParaRPr>
+          </a:p>
+        </p:txBody>
+      </p:sp>
       <p:sp>
         <p:nvSpPr>
-          <p:cNvPr id="22" name="Rectangle 21">
+          <p:cNvPr id="2" name="Titre 1">
+            <a:extLst>
+              <a:ext uri="{FF2B5EF4-FFF2-40B4-BE49-F238E27FC236}">
+                <a16:creationId xmlns:a16="http://schemas.microsoft.com/office/drawing/2014/main" id="{53C9C0E9-FB8D-49E9-A380-E308C526E7F9}"/>
+              </a:ext>
+            </a:extLst>
+          </p:cNvPr>
+          <p:cNvSpPr>
+            <a:spLocks noGrp="1"/>
+          </p:cNvSpPr>
+          <p:nvPr>
+            <p:ph type="title"/>
+          </p:nvPr>
+        </p:nvSpPr>
+        <p:spPr>
+          <a:xfrm>
+            <a:off x="371094" y="1056513"/>
+            <a:ext cx="3438144" cy="1229487"/>
+          </a:xfrm>
+        </p:spPr>
+        <p:txBody>
+          <a:bodyPr vert="horz" lIns="91440" tIns="45720" rIns="91440" bIns="45720" rtlCol="0" anchor="b">
+            <a:normAutofit fontScale="90000"/>
+          </a:bodyPr>
+          <a:lstStyle/>
+          <a:p>
+            <a:pPr algn="ctr"/>
+            <a:r>
+              <a:rPr lang="fr-FR" sz="4400" b="1" dirty="0"/>
+              <a:t>Détection «Manuelle»</a:t>
+            </a:r>
+          </a:p>
+        </p:txBody>
+      </p:sp>
+      <p:sp>
+        <p:nvSpPr>
+          <p:cNvPr id="41" name="Rectangle 40">
+            <a:extLst>
+              <a:ext uri="{FF2B5EF4-FFF2-40B4-BE49-F238E27FC236}">
+                <a16:creationId xmlns:a16="http://schemas.microsoft.com/office/drawing/2014/main" id="{55D4142C-5077-457F-A6AD-3FECFDB39685}"/>
+              </a:ext>
+              <a:ext uri="{C183D7F6-B498-43B3-948B-1728B52AA6E4}">
+                <adec:decorative xmlns:adec="http://schemas.microsoft.com/office/drawing/2017/decorative" val="1"/>
+              </a:ext>
+            </a:extLst>
+          </p:cNvPr>
+          <p:cNvSpPr>
+            <a:spLocks noGrp="1" noRot="1" noChangeAspect="1" noMove="1" noResize="1" noEditPoints="1" noAdjustHandles="1" noChangeArrowheads="1" noChangeShapeType="1" noTextEdit="1"/>
+          </p:cNvSpPr>
+          <p:nvPr>
+            <p:extLst>
+              <p:ext uri="{386F3935-93C4-4BCD-93E2-E3B085C9AB24}">
+                <p16:designElem xmlns:p16="http://schemas.microsoft.com/office/powerpoint/2015/main" val="1"/>
+              </p:ext>
+            </p:extLst>
+          </p:nvPr>
+        </p:nvSpPr>
+        <p:spPr>
+          <a:xfrm rot="5400000">
+            <a:off x="662559" y="605790"/>
+            <a:ext cx="73152" cy="548640"/>
+          </a:xfrm>
+          <a:prstGeom prst="rect">
+            <a:avLst/>
+          </a:prstGeom>
+          <a:solidFill>
+            <a:schemeClr val="accent1"/>
+          </a:solidFill>
+          <a:ln>
+            <a:noFill/>
+          </a:ln>
+        </p:spPr>
+        <p:style>
+          <a:lnRef idx="2">
+            <a:schemeClr val="accent1">
+              <a:shade val="50000"/>
+            </a:schemeClr>
+          </a:lnRef>
+          <a:fillRef idx="1">
+            <a:schemeClr val="accent1"/>
+          </a:fillRef>
+          <a:effectRef idx="0">
+            <a:schemeClr val="accent1"/>
+          </a:effectRef>
+          <a:fontRef idx="minor">
+            <a:schemeClr val="lt1"/>
+          </a:fontRef>
+        </p:style>
+        <p:txBody>
+          <a:bodyPr rtlCol="0" anchor="ctr"/>
+          <a:lstStyle/>
+          <a:p>
+            <a:pPr marL="0" marR="0" lvl="0" indent="0" algn="ctr" defTabSz="914400" rtl="0" eaLnBrk="1" fontAlgn="auto" latinLnBrk="0" hangingPunct="1">
+              <a:lnSpc>
+                <a:spcPct val="100000"/>
+              </a:lnSpc>
+              <a:spcBef>
+                <a:spcPts val="0"/>
+              </a:spcBef>
+              <a:spcAft>
+                <a:spcPts val="0"/>
+              </a:spcAft>
+              <a:buClrTx/>
+              <a:buSzTx/>
+              <a:buFontTx/>
+              <a:buNone/>
+              <a:tabLst/>
+              <a:defRPr/>
+            </a:pPr>
+            <a:endParaRPr kumimoji="0" lang="en-US" sz="1800" b="0" i="0" u="none" strike="noStrike" kern="1200" cap="none" spc="0" normalizeH="0" baseline="0" noProof="0">
+              <a:ln>
+                <a:noFill/>
+              </a:ln>
+              <a:solidFill>
+                <a:prstClr val="white"/>
+              </a:solidFill>
+              <a:effectLst/>
+              <a:uLnTx/>
+              <a:uFillTx/>
+              <a:latin typeface="Calibri" panose="020F0502020204030204"/>
+              <a:ea typeface="+mn-ea"/>
+              <a:cs typeface="+mn-cs"/>
+            </a:endParaRPr>
+          </a:p>
+        </p:txBody>
+      </p:sp>
+      <p:sp>
+        <p:nvSpPr>
+          <p:cNvPr id="43" name="Rectangle 42">
+            <a:extLst>
+              <a:ext uri="{FF2B5EF4-FFF2-40B4-BE49-F238E27FC236}">
+                <a16:creationId xmlns:a16="http://schemas.microsoft.com/office/drawing/2014/main" id="{7A5F0580-5EE9-419F-96EE-B6529EF6E7D0}"/>
+              </a:ext>
+              <a:ext uri="{C183D7F6-B498-43B3-948B-1728B52AA6E4}">
+                <adec:decorative xmlns:adec="http://schemas.microsoft.com/office/drawing/2017/decorative" val="1"/>
+              </a:ext>
+            </a:extLst>
+          </p:cNvPr>
+          <p:cNvSpPr>
+            <a:spLocks noGrp="1" noRot="1" noChangeAspect="1" noMove="1" noResize="1" noEditPoints="1" noAdjustHandles="1" noChangeArrowheads="1" noChangeShapeType="1" noTextEdit="1"/>
+          </p:cNvSpPr>
+          <p:nvPr>
+            <p:extLst>
+              <p:ext uri="{386F3935-93C4-4BCD-93E2-E3B085C9AB24}">
+                <p16:designElem xmlns:p16="http://schemas.microsoft.com/office/powerpoint/2015/main" val="1"/>
+              </p:ext>
+            </p:extLst>
+          </p:nvPr>
+        </p:nvSpPr>
+        <p:spPr>
+          <a:xfrm>
+            <a:off x="428244" y="2443480"/>
+            <a:ext cx="3337560" cy="18288"/>
+          </a:xfrm>
+          <a:prstGeom prst="rect">
+            <a:avLst/>
+          </a:prstGeom>
+          <a:solidFill>
+            <a:schemeClr val="tx2">
+              <a:lumMod val="25000"/>
+              <a:lumOff val="75000"/>
+            </a:schemeClr>
+          </a:solidFill>
+          <a:ln w="3175">
+            <a:noFill/>
+          </a:ln>
+          <a:effectLst/>
+        </p:spPr>
+        <p:style>
+          <a:lnRef idx="2">
+            <a:schemeClr val="accent1">
+              <a:shade val="50000"/>
+            </a:schemeClr>
+          </a:lnRef>
+          <a:fillRef idx="1">
+            <a:schemeClr val="accent1"/>
+          </a:fillRef>
+          <a:effectRef idx="0">
+            <a:schemeClr val="accent1"/>
+          </a:effectRef>
+          <a:fontRef idx="minor">
+            <a:schemeClr val="lt1"/>
+          </a:fontRef>
+        </p:style>
+        <p:txBody>
+          <a:bodyPr rtlCol="0" anchor="ctr"/>
+          <a:lstStyle/>
+          <a:p>
+            <a:pPr marL="0" marR="0" lvl="0" indent="0" algn="ctr" defTabSz="914400" rtl="0" eaLnBrk="1" fontAlgn="auto" latinLnBrk="0" hangingPunct="1">
+              <a:lnSpc>
+                <a:spcPct val="100000"/>
+              </a:lnSpc>
+              <a:spcBef>
+                <a:spcPts val="0"/>
+              </a:spcBef>
+              <a:spcAft>
+                <a:spcPts val="0"/>
+              </a:spcAft>
+              <a:buClrTx/>
+              <a:buSzTx/>
+              <a:buFontTx/>
+              <a:buNone/>
+              <a:tabLst/>
+              <a:defRPr/>
+            </a:pPr>
+            <a:endParaRPr kumimoji="0" lang="en-US" sz="1800" b="0" i="0" u="none" strike="noStrike" kern="1200" cap="none" spc="0" normalizeH="0" baseline="0" noProof="0">
+              <a:ln>
+                <a:noFill/>
+              </a:ln>
+              <a:solidFill>
+                <a:prstClr val="white"/>
+              </a:solidFill>
+              <a:effectLst/>
+              <a:uLnTx/>
+              <a:uFillTx/>
+              <a:latin typeface="Calibri" panose="020F0502020204030204"/>
+              <a:ea typeface="+mn-ea"/>
+              <a:cs typeface="+mn-cs"/>
+            </a:endParaRPr>
+          </a:p>
+        </p:txBody>
+      </p:sp>
+      <p:pic>
+        <p:nvPicPr>
+          <p:cNvPr id="4" name="Image 3" descr="Une image contenant texte&#10;&#10;Description générée automatiquement">
+            <a:extLst>
+              <a:ext uri="{FF2B5EF4-FFF2-40B4-BE49-F238E27FC236}">
+                <a16:creationId xmlns:a16="http://schemas.microsoft.com/office/drawing/2014/main" id="{2BB67D92-4AE0-43BC-8C57-6DEB9E12D3E0}"/>
+              </a:ext>
+            </a:extLst>
+          </p:cNvPr>
+          <p:cNvPicPr>
+            <a:picLocks noChangeAspect="1"/>
+          </p:cNvPicPr>
+          <p:nvPr/>
+        </p:nvPicPr>
+        <p:blipFill>
+          <a:blip r:embed="rId2">
+            <a:extLst>
+              <a:ext uri="{28A0092B-C50C-407E-A947-70E740481C1C}">
+                <a14:useLocalDpi xmlns:a14="http://schemas.microsoft.com/office/drawing/2010/main" val="0"/>
+              </a:ext>
+            </a:extLst>
+          </a:blip>
+          <a:stretch>
+            <a:fillRect/>
+          </a:stretch>
+        </p:blipFill>
+        <p:spPr>
+          <a:xfrm>
+            <a:off x="4550922" y="1161289"/>
+            <a:ext cx="7452796" cy="4341254"/>
+          </a:xfrm>
+          <a:prstGeom prst="rect">
+            <a:avLst/>
+          </a:prstGeom>
+        </p:spPr>
+      </p:pic>
+      <p:sp>
+        <p:nvSpPr>
+          <p:cNvPr id="5" name="Espace réservé du pied de page 4">
+            <a:extLst>
+              <a:ext uri="{FF2B5EF4-FFF2-40B4-BE49-F238E27FC236}">
+                <a16:creationId xmlns:a16="http://schemas.microsoft.com/office/drawing/2014/main" id="{F6C962A9-EDAB-41AD-B9B1-677AB9C043C4}"/>
+              </a:ext>
+            </a:extLst>
+          </p:cNvPr>
+          <p:cNvSpPr>
+            <a:spLocks noGrp="1"/>
+          </p:cNvSpPr>
+          <p:nvPr>
+            <p:ph type="ftr" sz="quarter" idx="11"/>
+          </p:nvPr>
+        </p:nvSpPr>
+        <p:spPr>
+          <a:xfrm>
+            <a:off x="4898967" y="6356350"/>
+            <a:ext cx="4114800" cy="365125"/>
+          </a:xfrm>
+        </p:spPr>
+        <p:txBody>
+          <a:bodyPr vert="horz" lIns="91440" tIns="45720" rIns="91440" bIns="45720" rtlCol="0">
+            <a:normAutofit/>
+          </a:bodyPr>
+          <a:lstStyle/>
+          <a:p>
+            <a:pPr algn="l"/>
+            <a:endParaRPr lang="en-US" kern="1200">
+              <a:solidFill>
+                <a:schemeClr val="tx2">
+                  <a:lumMod val="50000"/>
+                  <a:lumOff val="50000"/>
+                </a:schemeClr>
+              </a:solidFill>
+              <a:latin typeface="+mn-lt"/>
+              <a:ea typeface="+mn-ea"/>
+              <a:cs typeface="+mn-cs"/>
+            </a:endParaRPr>
+          </a:p>
+        </p:txBody>
+      </p:sp>
+      <p:sp>
+        <p:nvSpPr>
+          <p:cNvPr id="6" name="Espace réservé du numéro de diapositive 5">
+            <a:extLst>
+              <a:ext uri="{FF2B5EF4-FFF2-40B4-BE49-F238E27FC236}">
+                <a16:creationId xmlns:a16="http://schemas.microsoft.com/office/drawing/2014/main" id="{78C9C121-DD82-43BE-90BA-580F1987956D}"/>
+              </a:ext>
+            </a:extLst>
+          </p:cNvPr>
+          <p:cNvSpPr>
+            <a:spLocks noGrp="1"/>
+          </p:cNvSpPr>
+          <p:nvPr>
+            <p:ph type="sldNum" sz="quarter" idx="12"/>
+          </p:nvPr>
+        </p:nvSpPr>
+        <p:spPr>
+          <a:xfrm>
+            <a:off x="9692640" y="6356350"/>
+            <a:ext cx="2124456" cy="365125"/>
+          </a:xfrm>
+        </p:spPr>
+        <p:txBody>
+          <a:bodyPr vert="horz" lIns="91440" tIns="45720" rIns="91440" bIns="45720" rtlCol="0">
+            <a:normAutofit/>
+          </a:bodyPr>
+          <a:lstStyle/>
+          <a:p>
+            <a:pPr>
+              <a:spcAft>
+                <a:spcPts val="600"/>
+              </a:spcAft>
+            </a:pPr>
+            <a:fld id="{3D1BC708-6C6B-415E-A2B1-AA9CE2E7AADD}" type="slidenum">
+              <a:rPr lang="en-US">
+                <a:solidFill>
+                  <a:schemeClr val="tx2">
+                    <a:lumMod val="50000"/>
+                    <a:lumOff val="50000"/>
+                  </a:schemeClr>
+                </a:solidFill>
+              </a:rPr>
+              <a:pPr>
+                <a:spcAft>
+                  <a:spcPts val="600"/>
+                </a:spcAft>
+              </a:pPr>
+              <a:t>4</a:t>
+            </a:fld>
+            <a:endParaRPr lang="en-US">
+              <a:solidFill>
+                <a:schemeClr val="tx2">
+                  <a:lumMod val="50000"/>
+                  <a:lumOff val="50000"/>
+                </a:schemeClr>
+              </a:solidFill>
+            </a:endParaRPr>
+          </a:p>
+        </p:txBody>
+      </p:sp>
+    </p:spTree>
+    <p:extLst>
+      <p:ext uri="{BB962C8B-B14F-4D97-AF65-F5344CB8AC3E}">
+        <p14:creationId xmlns:p14="http://schemas.microsoft.com/office/powerpoint/2010/main" val="1230625520"/>
+      </p:ext>
+    </p:extLst>
+  </p:cSld>
+  <p:clrMapOvr>
+    <a:masterClrMapping/>
+  </p:clrMapOvr>
+</p:sld>
+</file>
+
+<file path=ppt/slides/slide5.xml><?xml version="1.0" encoding="utf-8"?>
+<p:sld xmlns:a="http://schemas.openxmlformats.org/drawingml/2006/main" xmlns:r="http://schemas.openxmlformats.org/officeDocument/2006/relationships" xmlns:p="http://schemas.openxmlformats.org/presentationml/2006/main">
+  <p:cSld>
+    <p:bg>
+      <p:bgPr>
+        <a:solidFill>
+          <a:schemeClr val="bg1"/>
+        </a:solidFill>
+        <a:effectLst/>
+      </p:bgPr>
+    </p:bg>
+    <p:spTree>
+      <p:nvGrpSpPr>
+        <p:cNvPr id="1" name=""/>
+        <p:cNvGrpSpPr/>
+        <p:nvPr/>
+      </p:nvGrpSpPr>
+      <p:grpSpPr>
+        <a:xfrm>
+          <a:off x="0" y="0"/>
+          <a:ext cx="0" cy="0"/>
+          <a:chOff x="0" y="0"/>
+          <a:chExt cx="0" cy="0"/>
+        </a:xfrm>
+      </p:grpSpPr>
+      <p:sp useBgFill="1">
+        <p:nvSpPr>
+          <p:cNvPr id="12" name="Rectangle 11">
+            <a:extLst>
+              <a:ext uri="{FF2B5EF4-FFF2-40B4-BE49-F238E27FC236}">
+                <a16:creationId xmlns:a16="http://schemas.microsoft.com/office/drawing/2014/main" id="{2C9A9DA9-7DC8-488B-A882-123947B0F3D9}"/>
+              </a:ext>
+              <a:ext uri="{C183D7F6-B498-43B3-948B-1728B52AA6E4}">
+                <adec:decorative xmlns:adec="http://schemas.microsoft.com/office/drawing/2017/decorative" val="1"/>
+              </a:ext>
+            </a:extLst>
+          </p:cNvPr>
+          <p:cNvSpPr>
+            <a:spLocks noGrp="1" noRot="1" noChangeAspect="1" noMove="1" noResize="1" noEditPoints="1" noAdjustHandles="1" noChangeArrowheads="1" noChangeShapeType="1" noTextEdit="1"/>
+          </p:cNvSpPr>
+          <p:nvPr>
+            <p:extLst>
+              <p:ext uri="{386F3935-93C4-4BCD-93E2-E3B085C9AB24}">
+                <p16:designElem xmlns:p16="http://schemas.microsoft.com/office/powerpoint/2015/main" val="1"/>
+              </p:ext>
+            </p:extLst>
+          </p:nvPr>
+        </p:nvSpPr>
+        <p:spPr>
+          <a:xfrm>
+            <a:off x="0" y="0"/>
+            <a:ext cx="12192000" cy="6858000"/>
+          </a:xfrm>
+          <a:prstGeom prst="rect">
+            <a:avLst/>
+          </a:prstGeom>
+          <a:ln>
+            <a:noFill/>
+          </a:ln>
+        </p:spPr>
+        <p:style>
+          <a:lnRef idx="2">
+            <a:schemeClr val="accent1">
+              <a:shade val="50000"/>
+            </a:schemeClr>
+          </a:lnRef>
+          <a:fillRef idx="1">
+            <a:schemeClr val="accent1"/>
+          </a:fillRef>
+          <a:effectRef idx="0">
+            <a:schemeClr val="accent1"/>
+          </a:effectRef>
+          <a:fontRef idx="minor">
+            <a:schemeClr val="lt1"/>
+          </a:fontRef>
+        </p:style>
+        <p:txBody>
+          <a:bodyPr rtlCol="0" anchor="ctr"/>
+          <a:lstStyle/>
+          <a:p>
+            <a:pPr algn="ctr"/>
+            <a:endParaRPr lang="en-US"/>
+          </a:p>
+        </p:txBody>
+      </p:sp>
+      <p:sp useBgFill="1">
+        <p:nvSpPr>
+          <p:cNvPr id="14" name="Rectangle 13">
+            <a:extLst>
+              <a:ext uri="{FF2B5EF4-FFF2-40B4-BE49-F238E27FC236}">
+                <a16:creationId xmlns:a16="http://schemas.microsoft.com/office/drawing/2014/main" id="{57F6BDD4-E066-4008-8011-6CC31AEB4556}"/>
+              </a:ext>
+              <a:ext uri="{C183D7F6-B498-43B3-948B-1728B52AA6E4}">
+                <adec:decorative xmlns:adec="http://schemas.microsoft.com/office/drawing/2017/decorative" val="1"/>
+              </a:ext>
+            </a:extLst>
+          </p:cNvPr>
+          <p:cNvSpPr>
+            <a:spLocks noGrp="1" noRot="1" noChangeAspect="1" noMove="1" noResize="1" noEditPoints="1" noAdjustHandles="1" noChangeArrowheads="1" noChangeShapeType="1" noTextEdit="1"/>
+          </p:cNvSpPr>
+          <p:nvPr>
+            <p:extLst>
+              <p:ext uri="{386F3935-93C4-4BCD-93E2-E3B085C9AB24}">
+                <p16:designElem xmlns:p16="http://schemas.microsoft.com/office/powerpoint/2015/main" val="1"/>
+              </p:ext>
+            </p:extLst>
+          </p:nvPr>
+        </p:nvSpPr>
+        <p:spPr>
+          <a:xfrm>
+            <a:off x="409575" y="633619"/>
+            <a:ext cx="4279383" cy="5495925"/>
+          </a:xfrm>
+          <a:prstGeom prst="rect">
+            <a:avLst/>
+          </a:prstGeom>
+          <a:ln w="9525">
+            <a:solidFill>
+              <a:schemeClr val="tx2">
+                <a:lumMod val="10000"/>
+                <a:lumOff val="90000"/>
+              </a:schemeClr>
+            </a:solidFill>
+          </a:ln>
+          <a:effectLst>
+            <a:outerShdw blurRad="50800" dist="38100" dir="2700000" algn="tl" rotWithShape="0">
+              <a:schemeClr val="bg1">
+                <a:lumMod val="85000"/>
+                <a:alpha val="30000"/>
+              </a:schemeClr>
+            </a:outerShdw>
+          </a:effectLst>
+        </p:spPr>
+        <p:style>
+          <a:lnRef idx="2">
+            <a:schemeClr val="accent1">
+              <a:shade val="50000"/>
+            </a:schemeClr>
+          </a:lnRef>
+          <a:fillRef idx="1">
+            <a:schemeClr val="accent1"/>
+          </a:fillRef>
+          <a:effectRef idx="0">
+            <a:schemeClr val="accent1"/>
+          </a:effectRef>
+          <a:fontRef idx="minor">
+            <a:schemeClr val="lt1"/>
+          </a:fontRef>
+        </p:style>
+        <p:txBody>
+          <a:bodyPr rtlCol="0" anchor="ctr"/>
+          <a:lstStyle/>
+          <a:p>
+            <a:pPr marL="0" marR="0" lvl="0" indent="0" algn="ctr" defTabSz="914400" rtl="0" eaLnBrk="1" fontAlgn="auto" latinLnBrk="0" hangingPunct="1">
+              <a:lnSpc>
+                <a:spcPct val="100000"/>
+              </a:lnSpc>
+              <a:spcBef>
+                <a:spcPts val="0"/>
+              </a:spcBef>
+              <a:spcAft>
+                <a:spcPts val="0"/>
+              </a:spcAft>
+              <a:buClrTx/>
+              <a:buSzTx/>
+              <a:buFontTx/>
+              <a:buNone/>
+              <a:tabLst/>
+              <a:defRPr/>
+            </a:pPr>
+            <a:endParaRPr kumimoji="0" lang="en-US" sz="1800" b="0" i="0" u="none" strike="noStrike" kern="1200" cap="none" spc="0" normalizeH="0" baseline="0" noProof="0">
+              <a:ln>
+                <a:noFill/>
+              </a:ln>
+              <a:solidFill>
+                <a:prstClr val="white"/>
+              </a:solidFill>
+              <a:effectLst/>
+              <a:uLnTx/>
+              <a:uFillTx/>
+              <a:latin typeface="Calibri" panose="020F0502020204030204"/>
+              <a:ea typeface="+mn-ea"/>
+              <a:cs typeface="+mn-cs"/>
+            </a:endParaRPr>
+          </a:p>
+        </p:txBody>
+      </p:sp>
+      <p:sp>
+        <p:nvSpPr>
+          <p:cNvPr id="16" name="Rectangle 15">
+            <a:extLst>
+              <a:ext uri="{FF2B5EF4-FFF2-40B4-BE49-F238E27FC236}">
+                <a16:creationId xmlns:a16="http://schemas.microsoft.com/office/drawing/2014/main" id="{2711A8FB-68FC-45FC-B01E-38F809E2D439}"/>
+              </a:ext>
+              <a:ext uri="{C183D7F6-B498-43B3-948B-1728B52AA6E4}">
+                <adec:decorative xmlns:adec="http://schemas.microsoft.com/office/drawing/2017/decorative" val="1"/>
+              </a:ext>
+            </a:extLst>
+          </p:cNvPr>
+          <p:cNvSpPr>
+            <a:spLocks noGrp="1" noRot="1" noChangeAspect="1" noMove="1" noResize="1" noEditPoints="1" noAdjustHandles="1" noChangeArrowheads="1" noChangeShapeType="1" noTextEdit="1"/>
+          </p:cNvSpPr>
+          <p:nvPr>
+            <p:extLst>
+              <p:ext uri="{386F3935-93C4-4BCD-93E2-E3B085C9AB24}">
+                <p16:designElem xmlns:p16="http://schemas.microsoft.com/office/powerpoint/2015/main" val="1"/>
+              </p:ext>
+            </p:extLst>
+          </p:nvPr>
+        </p:nvSpPr>
+        <p:spPr>
+          <a:xfrm>
+            <a:off x="345567" y="1171300"/>
+            <a:ext cx="128016" cy="704088"/>
+          </a:xfrm>
+          <a:prstGeom prst="rect">
+            <a:avLst/>
+          </a:prstGeom>
+          <a:solidFill>
+            <a:schemeClr val="accent1"/>
+          </a:solidFill>
+          <a:ln>
+            <a:noFill/>
+          </a:ln>
+        </p:spPr>
+        <p:style>
+          <a:lnRef idx="2">
+            <a:schemeClr val="accent1">
+              <a:shade val="50000"/>
+            </a:schemeClr>
+          </a:lnRef>
+          <a:fillRef idx="1">
+            <a:schemeClr val="accent1"/>
+          </a:fillRef>
+          <a:effectRef idx="0">
+            <a:schemeClr val="accent1"/>
+          </a:effectRef>
+          <a:fontRef idx="minor">
+            <a:schemeClr val="lt1"/>
+          </a:fontRef>
+        </p:style>
+        <p:txBody>
+          <a:bodyPr rtlCol="0" anchor="ctr"/>
+          <a:lstStyle/>
+          <a:p>
+            <a:pPr marL="0" marR="0" lvl="0" indent="0" algn="ctr" defTabSz="914400" rtl="0" eaLnBrk="1" fontAlgn="auto" latinLnBrk="0" hangingPunct="1">
+              <a:lnSpc>
+                <a:spcPct val="100000"/>
+              </a:lnSpc>
+              <a:spcBef>
+                <a:spcPts val="0"/>
+              </a:spcBef>
+              <a:spcAft>
+                <a:spcPts val="0"/>
+              </a:spcAft>
+              <a:buClrTx/>
+              <a:buSzTx/>
+              <a:buFontTx/>
+              <a:buNone/>
+              <a:tabLst/>
+              <a:defRPr/>
+            </a:pPr>
+            <a:endParaRPr kumimoji="0" lang="en-US" sz="1800" b="0" i="0" u="none" strike="noStrike" kern="1200" cap="none" spc="0" normalizeH="0" baseline="0" noProof="0">
+              <a:ln>
+                <a:noFill/>
+              </a:ln>
+              <a:solidFill>
+                <a:prstClr val="white"/>
+              </a:solidFill>
+              <a:effectLst/>
+              <a:uLnTx/>
+              <a:uFillTx/>
+              <a:latin typeface="Calibri" panose="020F0502020204030204"/>
+              <a:ea typeface="+mn-ea"/>
+              <a:cs typeface="+mn-cs"/>
+            </a:endParaRPr>
+          </a:p>
+        </p:txBody>
+      </p:sp>
+      <p:sp>
+        <p:nvSpPr>
+          <p:cNvPr id="18" name="Rectangle 17">
+            <a:extLst>
+              <a:ext uri="{FF2B5EF4-FFF2-40B4-BE49-F238E27FC236}">
+                <a16:creationId xmlns:a16="http://schemas.microsoft.com/office/drawing/2014/main" id="{2A865FE3-5FC9-4049-87CF-30019C46C0F5}"/>
+              </a:ext>
+              <a:ext uri="{C183D7F6-B498-43B3-948B-1728B52AA6E4}">
+                <adec:decorative xmlns:adec="http://schemas.microsoft.com/office/drawing/2017/decorative" val="1"/>
+              </a:ext>
+            </a:extLst>
+          </p:cNvPr>
+          <p:cNvSpPr>
+            <a:spLocks noGrp="1" noRot="1" noChangeAspect="1" noMove="1" noResize="1" noEditPoints="1" noAdjustHandles="1" noChangeArrowheads="1" noChangeShapeType="1" noTextEdit="1"/>
+          </p:cNvSpPr>
+          <p:nvPr>
+            <p:extLst>
+              <p:ext uri="{386F3935-93C4-4BCD-93E2-E3B085C9AB24}">
+                <p16:designElem xmlns:p16="http://schemas.microsoft.com/office/powerpoint/2015/main" val="1"/>
+              </p:ext>
+            </p:extLst>
+          </p:nvPr>
+        </p:nvSpPr>
+        <p:spPr>
+          <a:xfrm>
+            <a:off x="877459" y="2093976"/>
+            <a:ext cx="3328416" cy="9144"/>
+          </a:xfrm>
+          <a:prstGeom prst="rect">
+            <a:avLst/>
+          </a:prstGeom>
+          <a:solidFill>
+            <a:schemeClr val="tx2">
+              <a:lumMod val="25000"/>
+              <a:lumOff val="75000"/>
+            </a:schemeClr>
+          </a:solidFill>
+          <a:ln w="3175">
+            <a:noFill/>
+          </a:ln>
+          <a:effectLst/>
+        </p:spPr>
+        <p:style>
+          <a:lnRef idx="2">
+            <a:schemeClr val="accent1">
+              <a:shade val="50000"/>
+            </a:schemeClr>
+          </a:lnRef>
+          <a:fillRef idx="1">
+            <a:schemeClr val="accent1"/>
+          </a:fillRef>
+          <a:effectRef idx="0">
+            <a:schemeClr val="accent1"/>
+          </a:effectRef>
+          <a:fontRef idx="minor">
+            <a:schemeClr val="lt1"/>
+          </a:fontRef>
+        </p:style>
+        <p:txBody>
+          <a:bodyPr rtlCol="0" anchor="ctr"/>
+          <a:lstStyle/>
+          <a:p>
+            <a:pPr marL="0" marR="0" lvl="0" indent="0" algn="ctr" defTabSz="914400" rtl="0" eaLnBrk="1" fontAlgn="auto" latinLnBrk="0" hangingPunct="1">
+              <a:lnSpc>
+                <a:spcPct val="100000"/>
+              </a:lnSpc>
+              <a:spcBef>
+                <a:spcPts val="0"/>
+              </a:spcBef>
+              <a:spcAft>
+                <a:spcPts val="0"/>
+              </a:spcAft>
+              <a:buClrTx/>
+              <a:buSzTx/>
+              <a:buFontTx/>
+              <a:buNone/>
+              <a:tabLst/>
+              <a:defRPr/>
+            </a:pPr>
+            <a:endParaRPr kumimoji="0" lang="en-US" sz="1800" b="0" i="0" u="none" strike="noStrike" kern="1200" cap="none" spc="0" normalizeH="0" baseline="0" noProof="0">
+              <a:ln>
+                <a:noFill/>
+              </a:ln>
+              <a:solidFill>
+                <a:prstClr val="white"/>
+              </a:solidFill>
+              <a:effectLst/>
+              <a:uLnTx/>
+              <a:uFillTx/>
+              <a:latin typeface="Calibri" panose="020F0502020204030204"/>
+              <a:ea typeface="+mn-ea"/>
+              <a:cs typeface="+mn-cs"/>
+            </a:endParaRPr>
+          </a:p>
+        </p:txBody>
+      </p:sp>
+      <p:sp>
+        <p:nvSpPr>
+          <p:cNvPr id="9" name="Content Placeholder 8">
+            <a:extLst>
+              <a:ext uri="{FF2B5EF4-FFF2-40B4-BE49-F238E27FC236}">
+                <a16:creationId xmlns:a16="http://schemas.microsoft.com/office/drawing/2014/main" id="{CBB362CD-0088-462A-A74A-0B95D019D731}"/>
+              </a:ext>
+            </a:extLst>
+          </p:cNvPr>
+          <p:cNvSpPr>
+            <a:spLocks noGrp="1"/>
+          </p:cNvSpPr>
+          <p:nvPr>
+            <p:ph idx="1"/>
+          </p:nvPr>
+        </p:nvSpPr>
+        <p:spPr>
+          <a:xfrm>
+            <a:off x="841248" y="2252870"/>
+            <a:ext cx="3412219" cy="3668536"/>
+          </a:xfrm>
+        </p:spPr>
+        <p:txBody>
+          <a:bodyPr>
+            <a:normAutofit fontScale="92500" lnSpcReduction="10000"/>
+          </a:bodyPr>
+          <a:lstStyle/>
+          <a:p>
+            <a:pPr marL="0" indent="0">
+              <a:buNone/>
+            </a:pPr>
+            <a:r>
+              <a:rPr lang="fr-FR" sz="1700" dirty="0"/>
+              <a:t>RÉSULTAT :</a:t>
+            </a:r>
+          </a:p>
+          <a:p>
+            <a:r>
+              <a:rPr lang="fr-FR" sz="1700" dirty="0"/>
+              <a:t>Les fichiers 4 et 6 sont des fraudes avérées.</a:t>
+            </a:r>
+          </a:p>
+          <a:p>
+            <a:r>
+              <a:rPr lang="fr-FR" sz="1700" dirty="0"/>
+              <a:t>Le fichier 5 est une suspicion de fraude</a:t>
+            </a:r>
+          </a:p>
+          <a:p>
+            <a:r>
+              <a:rPr lang="fr-FR" sz="1700" dirty="0"/>
+              <a:t>Les fraudes sont donc bien détectées</a:t>
+            </a:r>
+          </a:p>
+          <a:p>
+            <a:pPr marL="0" indent="0">
+              <a:buNone/>
+            </a:pPr>
+            <a:r>
+              <a:rPr lang="fr-FR" sz="1700" dirty="0"/>
+              <a:t>LIMITES :</a:t>
+            </a:r>
+          </a:p>
+          <a:p>
+            <a:r>
+              <a:rPr lang="fr-FR" sz="1700" dirty="0"/>
+              <a:t>Pas d’IA</a:t>
+            </a:r>
+          </a:p>
+          <a:p>
+            <a:r>
+              <a:rPr lang="fr-FR" sz="1700" dirty="0"/>
+              <a:t>Fonctionne pour d’autres formats de fichiers ?</a:t>
+            </a:r>
+          </a:p>
+        </p:txBody>
+      </p:sp>
+      <p:pic>
+        <p:nvPicPr>
+          <p:cNvPr id="5" name="Espace réservé du contenu 4" descr="Une image contenant texte&#10;&#10;Description générée automatiquement">
+            <a:extLst>
+              <a:ext uri="{FF2B5EF4-FFF2-40B4-BE49-F238E27FC236}">
+                <a16:creationId xmlns:a16="http://schemas.microsoft.com/office/drawing/2014/main" id="{C66857B6-1CAF-4D6E-A457-2BB408A61E44}"/>
+              </a:ext>
+            </a:extLst>
+          </p:cNvPr>
+          <p:cNvPicPr>
+            <a:picLocks noChangeAspect="1"/>
+          </p:cNvPicPr>
+          <p:nvPr/>
+        </p:nvPicPr>
+        <p:blipFill>
+          <a:blip r:embed="rId2">
+            <a:extLst>
+              <a:ext uri="{28A0092B-C50C-407E-A947-70E740481C1C}">
+                <a14:useLocalDpi xmlns:a14="http://schemas.microsoft.com/office/drawing/2010/main" val="0"/>
+              </a:ext>
+            </a:extLst>
+          </a:blip>
+          <a:stretch>
+            <a:fillRect/>
+          </a:stretch>
+        </p:blipFill>
+        <p:spPr>
+          <a:xfrm>
+            <a:off x="5120640" y="674369"/>
+            <a:ext cx="6656832" cy="5408677"/>
+          </a:xfrm>
+          <a:prstGeom prst="rect">
+            <a:avLst/>
+          </a:prstGeom>
+        </p:spPr>
+      </p:pic>
+      <p:sp>
+        <p:nvSpPr>
+          <p:cNvPr id="13" name="Titre 1">
+            <a:extLst>
+              <a:ext uri="{FF2B5EF4-FFF2-40B4-BE49-F238E27FC236}">
+                <a16:creationId xmlns:a16="http://schemas.microsoft.com/office/drawing/2014/main" id="{87239DE0-96FD-4CF8-9CB3-AB8CBCF1B53D}"/>
+              </a:ext>
+            </a:extLst>
+          </p:cNvPr>
+          <p:cNvSpPr>
+            <a:spLocks noGrp="1"/>
+          </p:cNvSpPr>
+          <p:nvPr>
+            <p:ph type="title"/>
+          </p:nvPr>
+        </p:nvSpPr>
+        <p:spPr>
+          <a:xfrm>
+            <a:off x="529987" y="633619"/>
+            <a:ext cx="4023360" cy="1512276"/>
+          </a:xfrm>
+        </p:spPr>
+        <p:txBody>
+          <a:bodyPr vert="horz" lIns="91440" tIns="45720" rIns="91440" bIns="45720" rtlCol="0" anchor="b">
+            <a:normAutofit/>
+          </a:bodyPr>
+          <a:lstStyle/>
+          <a:p>
+            <a:pPr algn="ctr"/>
+            <a:r>
+              <a:rPr lang="fr-FR" sz="4800" b="1" dirty="0"/>
+              <a:t>Détection «Manuelle»</a:t>
+            </a:r>
+          </a:p>
+        </p:txBody>
+      </p:sp>
+    </p:spTree>
+    <p:extLst>
+      <p:ext uri="{BB962C8B-B14F-4D97-AF65-F5344CB8AC3E}">
+        <p14:creationId xmlns:p14="http://schemas.microsoft.com/office/powerpoint/2010/main" val="592367599"/>
+      </p:ext>
+    </p:extLst>
+  </p:cSld>
+  <p:clrMapOvr>
+    <a:masterClrMapping/>
+  </p:clrMapOvr>
+</p:sld>
+</file>
+
+<file path=ppt/slides/slide6.xml><?xml version="1.0" encoding="utf-8"?>
+<p:sld xmlns:a="http://schemas.openxmlformats.org/drawingml/2006/main" xmlns:r="http://schemas.openxmlformats.org/officeDocument/2006/relationships" xmlns:p="http://schemas.openxmlformats.org/presentationml/2006/main">
+  <p:cSld>
+    <p:bg>
+      <p:bgPr>
+        <a:solidFill>
+          <a:schemeClr val="bg1"/>
+        </a:solidFill>
+        <a:effectLst/>
+      </p:bgPr>
+    </p:bg>
+    <p:spTree>
+      <p:nvGrpSpPr>
+        <p:cNvPr id="1" name=""/>
+        <p:cNvGrpSpPr/>
+        <p:nvPr/>
+      </p:nvGrpSpPr>
+      <p:grpSpPr>
+        <a:xfrm>
+          <a:off x="0" y="0"/>
+          <a:ext cx="0" cy="0"/>
+          <a:chOff x="0" y="0"/>
+          <a:chExt cx="0" cy="0"/>
+        </a:xfrm>
+      </p:grpSpPr>
+      <p:sp>
+        <p:nvSpPr>
+          <p:cNvPr id="10" name="Rectangle 9">
             <a:extLst>
               <a:ext uri="{FF2B5EF4-FFF2-40B4-BE49-F238E27FC236}">
                 <a16:creationId xmlns:a16="http://schemas.microsoft.com/office/drawing/2014/main" id="{8D06CE56-3881-4ADA-8CEF-D18B02C242A3}"/>
@@ -15720,7 +17902,7 @@
       </p:sp>
       <p:sp>
         <p:nvSpPr>
-          <p:cNvPr id="24" name="Rectangle 23">
+          <p:cNvPr id="12" name="Rectangle 11">
             <a:extLst>
               <a:ext uri="{FF2B5EF4-FFF2-40B4-BE49-F238E27FC236}">
                 <a16:creationId xmlns:a16="http://schemas.microsoft.com/office/drawing/2014/main" id="{79F3C543-62EC-4433-9C93-A2CD8764E9B4}"/>
@@ -15816,7 +17998,7 @@
       </p:sp>
       <p:sp useBgFill="1">
         <p:nvSpPr>
-          <p:cNvPr id="26" name="Rectangle 25">
+          <p:cNvPr id="14" name="Rectangle 13">
             <a:extLst>
               <a:ext uri="{FF2B5EF4-FFF2-40B4-BE49-F238E27FC236}">
                 <a16:creationId xmlns:a16="http://schemas.microsoft.com/office/drawing/2014/main" id="{68AF5748-FED8-45BA-8631-26D1D10F3246}"/>
@@ -15879,7 +18061,7 @@
           <p:cNvPr id="2" name="Titre 1">
             <a:extLst>
               <a:ext uri="{FF2B5EF4-FFF2-40B4-BE49-F238E27FC236}">
-                <a16:creationId xmlns:a16="http://schemas.microsoft.com/office/drawing/2014/main" id="{53C9C0E9-FB8D-49E9-A380-E308C526E7F9}"/>
+                <a16:creationId xmlns:a16="http://schemas.microsoft.com/office/drawing/2014/main" id="{AFCE1703-4D18-4FE9-BA76-1928FD38F706}"/>
               </a:ext>
             </a:extLst>
           </p:cNvPr>
@@ -15903,15 +18085,15 @@
           <a:lstStyle/>
           <a:p>
             <a:r>
-              <a:rPr lang="en-US" sz="4800" b="1"/>
-              <a:t>Détection «Manuelle»</a:t>
+              <a:rPr lang="en-US" sz="4800"/>
+              <a:t>Utilisation d’IA</a:t>
             </a:r>
           </a:p>
         </p:txBody>
       </p:sp>
       <p:sp>
         <p:nvSpPr>
-          <p:cNvPr id="28" name="Rectangle 27">
+          <p:cNvPr id="16" name="Rectangle 15">
             <a:extLst>
               <a:ext uri="{FF2B5EF4-FFF2-40B4-BE49-F238E27FC236}">
                 <a16:creationId xmlns:a16="http://schemas.microsoft.com/office/drawing/2014/main" id="{AF2F604E-43BE-4DC3-B983-E071523364F8}"/>
@@ -16003,7 +18185,7 @@
       </p:sp>
       <p:sp>
         <p:nvSpPr>
-          <p:cNvPr id="30" name="Rectangle 29">
+          <p:cNvPr id="18" name="Rectangle 17">
             <a:extLst>
               <a:ext uri="{FF2B5EF4-FFF2-40B4-BE49-F238E27FC236}">
                 <a16:creationId xmlns:a16="http://schemas.microsoft.com/office/drawing/2014/main" id="{08C9B587-E65E-4B52-B37C-ABEBB6E87928}"/>
@@ -16099,656 +18281,6 @@
       </p:sp>
       <p:pic>
         <p:nvPicPr>
-          <p:cNvPr id="8" name="Espace réservé du contenu 7" descr="Une image contenant texte&#10;&#10;Description générée automatiquement">
-            <a:extLst>
-              <a:ext uri="{FF2B5EF4-FFF2-40B4-BE49-F238E27FC236}">
-                <a16:creationId xmlns:a16="http://schemas.microsoft.com/office/drawing/2014/main" id="{399DDEEB-8BB0-4054-9F99-5FA53D44BA50}"/>
-              </a:ext>
-            </a:extLst>
-          </p:cNvPr>
-          <p:cNvPicPr>
-            <a:picLocks noGrp="1" noChangeAspect="1"/>
-          </p:cNvPicPr>
-          <p:nvPr>
-            <p:ph idx="1"/>
-          </p:nvPr>
-        </p:nvPicPr>
-        <p:blipFill>
-          <a:blip r:embed="rId2">
-            <a:extLst>
-              <a:ext uri="{28A0092B-C50C-407E-A947-70E740481C1C}">
-                <a14:useLocalDpi xmlns:a14="http://schemas.microsoft.com/office/drawing/2010/main" val="0"/>
-              </a:ext>
-            </a:extLst>
-          </a:blip>
-          <a:stretch>
-            <a:fillRect/>
-          </a:stretch>
-        </p:blipFill>
-        <p:spPr>
-          <a:xfrm>
-            <a:off x="4864608" y="1547645"/>
-            <a:ext cx="6846363" cy="3611455"/>
-          </a:xfrm>
-          <a:prstGeom prst="rect">
-            <a:avLst/>
-          </a:prstGeom>
-        </p:spPr>
-      </p:pic>
-      <p:sp>
-        <p:nvSpPr>
-          <p:cNvPr id="5" name="Espace réservé du pied de page 4">
-            <a:extLst>
-              <a:ext uri="{FF2B5EF4-FFF2-40B4-BE49-F238E27FC236}">
-                <a16:creationId xmlns:a16="http://schemas.microsoft.com/office/drawing/2014/main" id="{F6C962A9-EDAB-41AD-B9B1-677AB9C043C4}"/>
-              </a:ext>
-            </a:extLst>
-          </p:cNvPr>
-          <p:cNvSpPr>
-            <a:spLocks noGrp="1"/>
-          </p:cNvSpPr>
-          <p:nvPr>
-            <p:ph type="ftr" sz="quarter" idx="11"/>
-          </p:nvPr>
-        </p:nvSpPr>
-        <p:spPr>
-          <a:xfrm>
-            <a:off x="4864608" y="6356350"/>
-            <a:ext cx="4114800" cy="365125"/>
-          </a:xfrm>
-        </p:spPr>
-        <p:txBody>
-          <a:bodyPr vert="horz" lIns="91440" tIns="45720" rIns="91440" bIns="45720" rtlCol="0" anchor="ctr">
-            <a:normAutofit/>
-          </a:bodyPr>
-          <a:lstStyle/>
-          <a:p>
-            <a:pPr algn="l"/>
-            <a:endParaRPr lang="en-US" kern="1200">
-              <a:solidFill>
-                <a:schemeClr val="tx2">
-                  <a:lumMod val="50000"/>
-                  <a:lumOff val="50000"/>
-                </a:schemeClr>
-              </a:solidFill>
-              <a:latin typeface="+mn-lt"/>
-              <a:ea typeface="+mn-ea"/>
-              <a:cs typeface="+mn-cs"/>
-            </a:endParaRPr>
-          </a:p>
-        </p:txBody>
-      </p:sp>
-      <p:sp>
-        <p:nvSpPr>
-          <p:cNvPr id="6" name="Espace réservé du numéro de diapositive 5">
-            <a:extLst>
-              <a:ext uri="{FF2B5EF4-FFF2-40B4-BE49-F238E27FC236}">
-                <a16:creationId xmlns:a16="http://schemas.microsoft.com/office/drawing/2014/main" id="{78C9C121-DD82-43BE-90BA-580F1987956D}"/>
-              </a:ext>
-            </a:extLst>
-          </p:cNvPr>
-          <p:cNvSpPr>
-            <a:spLocks noGrp="1"/>
-          </p:cNvSpPr>
-          <p:nvPr>
-            <p:ph type="sldNum" sz="quarter" idx="12"/>
-          </p:nvPr>
-        </p:nvSpPr>
-        <p:spPr>
-          <a:xfrm>
-            <a:off x="9926319" y="6356350"/>
-            <a:ext cx="1787699" cy="365125"/>
-          </a:xfrm>
-        </p:spPr>
-        <p:txBody>
-          <a:bodyPr vert="horz" lIns="91440" tIns="45720" rIns="91440" bIns="45720" rtlCol="0" anchor="ctr">
-            <a:normAutofit/>
-          </a:bodyPr>
-          <a:lstStyle/>
-          <a:p>
-            <a:pPr>
-              <a:spcAft>
-                <a:spcPts val="600"/>
-              </a:spcAft>
-            </a:pPr>
-            <a:fld id="{3D1BC708-6C6B-415E-A2B1-AA9CE2E7AADD}" type="slidenum">
-              <a:rPr lang="en-US">
-                <a:solidFill>
-                  <a:schemeClr val="tx2">
-                    <a:lumMod val="50000"/>
-                    <a:lumOff val="50000"/>
-                  </a:schemeClr>
-                </a:solidFill>
-              </a:rPr>
-              <a:pPr>
-                <a:spcAft>
-                  <a:spcPts val="600"/>
-                </a:spcAft>
-              </a:pPr>
-              <a:t>4</a:t>
-            </a:fld>
-            <a:endParaRPr lang="en-US">
-              <a:solidFill>
-                <a:schemeClr val="tx2">
-                  <a:lumMod val="50000"/>
-                  <a:lumOff val="50000"/>
-                </a:schemeClr>
-              </a:solidFill>
-            </a:endParaRPr>
-          </a:p>
-        </p:txBody>
-      </p:sp>
-    </p:spTree>
-    <p:extLst>
-      <p:ext uri="{BB962C8B-B14F-4D97-AF65-F5344CB8AC3E}">
-        <p14:creationId xmlns:p14="http://schemas.microsoft.com/office/powerpoint/2010/main" val="1230625520"/>
-      </p:ext>
-    </p:extLst>
-  </p:cSld>
-  <p:clrMapOvr>
-    <a:masterClrMapping/>
-  </p:clrMapOvr>
-</p:sld>
-</file>
-
-<file path=ppt/slides/slide5.xml><?xml version="1.0" encoding="utf-8"?>
-<p:sld xmlns:a="http://schemas.openxmlformats.org/drawingml/2006/main" xmlns:r="http://schemas.openxmlformats.org/officeDocument/2006/relationships" xmlns:p="http://schemas.openxmlformats.org/presentationml/2006/main">
-  <p:cSld>
-    <p:bg>
-      <p:bgPr>
-        <a:solidFill>
-          <a:schemeClr val="bg1"/>
-        </a:solidFill>
-        <a:effectLst/>
-      </p:bgPr>
-    </p:bg>
-    <p:spTree>
-      <p:nvGrpSpPr>
-        <p:cNvPr id="1" name=""/>
-        <p:cNvGrpSpPr/>
-        <p:nvPr/>
-      </p:nvGrpSpPr>
-      <p:grpSpPr>
-        <a:xfrm>
-          <a:off x="0" y="0"/>
-          <a:ext cx="0" cy="0"/>
-          <a:chOff x="0" y="0"/>
-          <a:chExt cx="0" cy="0"/>
-        </a:xfrm>
-      </p:grpSpPr>
-      <p:sp>
-        <p:nvSpPr>
-          <p:cNvPr id="10" name="Rectangle 9">
-            <a:extLst>
-              <a:ext uri="{FF2B5EF4-FFF2-40B4-BE49-F238E27FC236}">
-                <a16:creationId xmlns:a16="http://schemas.microsoft.com/office/drawing/2014/main" id="{8D06CE56-3881-4ADA-8CEF-D18B02C242A3}"/>
-              </a:ext>
-              <a:ext uri="{C183D7F6-B498-43B3-948B-1728B52AA6E4}">
-                <adec:decorative xmlns:adec="http://schemas.microsoft.com/office/drawing/2017/decorative" val="1"/>
-              </a:ext>
-            </a:extLst>
-          </p:cNvPr>
-          <p:cNvSpPr>
-            <a:spLocks noGrp="1" noRot="1" noChangeAspect="1" noMove="1" noResize="1" noEditPoints="1" noAdjustHandles="1" noChangeArrowheads="1" noChangeShapeType="1" noTextEdit="1"/>
-          </p:cNvSpPr>
-          <p:nvPr>
-            <p:extLst>
-              <p:ext uri="{386F3935-93C4-4BCD-93E2-E3B085C9AB24}">
-                <p16:designElem xmlns:p16="http://schemas.microsoft.com/office/powerpoint/2015/main" val="1"/>
-              </p:ext>
-            </p:extLst>
-          </p:nvPr>
-        </p:nvSpPr>
-        <p:spPr>
-          <a:xfrm rot="5400000">
-            <a:off x="857544" y="346791"/>
-            <a:ext cx="146304" cy="704088"/>
-          </a:xfrm>
-          <a:prstGeom prst="rect">
-            <a:avLst/>
-          </a:prstGeom>
-          <a:solidFill>
-            <a:schemeClr val="accent1"/>
-          </a:solidFill>
-          <a:ln>
-            <a:noFill/>
-          </a:ln>
-        </p:spPr>
-        <p:style>
-          <a:lnRef idx="2">
-            <a:schemeClr val="accent1">
-              <a:shade val="50000"/>
-            </a:schemeClr>
-          </a:lnRef>
-          <a:fillRef idx="1">
-            <a:schemeClr val="accent1"/>
-          </a:fillRef>
-          <a:effectRef idx="0">
-            <a:schemeClr val="accent1"/>
-          </a:effectRef>
-          <a:fontRef idx="minor">
-            <a:schemeClr val="lt1"/>
-          </a:fontRef>
-        </p:style>
-        <p:txBody>
-          <a:bodyPr rtlCol="0" anchor="ctr"/>
-          <a:lstStyle/>
-          <a:p>
-            <a:pPr marL="0" marR="0" lvl="0" indent="0" algn="ctr" defTabSz="914400" rtl="0" eaLnBrk="1" fontAlgn="auto" latinLnBrk="0" hangingPunct="1">
-              <a:lnSpc>
-                <a:spcPct val="100000"/>
-              </a:lnSpc>
-              <a:spcBef>
-                <a:spcPts val="0"/>
-              </a:spcBef>
-              <a:spcAft>
-                <a:spcPts val="0"/>
-              </a:spcAft>
-              <a:buClrTx/>
-              <a:buSzTx/>
-              <a:buFontTx/>
-              <a:buNone/>
-              <a:tabLst/>
-              <a:defRPr/>
-            </a:pPr>
-            <a:endParaRPr kumimoji="0" lang="en-US" sz="1800" b="0" i="0" u="none" strike="noStrike" kern="1200" cap="none" spc="0" normalizeH="0" baseline="0" noProof="0">
-              <a:ln>
-                <a:noFill/>
-              </a:ln>
-              <a:solidFill>
-                <a:prstClr val="white"/>
-              </a:solidFill>
-              <a:effectLst/>
-              <a:uLnTx/>
-              <a:uFillTx/>
-              <a:latin typeface="Calibri" panose="020F0502020204030204"/>
-              <a:ea typeface="+mn-ea"/>
-              <a:cs typeface="+mn-cs"/>
-            </a:endParaRPr>
-          </a:p>
-        </p:txBody>
-      </p:sp>
-      <p:sp>
-        <p:nvSpPr>
-          <p:cNvPr id="12" name="Rectangle 11">
-            <a:extLst>
-              <a:ext uri="{FF2B5EF4-FFF2-40B4-BE49-F238E27FC236}">
-                <a16:creationId xmlns:a16="http://schemas.microsoft.com/office/drawing/2014/main" id="{79F3C543-62EC-4433-9C93-A2CD8764E9B4}"/>
-              </a:ext>
-              <a:ext uri="{C183D7F6-B498-43B3-948B-1728B52AA6E4}">
-                <adec:decorative xmlns:adec="http://schemas.microsoft.com/office/drawing/2017/decorative" val="1"/>
-              </a:ext>
-            </a:extLst>
-          </p:cNvPr>
-          <p:cNvSpPr>
-            <a:spLocks noGrp="1" noRot="1" noChangeAspect="1" noMove="1" noResize="1" noEditPoints="1" noAdjustHandles="1" noChangeArrowheads="1" noChangeShapeType="1" noTextEdit="1"/>
-          </p:cNvSpPr>
-          <p:nvPr>
-            <p:extLst>
-              <p:ext uri="{386F3935-93C4-4BCD-93E2-E3B085C9AB24}">
-                <p16:designElem xmlns:p16="http://schemas.microsoft.com/office/powerpoint/2015/main" val="1"/>
-              </p:ext>
-            </p:extLst>
-          </p:nvPr>
-        </p:nvSpPr>
-        <p:spPr>
-          <a:xfrm flipV="1">
-            <a:off x="578652" y="4501201"/>
-            <a:ext cx="11034696" cy="18288"/>
-          </a:xfrm>
-          <a:prstGeom prst="rect">
-            <a:avLst/>
-          </a:prstGeom>
-          <a:solidFill>
-            <a:schemeClr val="tx2">
-              <a:lumMod val="25000"/>
-              <a:lumOff val="75000"/>
-            </a:schemeClr>
-          </a:solidFill>
-          <a:ln w="3175">
-            <a:noFill/>
-          </a:ln>
-          <a:effectLst/>
-        </p:spPr>
-        <p:style>
-          <a:lnRef idx="2">
-            <a:schemeClr val="accent1">
-              <a:shade val="50000"/>
-            </a:schemeClr>
-          </a:lnRef>
-          <a:fillRef idx="1">
-            <a:schemeClr val="accent1"/>
-          </a:fillRef>
-          <a:effectRef idx="0">
-            <a:schemeClr val="accent1"/>
-          </a:effectRef>
-          <a:fontRef idx="minor">
-            <a:schemeClr val="lt1"/>
-          </a:fontRef>
-        </p:style>
-        <p:txBody>
-          <a:bodyPr rtlCol="0" anchor="ctr"/>
-          <a:lstStyle/>
-          <a:p>
-            <a:pPr marL="0" marR="0" lvl="0" indent="0" algn="ctr" defTabSz="914400" rtl="0" eaLnBrk="1" fontAlgn="auto" latinLnBrk="0" hangingPunct="1">
-              <a:lnSpc>
-                <a:spcPct val="100000"/>
-              </a:lnSpc>
-              <a:spcBef>
-                <a:spcPts val="0"/>
-              </a:spcBef>
-              <a:spcAft>
-                <a:spcPts val="0"/>
-              </a:spcAft>
-              <a:buClrTx/>
-              <a:buSzTx/>
-              <a:buFontTx/>
-              <a:buNone/>
-              <a:tabLst/>
-              <a:defRPr/>
-            </a:pPr>
-            <a:endParaRPr kumimoji="0" lang="en-US" sz="1800" b="0" i="0" u="none" strike="noStrike" kern="1200" cap="none" spc="0" normalizeH="0" baseline="0" noProof="0">
-              <a:ln>
-                <a:noFill/>
-              </a:ln>
-              <a:solidFill>
-                <a:prstClr val="white"/>
-              </a:solidFill>
-              <a:effectLst/>
-              <a:uLnTx/>
-              <a:uFillTx/>
-              <a:latin typeface="Calibri" panose="020F0502020204030204"/>
-              <a:ea typeface="+mn-ea"/>
-              <a:cs typeface="+mn-cs"/>
-            </a:endParaRPr>
-          </a:p>
-        </p:txBody>
-      </p:sp>
-      <p:sp useBgFill="1">
-        <p:nvSpPr>
-          <p:cNvPr id="14" name="Rectangle 13">
-            <a:extLst>
-              <a:ext uri="{FF2B5EF4-FFF2-40B4-BE49-F238E27FC236}">
-                <a16:creationId xmlns:a16="http://schemas.microsoft.com/office/drawing/2014/main" id="{68AF5748-FED8-45BA-8631-26D1D10F3246}"/>
-              </a:ext>
-              <a:ext uri="{C183D7F6-B498-43B3-948B-1728B52AA6E4}">
-                <adec:decorative xmlns:adec="http://schemas.microsoft.com/office/drawing/2017/decorative" val="1"/>
-              </a:ext>
-            </a:extLst>
-          </p:cNvPr>
-          <p:cNvSpPr>
-            <a:spLocks noGrp="1" noRot="1" noChangeAspect="1" noMove="1" noResize="1" noEditPoints="1" noAdjustHandles="1" noChangeArrowheads="1" noChangeShapeType="1" noTextEdit="1"/>
-          </p:cNvSpPr>
-          <p:nvPr>
-            <p:extLst>
-              <p:ext uri="{386F3935-93C4-4BCD-93E2-E3B085C9AB24}">
-                <p16:designElem xmlns:p16="http://schemas.microsoft.com/office/powerpoint/2015/main" val="1"/>
-              </p:ext>
-            </p:extLst>
-          </p:nvPr>
-        </p:nvSpPr>
-        <p:spPr>
-          <a:xfrm>
-            <a:off x="0" y="0"/>
-            <a:ext cx="12192000" cy="6858000"/>
-          </a:xfrm>
-          <a:prstGeom prst="rect">
-            <a:avLst/>
-          </a:prstGeom>
-          <a:ln>
-            <a:noFill/>
-          </a:ln>
-        </p:spPr>
-        <p:style>
-          <a:lnRef idx="2">
-            <a:schemeClr val="accent1">
-              <a:shade val="50000"/>
-            </a:schemeClr>
-          </a:lnRef>
-          <a:fillRef idx="1">
-            <a:schemeClr val="accent1"/>
-          </a:fillRef>
-          <a:effectRef idx="0">
-            <a:schemeClr val="accent1"/>
-          </a:effectRef>
-          <a:fontRef idx="minor">
-            <a:schemeClr val="lt1"/>
-          </a:fontRef>
-        </p:style>
-        <p:txBody>
-          <a:bodyPr rtlCol="0" anchor="ctr"/>
-          <a:lstStyle/>
-          <a:p>
-            <a:pPr algn="ctr"/>
-            <a:endParaRPr lang="en-US"/>
-          </a:p>
-        </p:txBody>
-      </p:sp>
-      <p:sp>
-        <p:nvSpPr>
-          <p:cNvPr id="2" name="Titre 1">
-            <a:extLst>
-              <a:ext uri="{FF2B5EF4-FFF2-40B4-BE49-F238E27FC236}">
-                <a16:creationId xmlns:a16="http://schemas.microsoft.com/office/drawing/2014/main" id="{AFCE1703-4D18-4FE9-BA76-1928FD38F706}"/>
-              </a:ext>
-            </a:extLst>
-          </p:cNvPr>
-          <p:cNvSpPr>
-            <a:spLocks noGrp="1"/>
-          </p:cNvSpPr>
-          <p:nvPr>
-            <p:ph type="title"/>
-          </p:nvPr>
-        </p:nvSpPr>
-        <p:spPr>
-          <a:xfrm>
-            <a:off x="477981" y="1122363"/>
-            <a:ext cx="4023360" cy="3204134"/>
-          </a:xfrm>
-        </p:spPr>
-        <p:txBody>
-          <a:bodyPr vert="horz" lIns="91440" tIns="45720" rIns="91440" bIns="45720" rtlCol="0" anchor="b">
-            <a:normAutofit/>
-          </a:bodyPr>
-          <a:lstStyle/>
-          <a:p>
-            <a:r>
-              <a:rPr lang="en-US" sz="4800"/>
-              <a:t>Utilisation d’IA</a:t>
-            </a:r>
-          </a:p>
-        </p:txBody>
-      </p:sp>
-      <p:sp>
-        <p:nvSpPr>
-          <p:cNvPr id="16" name="Rectangle 15">
-            <a:extLst>
-              <a:ext uri="{FF2B5EF4-FFF2-40B4-BE49-F238E27FC236}">
-                <a16:creationId xmlns:a16="http://schemas.microsoft.com/office/drawing/2014/main" id="{AF2F604E-43BE-4DC3-B983-E071523364F8}"/>
-              </a:ext>
-              <a:ext uri="{C183D7F6-B498-43B3-948B-1728B52AA6E4}">
-                <adec:decorative xmlns:adec="http://schemas.microsoft.com/office/drawing/2017/decorative" val="1"/>
-              </a:ext>
-            </a:extLst>
-          </p:cNvPr>
-          <p:cNvSpPr>
-            <a:spLocks noGrp="1" noRot="1" noChangeAspect="1" noMove="1" noResize="1" noEditPoints="1" noAdjustHandles="1" noChangeArrowheads="1" noChangeShapeType="1" noTextEdit="1"/>
-          </p:cNvSpPr>
-          <p:nvPr>
-            <p:extLst>
-              <p:ext uri="{386F3935-93C4-4BCD-93E2-E3B085C9AB24}">
-                <p16:designElem xmlns:p16="http://schemas.microsoft.com/office/powerpoint/2015/main" val="1"/>
-              </p:ext>
-            </p:extLst>
-          </p:nvPr>
-        </p:nvSpPr>
-        <p:spPr>
-          <a:xfrm rot="5400000">
-            <a:off x="759921" y="346791"/>
-            <a:ext cx="146304" cy="704088"/>
-          </a:xfrm>
-          <a:prstGeom prst="rect">
-            <a:avLst/>
-          </a:prstGeom>
-          <a:solidFill>
-            <a:schemeClr val="accent1"/>
-          </a:solidFill>
-          <a:ln>
-            <a:noFill/>
-          </a:ln>
-        </p:spPr>
-        <p:style>
-          <a:lnRef idx="2">
-            <a:schemeClr val="accent1">
-              <a:shade val="50000"/>
-            </a:schemeClr>
-          </a:lnRef>
-          <a:fillRef idx="1">
-            <a:schemeClr val="accent1"/>
-          </a:fillRef>
-          <a:effectRef idx="0">
-            <a:schemeClr val="accent1"/>
-          </a:effectRef>
-          <a:fontRef idx="minor">
-            <a:schemeClr val="lt1"/>
-          </a:fontRef>
-        </p:style>
-        <p:txBody>
-          <a:bodyPr rtlCol="0" anchor="ctr"/>
-          <a:lstStyle/>
-          <a:p>
-            <a:pPr marL="0" marR="0" lvl="0" indent="0" algn="ctr" defTabSz="914400" rtl="0" eaLnBrk="1" fontAlgn="auto" latinLnBrk="0" hangingPunct="1">
-              <a:lnSpc>
-                <a:spcPct val="100000"/>
-              </a:lnSpc>
-              <a:spcBef>
-                <a:spcPts val="0"/>
-              </a:spcBef>
-              <a:spcAft>
-                <a:spcPts val="0"/>
-              </a:spcAft>
-              <a:buClrTx/>
-              <a:buSzTx/>
-              <a:buFontTx/>
-              <a:buNone/>
-              <a:tabLst/>
-              <a:defRPr/>
-            </a:pPr>
-            <a:endParaRPr kumimoji="0" lang="en-US" sz="1800" b="0" i="0" u="none" strike="noStrike" kern="1200" cap="none" spc="0" normalizeH="0" baseline="0" noProof="0">
-              <a:ln>
-                <a:noFill/>
-              </a:ln>
-              <a:solidFill>
-                <a:prstClr val="white"/>
-              </a:solidFill>
-              <a:effectLst/>
-              <a:uLnTx/>
-              <a:uFillTx/>
-              <a:latin typeface="Calibri" panose="020F0502020204030204"/>
-              <a:ea typeface="+mn-ea"/>
-              <a:cs typeface="+mn-cs"/>
-            </a:endParaRPr>
-          </a:p>
-        </p:txBody>
-      </p:sp>
-      <p:sp>
-        <p:nvSpPr>
-          <p:cNvPr id="18" name="Rectangle 17">
-            <a:extLst>
-              <a:ext uri="{FF2B5EF4-FFF2-40B4-BE49-F238E27FC236}">
-                <a16:creationId xmlns:a16="http://schemas.microsoft.com/office/drawing/2014/main" id="{08C9B587-E65E-4B52-B37C-ABEBB6E87928}"/>
-              </a:ext>
-              <a:ext uri="{C183D7F6-B498-43B3-948B-1728B52AA6E4}">
-                <adec:decorative xmlns:adec="http://schemas.microsoft.com/office/drawing/2017/decorative" val="1"/>
-              </a:ext>
-            </a:extLst>
-          </p:cNvPr>
-          <p:cNvSpPr>
-            <a:spLocks noGrp="1" noRot="1" noChangeAspect="1" noMove="1" noResize="1" noEditPoints="1" noAdjustHandles="1" noChangeArrowheads="1" noChangeShapeType="1" noTextEdit="1"/>
-          </p:cNvSpPr>
-          <p:nvPr>
-            <p:extLst>
-              <p:ext uri="{386F3935-93C4-4BCD-93E2-E3B085C9AB24}">
-                <p16:designElem xmlns:p16="http://schemas.microsoft.com/office/powerpoint/2015/main" val="1"/>
-              </p:ext>
-            </p:extLst>
-          </p:nvPr>
-        </p:nvSpPr>
-        <p:spPr>
-          <a:xfrm>
-            <a:off x="481029" y="4546920"/>
-            <a:ext cx="4023360" cy="18288"/>
-          </a:xfrm>
-          <a:prstGeom prst="rect">
-            <a:avLst/>
-          </a:prstGeom>
-          <a:solidFill>
-            <a:schemeClr val="tx2">
-              <a:lumMod val="25000"/>
-              <a:lumOff val="75000"/>
-            </a:schemeClr>
-          </a:solidFill>
-          <a:ln w="3175">
-            <a:noFill/>
-          </a:ln>
-          <a:effectLst/>
-        </p:spPr>
-        <p:style>
-          <a:lnRef idx="2">
-            <a:schemeClr val="accent1">
-              <a:shade val="50000"/>
-            </a:schemeClr>
-          </a:lnRef>
-          <a:fillRef idx="1">
-            <a:schemeClr val="accent1"/>
-          </a:fillRef>
-          <a:effectRef idx="0">
-            <a:schemeClr val="accent1"/>
-          </a:effectRef>
-          <a:fontRef idx="minor">
-            <a:schemeClr val="lt1"/>
-          </a:fontRef>
-        </p:style>
-        <p:txBody>
-          <a:bodyPr rtlCol="0" anchor="ctr"/>
-          <a:lstStyle/>
-          <a:p>
-            <a:pPr marL="0" marR="0" lvl="0" indent="0" algn="ctr" defTabSz="914400" rtl="0" eaLnBrk="1" fontAlgn="auto" latinLnBrk="0" hangingPunct="1">
-              <a:lnSpc>
-                <a:spcPct val="100000"/>
-              </a:lnSpc>
-              <a:spcBef>
-                <a:spcPts val="0"/>
-              </a:spcBef>
-              <a:spcAft>
-                <a:spcPts val="0"/>
-              </a:spcAft>
-              <a:buClrTx/>
-              <a:buSzTx/>
-              <a:buFontTx/>
-              <a:buNone/>
-              <a:tabLst/>
-              <a:defRPr/>
-            </a:pPr>
-            <a:endParaRPr kumimoji="0" lang="en-US" sz="1800" b="0" i="0" u="none" strike="noStrike" kern="1200" cap="none" spc="0" normalizeH="0" baseline="0" noProof="0">
-              <a:ln>
-                <a:noFill/>
-              </a:ln>
-              <a:solidFill>
-                <a:prstClr val="white"/>
-              </a:solidFill>
-              <a:effectLst/>
-              <a:uLnTx/>
-              <a:uFillTx/>
-              <a:latin typeface="Calibri" panose="020F0502020204030204"/>
-              <a:ea typeface="+mn-ea"/>
-              <a:cs typeface="+mn-cs"/>
-            </a:endParaRPr>
-          </a:p>
-        </p:txBody>
-      </p:sp>
-      <p:pic>
-        <p:nvPicPr>
           <p:cNvPr id="5" name="Espace réservé du contenu 4" descr="Une image contenant texte&#10;&#10;Description générée automatiquement">
             <a:extLst>
               <a:ext uri="{FF2B5EF4-FFF2-40B4-BE49-F238E27FC236}">
@@ -16798,7 +18330,7 @@
 </p:sld>
 </file>
 
-<file path=ppt/slides/slide6.xml><?xml version="1.0" encoding="utf-8"?>
+<file path=ppt/slides/slide7.xml><?xml version="1.0" encoding="utf-8"?>
 <p:sld xmlns:a="http://schemas.openxmlformats.org/drawingml/2006/main" xmlns:r="http://schemas.openxmlformats.org/officeDocument/2006/relationships" xmlns:p="http://schemas.openxmlformats.org/presentationml/2006/main">
   <p:cSld>
     <p:bg>
@@ -17556,7 +19088,7 @@
                   <a:spcPts val="600"/>
                 </a:spcAft>
               </a:pPr>
-              <a:t>6</a:t>
+              <a:t>7</a:t>
             </a:fld>
             <a:endParaRPr lang="fr-FR"/>
           </a:p>
@@ -17575,7 +19107,7 @@
 </p:sld>
 </file>
 
-<file path=ppt/slides/slide7.xml><?xml version="1.0" encoding="utf-8"?>
+<file path=ppt/slides/slide8.xml><?xml version="1.0" encoding="utf-8"?>
 <p:sld xmlns:a="http://schemas.openxmlformats.org/drawingml/2006/main" xmlns:r="http://schemas.openxmlformats.org/officeDocument/2006/relationships" xmlns:p="http://schemas.openxmlformats.org/presentationml/2006/main">
   <p:cSld>
     <p:bg>
@@ -18297,7 +19829,7 @@
                   <a:spcPts val="600"/>
                 </a:spcAft>
               </a:pPr>
-              <a:t>7</a:t>
+              <a:t>8</a:t>
             </a:fld>
             <a:endParaRPr lang="fr-FR"/>
           </a:p>
@@ -18316,7 +19848,7 @@
 </p:sld>
 </file>
 
-<file path=ppt/slides/slide8.xml><?xml version="1.0" encoding="utf-8"?>
+<file path=ppt/slides/slide9.xml><?xml version="1.0" encoding="utf-8"?>
 <p:sld xmlns:a="http://schemas.openxmlformats.org/drawingml/2006/main" xmlns:r="http://schemas.openxmlformats.org/officeDocument/2006/relationships" xmlns:p="http://schemas.openxmlformats.org/presentationml/2006/main">
   <p:cSld>
     <p:bg>
@@ -19137,7 +20669,7 @@
                   <a:spcPts val="600"/>
                 </a:spcAft>
               </a:pPr>
-              <a:t>8</a:t>
+              <a:t>9</a:t>
             </a:fld>
             <a:endParaRPr lang="fr-FR"/>
           </a:p>
@@ -19147,852 +20679,6 @@
     <p:extLst>
       <p:ext uri="{BB962C8B-B14F-4D97-AF65-F5344CB8AC3E}">
         <p14:creationId xmlns:p14="http://schemas.microsoft.com/office/powerpoint/2010/main" val="2228770476"/>
-      </p:ext>
-    </p:extLst>
-  </p:cSld>
-  <p:clrMapOvr>
-    <a:masterClrMapping/>
-  </p:clrMapOvr>
-</p:sld>
-</file>
-
-<file path=ppt/slides/slide9.xml><?xml version="1.0" encoding="utf-8"?>
-<p:sld xmlns:a="http://schemas.openxmlformats.org/drawingml/2006/main" xmlns:r="http://schemas.openxmlformats.org/officeDocument/2006/relationships" xmlns:p="http://schemas.openxmlformats.org/presentationml/2006/main">
-  <p:cSld>
-    <p:bg>
-      <p:bgPr>
-        <a:solidFill>
-          <a:schemeClr val="bg1"/>
-        </a:solidFill>
-        <a:effectLst/>
-      </p:bgPr>
-    </p:bg>
-    <p:spTree>
-      <p:nvGrpSpPr>
-        <p:cNvPr id="1" name=""/>
-        <p:cNvGrpSpPr/>
-        <p:nvPr/>
-      </p:nvGrpSpPr>
-      <p:grpSpPr>
-        <a:xfrm>
-          <a:off x="0" y="0"/>
-          <a:ext cx="0" cy="0"/>
-          <a:chOff x="0" y="0"/>
-          <a:chExt cx="0" cy="0"/>
-        </a:xfrm>
-      </p:grpSpPr>
-      <p:sp useBgFill="1">
-        <p:nvSpPr>
-          <p:cNvPr id="18" name="Rectangle 17">
-            <a:extLst>
-              <a:ext uri="{FF2B5EF4-FFF2-40B4-BE49-F238E27FC236}">
-                <a16:creationId xmlns:a16="http://schemas.microsoft.com/office/drawing/2014/main" id="{1C799903-48D5-4A31-A1A2-541072D9771E}"/>
-              </a:ext>
-              <a:ext uri="{C183D7F6-B498-43B3-948B-1728B52AA6E4}">
-                <adec:decorative xmlns:adec="http://schemas.microsoft.com/office/drawing/2017/decorative" val="1"/>
-              </a:ext>
-            </a:extLst>
-          </p:cNvPr>
-          <p:cNvSpPr>
-            <a:spLocks noGrp="1" noRot="1" noChangeAspect="1" noMove="1" noResize="1" noEditPoints="1" noAdjustHandles="1" noChangeArrowheads="1" noChangeShapeType="1" noTextEdit="1"/>
-          </p:cNvSpPr>
-          <p:nvPr>
-            <p:extLst>
-              <p:ext uri="{386F3935-93C4-4BCD-93E2-E3B085C9AB24}">
-                <p16:designElem xmlns:p16="http://schemas.microsoft.com/office/powerpoint/2015/main" val="1"/>
-              </p:ext>
-            </p:extLst>
-          </p:nvPr>
-        </p:nvSpPr>
-        <p:spPr>
-          <a:xfrm>
-            <a:off x="0" y="0"/>
-            <a:ext cx="12192002" cy="6858000"/>
-          </a:xfrm>
-          <a:prstGeom prst="rect">
-            <a:avLst/>
-          </a:prstGeom>
-          <a:ln>
-            <a:noFill/>
-          </a:ln>
-        </p:spPr>
-        <p:style>
-          <a:lnRef idx="2">
-            <a:schemeClr val="accent1">
-              <a:shade val="50000"/>
-            </a:schemeClr>
-          </a:lnRef>
-          <a:fillRef idx="1">
-            <a:schemeClr val="accent1"/>
-          </a:fillRef>
-          <a:effectRef idx="0">
-            <a:schemeClr val="accent1"/>
-          </a:effectRef>
-          <a:fontRef idx="minor">
-            <a:schemeClr val="lt1"/>
-          </a:fontRef>
-        </p:style>
-        <p:txBody>
-          <a:bodyPr rtlCol="0" anchor="ctr"/>
-          <a:lstStyle/>
-          <a:p>
-            <a:pPr algn="ctr"/>
-            <a:endParaRPr lang="en-US"/>
-          </a:p>
-        </p:txBody>
-      </p:sp>
-      <p:sp useBgFill="1">
-        <p:nvSpPr>
-          <p:cNvPr id="20" name="Freeform: Shape 19">
-            <a:extLst>
-              <a:ext uri="{FF2B5EF4-FFF2-40B4-BE49-F238E27FC236}">
-                <a16:creationId xmlns:a16="http://schemas.microsoft.com/office/drawing/2014/main" id="{8EFFF109-FC58-4FD3-BE05-9775A1310F55}"/>
-              </a:ext>
-              <a:ext uri="{C183D7F6-B498-43B3-948B-1728B52AA6E4}">
-                <adec:decorative xmlns:adec="http://schemas.microsoft.com/office/drawing/2017/decorative" val="1"/>
-              </a:ext>
-            </a:extLst>
-          </p:cNvPr>
-          <p:cNvSpPr>
-            <a:spLocks noGrp="1" noRot="1" noChangeAspect="1" noMove="1" noResize="1" noEditPoints="1" noAdjustHandles="1" noChangeArrowheads="1" noChangeShapeType="1" noTextEdit="1"/>
-          </p:cNvSpPr>
-          <p:nvPr>
-            <p:extLst>
-              <p:ext uri="{386F3935-93C4-4BCD-93E2-E3B085C9AB24}">
-                <p16:designElem xmlns:p16="http://schemas.microsoft.com/office/powerpoint/2015/main" val="1"/>
-              </p:ext>
-            </p:extLst>
-          </p:nvPr>
-        </p:nvSpPr>
-        <p:spPr>
-          <a:xfrm>
-            <a:off x="-1" y="0"/>
-            <a:ext cx="4818889" cy="6858000"/>
-          </a:xfrm>
-          <a:custGeom>
-            <a:avLst/>
-            <a:gdLst>
-              <a:gd name="connsiteX0" fmla="*/ 0 w 4818889"/>
-              <a:gd name="connsiteY0" fmla="*/ 0 h 6858000"/>
-              <a:gd name="connsiteX1" fmla="*/ 3605911 w 4818889"/>
-              <a:gd name="connsiteY1" fmla="*/ 0 h 6858000"/>
-              <a:gd name="connsiteX2" fmla="*/ 3668894 w 4818889"/>
-              <a:gd name="connsiteY2" fmla="*/ 69271 h 6858000"/>
-              <a:gd name="connsiteX3" fmla="*/ 4818889 w 4818889"/>
-              <a:gd name="connsiteY3" fmla="*/ 3429000 h 6858000"/>
-              <a:gd name="connsiteX4" fmla="*/ 3668894 w 4818889"/>
-              <a:gd name="connsiteY4" fmla="*/ 6788730 h 6858000"/>
-              <a:gd name="connsiteX5" fmla="*/ 3605911 w 4818889"/>
-              <a:gd name="connsiteY5" fmla="*/ 6858000 h 6858000"/>
-              <a:gd name="connsiteX6" fmla="*/ 0 w 4818889"/>
-              <a:gd name="connsiteY6" fmla="*/ 6858000 h 6858000"/>
-            </a:gdLst>
-            <a:ahLst/>
-            <a:cxnLst>
-              <a:cxn ang="0">
-                <a:pos x="connsiteX0" y="connsiteY0"/>
-              </a:cxn>
-              <a:cxn ang="0">
-                <a:pos x="connsiteX1" y="connsiteY1"/>
-              </a:cxn>
-              <a:cxn ang="0">
-                <a:pos x="connsiteX2" y="connsiteY2"/>
-              </a:cxn>
-              <a:cxn ang="0">
-                <a:pos x="connsiteX3" y="connsiteY3"/>
-              </a:cxn>
-              <a:cxn ang="0">
-                <a:pos x="connsiteX4" y="connsiteY4"/>
-              </a:cxn>
-              <a:cxn ang="0">
-                <a:pos x="connsiteX5" y="connsiteY5"/>
-              </a:cxn>
-              <a:cxn ang="0">
-                <a:pos x="connsiteX6" y="connsiteY6"/>
-              </a:cxn>
-            </a:cxnLst>
-            <a:rect l="l" t="t" r="r" b="b"/>
-            <a:pathLst>
-              <a:path w="4818889" h="6858000">
-                <a:moveTo>
-                  <a:pt x="0" y="0"/>
-                </a:moveTo>
-                <a:lnTo>
-                  <a:pt x="3605911" y="0"/>
-                </a:lnTo>
-                <a:lnTo>
-                  <a:pt x="3668894" y="69271"/>
-                </a:lnTo>
-                <a:cubicBezTo>
-                  <a:pt x="4379420" y="929100"/>
-                  <a:pt x="4818889" y="2116944"/>
-                  <a:pt x="4818889" y="3429000"/>
-                </a:cubicBezTo>
-                <a:cubicBezTo>
-                  <a:pt x="4818889" y="4741056"/>
-                  <a:pt x="4379420" y="5928900"/>
-                  <a:pt x="3668894" y="6788730"/>
-                </a:cubicBezTo>
-                <a:lnTo>
-                  <a:pt x="3605911" y="6858000"/>
-                </a:lnTo>
-                <a:lnTo>
-                  <a:pt x="0" y="6858000"/>
-                </a:lnTo>
-                <a:close/>
-              </a:path>
-            </a:pathLst>
-          </a:custGeom>
-          <a:ln w="9525">
-            <a:solidFill>
-              <a:schemeClr val="tx2">
-                <a:lumMod val="10000"/>
-                <a:lumOff val="90000"/>
-              </a:schemeClr>
-            </a:solidFill>
-          </a:ln>
-          <a:effectLst>
-            <a:outerShdw blurRad="50800" dist="38100" algn="l" rotWithShape="0">
-              <a:schemeClr val="bg1">
-                <a:lumMod val="85000"/>
-                <a:alpha val="30000"/>
-              </a:schemeClr>
-            </a:outerShdw>
-          </a:effectLst>
-        </p:spPr>
-        <p:style>
-          <a:lnRef idx="2">
-            <a:schemeClr val="accent1">
-              <a:shade val="50000"/>
-            </a:schemeClr>
-          </a:lnRef>
-          <a:fillRef idx="1">
-            <a:schemeClr val="accent1"/>
-          </a:fillRef>
-          <a:effectRef idx="0">
-            <a:schemeClr val="accent1"/>
-          </a:effectRef>
-          <a:fontRef idx="minor">
-            <a:schemeClr val="lt1"/>
-          </a:fontRef>
-        </p:style>
-        <p:txBody>
-          <a:bodyPr wrap="square" rtlCol="0" anchor="ctr">
-            <a:noAutofit/>
-          </a:bodyPr>
-          <a:lstStyle/>
-          <a:p>
-            <a:pPr marL="0" marR="0" lvl="0" indent="0" algn="ctr" defTabSz="914400" rtl="0" eaLnBrk="1" fontAlgn="auto" latinLnBrk="0" hangingPunct="1">
-              <a:lnSpc>
-                <a:spcPct val="100000"/>
-              </a:lnSpc>
-              <a:spcBef>
-                <a:spcPts val="0"/>
-              </a:spcBef>
-              <a:spcAft>
-                <a:spcPts val="0"/>
-              </a:spcAft>
-              <a:buClrTx/>
-              <a:buSzTx/>
-              <a:buFontTx/>
-              <a:buNone/>
-              <a:tabLst/>
-              <a:defRPr/>
-            </a:pPr>
-            <a:endParaRPr kumimoji="0" lang="en-US" sz="1800" b="0" i="0" u="none" strike="noStrike" kern="1200" cap="none" spc="0" normalizeH="0" baseline="0" noProof="0">
-              <a:ln>
-                <a:noFill/>
-              </a:ln>
-              <a:solidFill>
-                <a:prstClr val="white"/>
-              </a:solidFill>
-              <a:effectLst/>
-              <a:uLnTx/>
-              <a:uFillTx/>
-              <a:latin typeface="Calibri" panose="020F0502020204030204"/>
-              <a:ea typeface="+mn-ea"/>
-              <a:cs typeface="+mn-cs"/>
-            </a:endParaRPr>
-          </a:p>
-        </p:txBody>
-      </p:sp>
-      <p:sp useBgFill="1">
-        <p:nvSpPr>
-          <p:cNvPr id="22" name="Freeform: Shape 21">
-            <a:extLst>
-              <a:ext uri="{FF2B5EF4-FFF2-40B4-BE49-F238E27FC236}">
-                <a16:creationId xmlns:a16="http://schemas.microsoft.com/office/drawing/2014/main" id="{E1B96AD6-92A9-4273-A62B-96A1C3E0BA95}"/>
-              </a:ext>
-              <a:ext uri="{C183D7F6-B498-43B3-948B-1728B52AA6E4}">
-                <adec:decorative xmlns:adec="http://schemas.microsoft.com/office/drawing/2017/decorative" val="1"/>
-              </a:ext>
-            </a:extLst>
-          </p:cNvPr>
-          <p:cNvSpPr>
-            <a:spLocks noGrp="1" noRot="1" noChangeAspect="1" noMove="1" noResize="1" noEditPoints="1" noAdjustHandles="1" noChangeArrowheads="1" noChangeShapeType="1" noTextEdit="1"/>
-          </p:cNvSpPr>
-          <p:nvPr>
-            <p:extLst>
-              <p:ext uri="{386F3935-93C4-4BCD-93E2-E3B085C9AB24}">
-                <p16:designElem xmlns:p16="http://schemas.microsoft.com/office/powerpoint/2015/main" val="1"/>
-              </p:ext>
-            </p:extLst>
-          </p:nvPr>
-        </p:nvSpPr>
-        <p:spPr>
-          <a:xfrm>
-            <a:off x="1" y="0"/>
-            <a:ext cx="4811477" cy="6858000"/>
-          </a:xfrm>
-          <a:custGeom>
-            <a:avLst/>
-            <a:gdLst>
-              <a:gd name="connsiteX0" fmla="*/ 0 w 4811477"/>
-              <a:gd name="connsiteY0" fmla="*/ 0 h 6858000"/>
-              <a:gd name="connsiteX1" fmla="*/ 3598499 w 4811477"/>
-              <a:gd name="connsiteY1" fmla="*/ 0 h 6858000"/>
-              <a:gd name="connsiteX2" fmla="*/ 3661482 w 4811477"/>
-              <a:gd name="connsiteY2" fmla="*/ 69271 h 6858000"/>
-              <a:gd name="connsiteX3" fmla="*/ 4811477 w 4811477"/>
-              <a:gd name="connsiteY3" fmla="*/ 3429000 h 6858000"/>
-              <a:gd name="connsiteX4" fmla="*/ 3661482 w 4811477"/>
-              <a:gd name="connsiteY4" fmla="*/ 6788730 h 6858000"/>
-              <a:gd name="connsiteX5" fmla="*/ 3598499 w 4811477"/>
-              <a:gd name="connsiteY5" fmla="*/ 6858000 h 6858000"/>
-              <a:gd name="connsiteX6" fmla="*/ 0 w 4811477"/>
-              <a:gd name="connsiteY6" fmla="*/ 6858000 h 6858000"/>
-            </a:gdLst>
-            <a:ahLst/>
-            <a:cxnLst>
-              <a:cxn ang="0">
-                <a:pos x="connsiteX0" y="connsiteY0"/>
-              </a:cxn>
-              <a:cxn ang="0">
-                <a:pos x="connsiteX1" y="connsiteY1"/>
-              </a:cxn>
-              <a:cxn ang="0">
-                <a:pos x="connsiteX2" y="connsiteY2"/>
-              </a:cxn>
-              <a:cxn ang="0">
-                <a:pos x="connsiteX3" y="connsiteY3"/>
-              </a:cxn>
-              <a:cxn ang="0">
-                <a:pos x="connsiteX4" y="connsiteY4"/>
-              </a:cxn>
-              <a:cxn ang="0">
-                <a:pos x="connsiteX5" y="connsiteY5"/>
-              </a:cxn>
-              <a:cxn ang="0">
-                <a:pos x="connsiteX6" y="connsiteY6"/>
-              </a:cxn>
-            </a:cxnLst>
-            <a:rect l="l" t="t" r="r" b="b"/>
-            <a:pathLst>
-              <a:path w="4811477" h="6858000">
-                <a:moveTo>
-                  <a:pt x="0" y="0"/>
-                </a:moveTo>
-                <a:lnTo>
-                  <a:pt x="3598499" y="0"/>
-                </a:lnTo>
-                <a:lnTo>
-                  <a:pt x="3661482" y="69271"/>
-                </a:lnTo>
-                <a:cubicBezTo>
-                  <a:pt x="4372008" y="929100"/>
-                  <a:pt x="4811477" y="2116944"/>
-                  <a:pt x="4811477" y="3429000"/>
-                </a:cubicBezTo>
-                <a:cubicBezTo>
-                  <a:pt x="4811477" y="4741056"/>
-                  <a:pt x="4372008" y="5928900"/>
-                  <a:pt x="3661482" y="6788730"/>
-                </a:cubicBezTo>
-                <a:lnTo>
-                  <a:pt x="3598499" y="6858000"/>
-                </a:lnTo>
-                <a:lnTo>
-                  <a:pt x="0" y="6858000"/>
-                </a:lnTo>
-                <a:close/>
-              </a:path>
-            </a:pathLst>
-          </a:custGeom>
-          <a:ln w="9525">
-            <a:noFill/>
-          </a:ln>
-          <a:effectLst/>
-        </p:spPr>
-        <p:style>
-          <a:lnRef idx="2">
-            <a:schemeClr val="accent1">
-              <a:shade val="50000"/>
-            </a:schemeClr>
-          </a:lnRef>
-          <a:fillRef idx="1">
-            <a:schemeClr val="accent1"/>
-          </a:fillRef>
-          <a:effectRef idx="0">
-            <a:schemeClr val="accent1"/>
-          </a:effectRef>
-          <a:fontRef idx="minor">
-            <a:schemeClr val="lt1"/>
-          </a:fontRef>
-        </p:style>
-        <p:txBody>
-          <a:bodyPr wrap="square" rtlCol="0" anchor="ctr">
-            <a:noAutofit/>
-          </a:bodyPr>
-          <a:lstStyle/>
-          <a:p>
-            <a:pPr marL="0" marR="0" lvl="0" indent="0" algn="ctr" defTabSz="914400" rtl="0" eaLnBrk="1" fontAlgn="auto" latinLnBrk="0" hangingPunct="1">
-              <a:lnSpc>
-                <a:spcPct val="100000"/>
-              </a:lnSpc>
-              <a:spcBef>
-                <a:spcPts val="0"/>
-              </a:spcBef>
-              <a:spcAft>
-                <a:spcPts val="0"/>
-              </a:spcAft>
-              <a:buClrTx/>
-              <a:buSzTx/>
-              <a:buFontTx/>
-              <a:buNone/>
-              <a:tabLst/>
-              <a:defRPr/>
-            </a:pPr>
-            <a:endParaRPr kumimoji="0" lang="en-US" sz="1800" b="0" i="0" u="none" strike="noStrike" kern="1200" cap="none" spc="0" normalizeH="0" baseline="0" noProof="0">
-              <a:ln>
-                <a:noFill/>
-              </a:ln>
-              <a:solidFill>
-                <a:prstClr val="white"/>
-              </a:solidFill>
-              <a:effectLst/>
-              <a:uLnTx/>
-              <a:uFillTx/>
-              <a:latin typeface="Calibri" panose="020F0502020204030204"/>
-              <a:ea typeface="+mn-ea"/>
-              <a:cs typeface="+mn-cs"/>
-            </a:endParaRPr>
-          </a:p>
-        </p:txBody>
-      </p:sp>
-      <p:sp>
-        <p:nvSpPr>
-          <p:cNvPr id="2" name="Titre 1">
-            <a:extLst>
-              <a:ext uri="{FF2B5EF4-FFF2-40B4-BE49-F238E27FC236}">
-                <a16:creationId xmlns:a16="http://schemas.microsoft.com/office/drawing/2014/main" id="{53C9C0E9-FB8D-49E9-A380-E308C526E7F9}"/>
-              </a:ext>
-            </a:extLst>
-          </p:cNvPr>
-          <p:cNvSpPr>
-            <a:spLocks noGrp="1"/>
-          </p:cNvSpPr>
-          <p:nvPr>
-            <p:ph type="title"/>
-          </p:nvPr>
-        </p:nvSpPr>
-        <p:spPr>
-          <a:xfrm>
-            <a:off x="621792" y="1161288"/>
-            <a:ext cx="3602736" cy="4526280"/>
-          </a:xfrm>
-        </p:spPr>
-        <p:txBody>
-          <a:bodyPr>
-            <a:normAutofit/>
-          </a:bodyPr>
-          <a:lstStyle/>
-          <a:p>
-            <a:r>
-              <a:rPr lang="en-US" b="1" dirty="0"/>
-              <a:t>Term frequency–inverse document frequency (</a:t>
-            </a:r>
-            <a:r>
-              <a:rPr lang="en-US" b="1" dirty="0" err="1"/>
-              <a:t>tf-idf</a:t>
-            </a:r>
-            <a:r>
-              <a:rPr lang="en-US" b="1" dirty="0"/>
-              <a:t>)</a:t>
-            </a:r>
-            <a:endParaRPr lang="fr-FR" b="1" dirty="0"/>
-          </a:p>
-        </p:txBody>
-      </p:sp>
-      <p:sp>
-        <p:nvSpPr>
-          <p:cNvPr id="24" name="Rectangle 23">
-            <a:extLst>
-              <a:ext uri="{FF2B5EF4-FFF2-40B4-BE49-F238E27FC236}">
-                <a16:creationId xmlns:a16="http://schemas.microsoft.com/office/drawing/2014/main" id="{463EEC44-1BA3-44ED-81FC-A644B04B2A44}"/>
-              </a:ext>
-              <a:ext uri="{C183D7F6-B498-43B3-948B-1728B52AA6E4}">
-                <adec:decorative xmlns:adec="http://schemas.microsoft.com/office/drawing/2017/decorative" val="1"/>
-              </a:ext>
-            </a:extLst>
-          </p:cNvPr>
-          <p:cNvSpPr>
-            <a:spLocks noGrp="1" noRot="1" noChangeAspect="1" noMove="1" noResize="1" noEditPoints="1" noAdjustHandles="1" noChangeArrowheads="1" noChangeShapeType="1" noTextEdit="1"/>
-          </p:cNvSpPr>
-          <p:nvPr>
-            <p:extLst>
-              <p:ext uri="{386F3935-93C4-4BCD-93E2-E3B085C9AB24}">
-                <p16:designElem xmlns:p16="http://schemas.microsoft.com/office/powerpoint/2015/main" val="1"/>
-              </p:ext>
-            </p:extLst>
-          </p:nvPr>
-        </p:nvSpPr>
-        <p:spPr>
-          <a:xfrm>
-            <a:off x="0" y="3102049"/>
-            <a:ext cx="128016" cy="653903"/>
-          </a:xfrm>
-          <a:prstGeom prst="rect">
-            <a:avLst/>
-          </a:prstGeom>
-          <a:solidFill>
-            <a:schemeClr val="accent1"/>
-          </a:solidFill>
-          <a:ln>
-            <a:noFill/>
-          </a:ln>
-        </p:spPr>
-        <p:style>
-          <a:lnRef idx="2">
-            <a:schemeClr val="accent1">
-              <a:shade val="50000"/>
-            </a:schemeClr>
-          </a:lnRef>
-          <a:fillRef idx="1">
-            <a:schemeClr val="accent1"/>
-          </a:fillRef>
-          <a:effectRef idx="0">
-            <a:schemeClr val="accent1"/>
-          </a:effectRef>
-          <a:fontRef idx="minor">
-            <a:schemeClr val="lt1"/>
-          </a:fontRef>
-        </p:style>
-        <p:txBody>
-          <a:bodyPr rtlCol="0" anchor="ctr"/>
-          <a:lstStyle/>
-          <a:p>
-            <a:pPr marL="0" marR="0" lvl="0" indent="0" algn="ctr" defTabSz="914400" rtl="0" eaLnBrk="1" fontAlgn="auto" latinLnBrk="0" hangingPunct="1">
-              <a:lnSpc>
-                <a:spcPct val="100000"/>
-              </a:lnSpc>
-              <a:spcBef>
-                <a:spcPts val="0"/>
-              </a:spcBef>
-              <a:spcAft>
-                <a:spcPts val="0"/>
-              </a:spcAft>
-              <a:buClrTx/>
-              <a:buSzTx/>
-              <a:buFontTx/>
-              <a:buNone/>
-              <a:tabLst/>
-              <a:defRPr/>
-            </a:pPr>
-            <a:endParaRPr kumimoji="0" lang="en-US" sz="1800" b="0" i="0" u="none" strike="noStrike" kern="1200" cap="none" spc="0" normalizeH="0" baseline="0" noProof="0">
-              <a:ln>
-                <a:noFill/>
-              </a:ln>
-              <a:solidFill>
-                <a:prstClr val="white"/>
-              </a:solidFill>
-              <a:effectLst/>
-              <a:uLnTx/>
-              <a:uFillTx/>
-              <a:latin typeface="Calibri" panose="020F0502020204030204"/>
-              <a:ea typeface="+mn-ea"/>
-              <a:cs typeface="+mn-cs"/>
-            </a:endParaRPr>
-          </a:p>
-        </p:txBody>
-      </p:sp>
-      <p:sp>
-        <p:nvSpPr>
-          <p:cNvPr id="8" name="AutoShape 6" descr="{\displaystyle f_{t,d}{\Bigg /}{\sum _{t'\in d}{f_{t',d}}}}">
-            <a:extLst>
-              <a:ext uri="{FF2B5EF4-FFF2-40B4-BE49-F238E27FC236}">
-                <a16:creationId xmlns:a16="http://schemas.microsoft.com/office/drawing/2014/main" id="{143ED526-84FB-4BDD-A971-A8B99899A547}"/>
-              </a:ext>
-            </a:extLst>
-          </p:cNvPr>
-          <p:cNvSpPr>
-            <a:spLocks noGrp="1" noChangeAspect="1" noChangeArrowheads="1"/>
-          </p:cNvSpPr>
-          <p:nvPr>
-            <p:ph idx="1"/>
-          </p:nvPr>
-        </p:nvSpPr>
-        <p:spPr bwMode="auto">
-          <a:xfrm>
-            <a:off x="5434149" y="932688"/>
-            <a:ext cx="5916603" cy="4992624"/>
-          </a:xfrm>
-          <a:prstGeom prst="rect">
-            <a:avLst/>
-          </a:prstGeom>
-          <a:extLst>
-            <a:ext uri="{909E8E84-426E-40DD-AFC4-6F175D3DCCD1}">
-              <a14:hiddenFill xmlns:a14="http://schemas.microsoft.com/office/drawing/2010/main">
-                <a:solidFill>
-                  <a:srgbClr val="FFFFFF"/>
-                </a:solidFill>
-              </a14:hiddenFill>
-            </a:ext>
-          </a:extLst>
-        </p:spPr>
-        <p:txBody>
-          <a:bodyPr vert="horz" lIns="91440" tIns="45720" rIns="91440" bIns="45720" numCol="1" anchor="ctr" anchorCtr="0" compatLnSpc="1">
-            <a:prstTxWarp prst="textNoShape">
-              <a:avLst/>
-            </a:prstTxWarp>
-            <a:normAutofit/>
-          </a:bodyPr>
-          <a:lstStyle/>
-          <a:p>
-            <a:pPr marL="0" indent="0">
-              <a:buNone/>
-            </a:pPr>
-            <a:r>
-              <a:rPr lang="fr-FR" sz="2000" b="0" i="0" dirty="0">
-                <a:effectLst/>
-                <a:latin typeface="Arial" panose="020B0604020202020204" pitchFamily="34" charset="0"/>
-              </a:rPr>
-              <a:t>Le </a:t>
-            </a:r>
-            <a:r>
-              <a:rPr lang="fr-FR" sz="2000" b="1" i="0" dirty="0" err="1">
-                <a:effectLst/>
-                <a:latin typeface="Arial" panose="020B0604020202020204" pitchFamily="34" charset="0"/>
-              </a:rPr>
-              <a:t>tf-idf</a:t>
-            </a:r>
-            <a:r>
-              <a:rPr lang="fr-FR" sz="2000" b="0" i="0" dirty="0">
-                <a:effectLst/>
-                <a:latin typeface="Arial" panose="020B0604020202020204" pitchFamily="34" charset="0"/>
-              </a:rPr>
-              <a:t> est une méthode de pondération. Cette mesure statistique permet d'évaluer l'importance d'un terme contenu dans un document, relativement à une collection ou un </a:t>
-            </a:r>
-            <a:r>
-              <a:rPr lang="fr-FR" sz="2000" b="0" i="0" u="none" strike="noStrike" dirty="0">
-                <a:effectLst/>
-                <a:latin typeface="Arial" panose="020B0604020202020204" pitchFamily="34" charset="0"/>
-              </a:rPr>
-              <a:t>corpus</a:t>
-            </a:r>
-            <a:r>
-              <a:rPr lang="fr-FR" sz="2000" b="0" i="0" dirty="0">
-                <a:effectLst/>
-                <a:latin typeface="Arial" panose="020B0604020202020204" pitchFamily="34" charset="0"/>
-              </a:rPr>
-              <a:t>. Le poids augmente proportionnellement au nombre d'occurrences du mot dans le document.</a:t>
-            </a:r>
-            <a:endParaRPr lang="fr-FR" sz="2000" dirty="0">
-              <a:latin typeface="charter"/>
-            </a:endParaRPr>
-          </a:p>
-        </p:txBody>
-      </p:sp>
-      <p:sp>
-        <p:nvSpPr>
-          <p:cNvPr id="13" name="Footer Placeholder 4">
-            <a:extLst>
-              <a:ext uri="{FF2B5EF4-FFF2-40B4-BE49-F238E27FC236}">
-                <a16:creationId xmlns:a16="http://schemas.microsoft.com/office/drawing/2014/main" id="{AC81979D-E11E-42F2-A9C0-820E9FDFC907}"/>
-              </a:ext>
-            </a:extLst>
-          </p:cNvPr>
-          <p:cNvSpPr>
-            <a:spLocks noGrp="1"/>
-          </p:cNvSpPr>
-          <p:nvPr>
-            <p:ph type="ftr" sz="quarter" idx="11"/>
-          </p:nvPr>
-        </p:nvSpPr>
-        <p:spPr>
-          <a:xfrm>
-            <a:off x="5434147" y="6356350"/>
-            <a:ext cx="4572000" cy="365125"/>
-          </a:xfrm>
-        </p:spPr>
-        <p:txBody>
-          <a:bodyPr>
-            <a:normAutofit/>
-          </a:bodyPr>
-          <a:lstStyle/>
-          <a:p>
-            <a:pPr algn="l"/>
-            <a:endParaRPr lang="fr-FR"/>
-          </a:p>
-        </p:txBody>
-      </p:sp>
-      <p:sp>
-        <p:nvSpPr>
-          <p:cNvPr id="6" name="Espace réservé du numéro de diapositive 5">
-            <a:extLst>
-              <a:ext uri="{FF2B5EF4-FFF2-40B4-BE49-F238E27FC236}">
-                <a16:creationId xmlns:a16="http://schemas.microsoft.com/office/drawing/2014/main" id="{78C9C121-DD82-43BE-90BA-580F1987956D}"/>
-              </a:ext>
-            </a:extLst>
-          </p:cNvPr>
-          <p:cNvSpPr>
-            <a:spLocks noGrp="1"/>
-          </p:cNvSpPr>
-          <p:nvPr>
-            <p:ph type="sldNum" sz="quarter" idx="12"/>
-          </p:nvPr>
-        </p:nvSpPr>
-        <p:spPr>
-          <a:xfrm>
-            <a:off x="10351362" y="6356350"/>
-            <a:ext cx="1002437" cy="365125"/>
-          </a:xfrm>
-        </p:spPr>
-        <p:txBody>
-          <a:bodyPr>
-            <a:normAutofit/>
-          </a:bodyPr>
-          <a:lstStyle/>
-          <a:p>
-            <a:pPr>
-              <a:spcAft>
-                <a:spcPts val="600"/>
-              </a:spcAft>
-            </a:pPr>
-            <a:fld id="{3D1BC708-6C6B-415E-A2B1-AA9CE2E7AADD}" type="slidenum">
-              <a:rPr lang="fr-FR" smtClean="0"/>
-              <a:pPr>
-                <a:spcAft>
-                  <a:spcPts val="600"/>
-                </a:spcAft>
-              </a:pPr>
-              <a:t>9</a:t>
-            </a:fld>
-            <a:endParaRPr lang="fr-FR"/>
-          </a:p>
-        </p:txBody>
-      </p:sp>
-      <p:pic>
-        <p:nvPicPr>
-          <p:cNvPr id="5" name="Image 4" descr="Une image contenant texte&#10;&#10;Description générée automatiquement">
-            <a:extLst>
-              <a:ext uri="{FF2B5EF4-FFF2-40B4-BE49-F238E27FC236}">
-                <a16:creationId xmlns:a16="http://schemas.microsoft.com/office/drawing/2014/main" id="{19BD963F-EDD8-491F-BE79-8B01500B9487}"/>
-              </a:ext>
-            </a:extLst>
-          </p:cNvPr>
-          <p:cNvPicPr>
-            <a:picLocks noChangeAspect="1"/>
-          </p:cNvPicPr>
-          <p:nvPr/>
-        </p:nvPicPr>
-        <p:blipFill>
-          <a:blip r:embed="rId2">
-            <a:extLst>
-              <a:ext uri="{28A0092B-C50C-407E-A947-70E740481C1C}">
-                <a14:useLocalDpi xmlns:a14="http://schemas.microsoft.com/office/drawing/2010/main" val="0"/>
-              </a:ext>
-            </a:extLst>
-          </a:blip>
-          <a:stretch>
-            <a:fillRect/>
-          </a:stretch>
-        </p:blipFill>
-        <p:spPr>
-          <a:xfrm>
-            <a:off x="5131994" y="4646295"/>
-            <a:ext cx="1737511" cy="640135"/>
-          </a:xfrm>
-          <a:prstGeom prst="rect">
-            <a:avLst/>
-          </a:prstGeom>
-        </p:spPr>
-      </p:pic>
-      <p:pic>
-        <p:nvPicPr>
-          <p:cNvPr id="9" name="Image 8" descr="Une image contenant texte&#10;&#10;Description générée automatiquement">
-            <a:extLst>
-              <a:ext uri="{FF2B5EF4-FFF2-40B4-BE49-F238E27FC236}">
-                <a16:creationId xmlns:a16="http://schemas.microsoft.com/office/drawing/2014/main" id="{14EF401E-3A18-4D40-ABCB-2A37754D658C}"/>
-              </a:ext>
-            </a:extLst>
-          </p:cNvPr>
-          <p:cNvPicPr>
-            <a:picLocks noChangeAspect="1"/>
-          </p:cNvPicPr>
-          <p:nvPr/>
-        </p:nvPicPr>
-        <p:blipFill>
-          <a:blip r:embed="rId3">
-            <a:extLst>
-              <a:ext uri="{28A0092B-C50C-407E-A947-70E740481C1C}">
-                <a14:useLocalDpi xmlns:a14="http://schemas.microsoft.com/office/drawing/2010/main" val="0"/>
-              </a:ext>
-            </a:extLst>
-          </a:blip>
-          <a:stretch>
-            <a:fillRect/>
-          </a:stretch>
-        </p:blipFill>
-        <p:spPr>
-          <a:xfrm>
-            <a:off x="6869505" y="4642484"/>
-            <a:ext cx="2484335" cy="647756"/>
-          </a:xfrm>
-          <a:prstGeom prst="rect">
-            <a:avLst/>
-          </a:prstGeom>
-        </p:spPr>
-      </p:pic>
-      <p:pic>
-        <p:nvPicPr>
-          <p:cNvPr id="11" name="Image 10">
-            <a:extLst>
-              <a:ext uri="{FF2B5EF4-FFF2-40B4-BE49-F238E27FC236}">
-                <a16:creationId xmlns:a16="http://schemas.microsoft.com/office/drawing/2014/main" id="{5D9D0222-BC35-43F8-8CBB-933639AFB29B}"/>
-              </a:ext>
-            </a:extLst>
-          </p:cNvPr>
-          <p:cNvPicPr>
-            <a:picLocks noChangeAspect="1"/>
-          </p:cNvPicPr>
-          <p:nvPr/>
-        </p:nvPicPr>
-        <p:blipFill>
-          <a:blip r:embed="rId4">
-            <a:extLst>
-              <a:ext uri="{28A0092B-C50C-407E-A947-70E740481C1C}">
-                <a14:useLocalDpi xmlns:a14="http://schemas.microsoft.com/office/drawing/2010/main" val="0"/>
-              </a:ext>
-            </a:extLst>
-          </a:blip>
-          <a:stretch>
-            <a:fillRect/>
-          </a:stretch>
-        </p:blipFill>
-        <p:spPr>
-          <a:xfrm>
-            <a:off x="9526803" y="4798707"/>
-            <a:ext cx="2339543" cy="335309"/>
-          </a:xfrm>
-          <a:prstGeom prst="rect">
-            <a:avLst/>
-          </a:prstGeom>
-        </p:spPr>
-      </p:pic>
-    </p:spTree>
-    <p:extLst>
-      <p:ext uri="{BB962C8B-B14F-4D97-AF65-F5344CB8AC3E}">
-        <p14:creationId xmlns:p14="http://schemas.microsoft.com/office/powerpoint/2010/main" val="3367910491"/>
       </p:ext>
     </p:extLst>
   </p:cSld>

--- a/Detection de fraude.pptx
+++ b/Detection de fraude.pptx
@@ -2151,11 +2151,11 @@
     <dgm:cxn modelId="{2CDF7E13-B3EE-4E1A-9B8E-44B16D49E000}" srcId="{44E8AE4F-7175-45F9-8FA3-E8CEA699FC15}" destId="{99622335-B4AE-4673-86EE-B9E7F7676E1F}" srcOrd="2" destOrd="0" parTransId="{5395EB15-9439-498C-A93C-4FC7A283C333}" sibTransId="{9E692103-E40C-4037-AAB6-7CD9E82DD093}"/>
     <dgm:cxn modelId="{A2F28A21-2BA3-44A0-97B2-4DC9F281D950}" type="presOf" srcId="{44E8AE4F-7175-45F9-8FA3-E8CEA699FC15}" destId="{622F1B03-F28C-4AF1-9C8D-B72B6242BD67}" srcOrd="0" destOrd="0" presId="urn:microsoft.com/office/officeart/2018/2/layout/IconLabelList"/>
     <dgm:cxn modelId="{2E849F3D-AE48-4FB4-9AD6-FB76C85BD2C2}" srcId="{44E8AE4F-7175-45F9-8FA3-E8CEA699FC15}" destId="{35CCB681-FC98-425D-8312-77409AB6158D}" srcOrd="4" destOrd="0" parTransId="{6AB9C2BC-86FC-4F96-95EC-87F6CB5F9F84}" sibTransId="{31B999BB-E751-436D-9E7C-63180FE55C9D}"/>
-    <dgm:cxn modelId="{6914D661-0CC5-4488-B808-7D66BEDD5D93}" srcId="{44E8AE4F-7175-45F9-8FA3-E8CEA699FC15}" destId="{0BD7B661-66E7-46E4-AB6F-1964DDD1D136}" srcOrd="0" destOrd="0" parTransId="{0D05FA74-EC41-45B7-A981-861E45567B7E}" sibTransId="{5B6BCCD4-74DC-43D7-956F-F712D2A06C42}"/>
-    <dgm:cxn modelId="{D9C5C964-E361-4CB9-B1A8-4BE1E46D6CA6}" type="presOf" srcId="{99622335-B4AE-4673-86EE-B9E7F7676E1F}" destId="{91DF9092-69C1-436F-90D1-4B3BC8E52E7A}" srcOrd="0" destOrd="0" presId="urn:microsoft.com/office/officeart/2018/2/layout/IconLabelList"/>
     <dgm:cxn modelId="{CA8FDD44-1F82-469E-BF27-74B3A458D80B}" srcId="{44E8AE4F-7175-45F9-8FA3-E8CEA699FC15}" destId="{8F0C5A3C-6AE2-41E8-AD8D-BF6423EB21EC}" srcOrd="1" destOrd="0" parTransId="{51FE44FD-0CB8-49E6-843B-E8A509EE6C30}" sibTransId="{5248D3EB-15EF-478E-9CD4-3522715B9DB9}"/>
     <dgm:cxn modelId="{26EB3A46-1F6B-4076-B756-6D52E30C3DA7}" srcId="{44E8AE4F-7175-45F9-8FA3-E8CEA699FC15}" destId="{B12154EE-FCDB-42A4-BBAE-BDE31A324E61}" srcOrd="3" destOrd="0" parTransId="{C6792FF8-400B-4BE9-97A6-35DA86C65D74}" sibTransId="{3FAC96F7-E14F-4D39-9C22-DB7157779EB0}"/>
     <dgm:cxn modelId="{4FE0F44E-5F6B-45E3-A845-F4534136E9DC}" type="presOf" srcId="{0BD7B661-66E7-46E4-AB6F-1964DDD1D136}" destId="{B50750EC-46C7-48AB-95A6-6333CEDEDE9C}" srcOrd="0" destOrd="0" presId="urn:microsoft.com/office/officeart/2018/2/layout/IconLabelList"/>
+    <dgm:cxn modelId="{6914D661-0CC5-4488-B808-7D66BEDD5D93}" srcId="{44E8AE4F-7175-45F9-8FA3-E8CEA699FC15}" destId="{0BD7B661-66E7-46E4-AB6F-1964DDD1D136}" srcOrd="0" destOrd="0" parTransId="{0D05FA74-EC41-45B7-A981-861E45567B7E}" sibTransId="{5B6BCCD4-74DC-43D7-956F-F712D2A06C42}"/>
+    <dgm:cxn modelId="{D9C5C964-E361-4CB9-B1A8-4BE1E46D6CA6}" type="presOf" srcId="{99622335-B4AE-4673-86EE-B9E7F7676E1F}" destId="{91DF9092-69C1-436F-90D1-4B3BC8E52E7A}" srcOrd="0" destOrd="0" presId="urn:microsoft.com/office/officeart/2018/2/layout/IconLabelList"/>
     <dgm:cxn modelId="{5E298B99-E2E4-4327-A1FB-F057892524F7}" type="presOf" srcId="{8F0C5A3C-6AE2-41E8-AD8D-BF6423EB21EC}" destId="{525243AD-DD89-40D3-A73F-84E4B6CF51B6}" srcOrd="0" destOrd="0" presId="urn:microsoft.com/office/officeart/2018/2/layout/IconLabelList"/>
     <dgm:cxn modelId="{44CB67B1-774D-45D1-BA69-4F0B63CF43BB}" type="presOf" srcId="{B12154EE-FCDB-42A4-BBAE-BDE31A324E61}" destId="{A049260C-3308-4FB6-B087-3AE94D5DE0D8}" srcOrd="0" destOrd="0" presId="urn:microsoft.com/office/officeart/2018/2/layout/IconLabelList"/>
     <dgm:cxn modelId="{D8EB48D1-9BFB-4BA7-A7D5-A9C63D978553}" type="presOf" srcId="{35CCB681-FC98-425D-8312-77409AB6158D}" destId="{EB2349FA-39AD-4FDC-B0D5-AE236749C32D}" srcOrd="0" destOrd="0" presId="urn:microsoft.com/office/officeart/2018/2/layout/IconLabelList"/>
@@ -6262,7 +6262,7 @@
           <a:p>
             <a:fld id="{02AC24A9-CCB6-4F8D-B8DB-C2F3692CFA5A}" type="datetimeFigureOut">
               <a:rPr lang="en-US" smtClean="0"/>
-              <a:t>12/8/2021</a:t>
+              <a:t>12/8/21</a:t>
             </a:fld>
             <a:endParaRPr lang="en-US" dirty="0"/>
           </a:p>
@@ -6632,7 +6632,7 @@
           <a:p>
             <a:fld id="{02AC24A9-CCB6-4F8D-B8DB-C2F3692CFA5A}" type="datetimeFigureOut">
               <a:rPr lang="en-US" smtClean="0"/>
-              <a:t>12/8/2021</a:t>
+              <a:t>12/8/21</a:t>
             </a:fld>
             <a:endParaRPr lang="en-US"/>
           </a:p>
@@ -6841,7 +6841,7 @@
           <a:p>
             <a:fld id="{02AC24A9-CCB6-4F8D-B8DB-C2F3692CFA5A}" type="datetimeFigureOut">
               <a:rPr lang="en-US" smtClean="0"/>
-              <a:t>12/8/2021</a:t>
+              <a:t>12/8/21</a:t>
             </a:fld>
             <a:endParaRPr lang="en-US"/>
           </a:p>
@@ -7311,7 +7311,7 @@
           <a:p>
             <a:fld id="{02AC24A9-CCB6-4F8D-B8DB-C2F3692CFA5A}" type="datetimeFigureOut">
               <a:rPr lang="en-US" smtClean="0"/>
-              <a:t>12/8/2021</a:t>
+              <a:t>12/8/21</a:t>
             </a:fld>
             <a:endParaRPr lang="en-US"/>
           </a:p>
@@ -7765,7 +7765,7 @@
           <a:p>
             <a:fld id="{02AC24A9-CCB6-4F8D-B8DB-C2F3692CFA5A}" type="datetimeFigureOut">
               <a:rPr lang="en-US" smtClean="0"/>
-              <a:t>12/8/2021</a:t>
+              <a:t>12/8/21</a:t>
             </a:fld>
             <a:endParaRPr lang="en-US"/>
           </a:p>
@@ -8297,7 +8297,7 @@
           <a:p>
             <a:fld id="{02AC24A9-CCB6-4F8D-B8DB-C2F3692CFA5A}" type="datetimeFigureOut">
               <a:rPr lang="en-US" smtClean="0"/>
-              <a:t>12/8/2021</a:t>
+              <a:t>12/8/21</a:t>
             </a:fld>
             <a:endParaRPr lang="en-US"/>
           </a:p>
@@ -8996,7 +8996,7 @@
           <a:p>
             <a:fld id="{02AC24A9-CCB6-4F8D-B8DB-C2F3692CFA5A}" type="datetimeFigureOut">
               <a:rPr lang="en-US" smtClean="0"/>
-              <a:t>12/8/2021</a:t>
+              <a:t>12/8/21</a:t>
             </a:fld>
             <a:endParaRPr lang="en-US"/>
           </a:p>
@@ -9325,7 +9325,7 @@
           <a:p>
             <a:fld id="{02AC24A9-CCB6-4F8D-B8DB-C2F3692CFA5A}" type="datetimeFigureOut">
               <a:rPr lang="en-US" smtClean="0"/>
-              <a:t>12/8/2021</a:t>
+              <a:t>12/8/21</a:t>
             </a:fld>
             <a:endParaRPr lang="en-US"/>
           </a:p>
@@ -9438,7 +9438,7 @@
           <a:p>
             <a:fld id="{02AC24A9-CCB6-4F8D-B8DB-C2F3692CFA5A}" type="datetimeFigureOut">
               <a:rPr lang="en-US" smtClean="0"/>
-              <a:t>12/8/2021</a:t>
+              <a:t>12/8/21</a:t>
             </a:fld>
             <a:endParaRPr lang="en-US"/>
           </a:p>
@@ -9933,7 +9933,7 @@
           <a:p>
             <a:fld id="{02AC24A9-CCB6-4F8D-B8DB-C2F3692CFA5A}" type="datetimeFigureOut">
               <a:rPr lang="en-US" smtClean="0"/>
-              <a:t>12/8/2021</a:t>
+              <a:t>12/8/21</a:t>
             </a:fld>
             <a:endParaRPr lang="en-US" dirty="0"/>
           </a:p>
@@ -10410,7 +10410,7 @@
           <a:p>
             <a:fld id="{02AC24A9-CCB6-4F8D-B8DB-C2F3692CFA5A}" type="datetimeFigureOut">
               <a:rPr lang="en-US" smtClean="0"/>
-              <a:t>12/8/2021</a:t>
+              <a:t>12/8/21</a:t>
             </a:fld>
             <a:endParaRPr lang="en-US"/>
           </a:p>
@@ -10653,7 +10653,7 @@
           <a:p>
             <a:fld id="{02AC24A9-CCB6-4F8D-B8DB-C2F3692CFA5A}" type="datetimeFigureOut">
               <a:rPr lang="en-US" smtClean="0"/>
-              <a:t>12/8/2021</a:t>
+              <a:t>12/8/21</a:t>
             </a:fld>
             <a:endParaRPr lang="en-US"/>
           </a:p>
@@ -12855,7 +12855,7 @@
                   <a:srgbClr val="292929"/>
                 </a:solidFill>
                 <a:effectLst/>
-                <a:latin typeface="charter"/>
+                <a:latin typeface="Charter"/>
               </a:rPr>
               <a:t>tf-idf</a:t>
             </a:r>
@@ -12875,7 +12875,7 @@
                   <a:srgbClr val="292929"/>
                 </a:solidFill>
                 <a:effectLst/>
-                <a:latin typeface="charter"/>
+                <a:latin typeface="Charter"/>
               </a:rPr>
               <a:t>x</a:t>
             </a:r>
@@ -12895,7 +12895,7 @@
                   <a:srgbClr val="292929"/>
                 </a:solidFill>
                 <a:effectLst/>
-                <a:latin typeface="charter"/>
+                <a:latin typeface="Charter"/>
               </a:rPr>
               <a:t>tf-idf</a:t>
             </a:r>
@@ -17654,7 +17654,7 @@
             </a:pPr>
             <a:r>
               <a:rPr lang="fr-FR" sz="1700" dirty="0"/>
-              <a:t>RÉSULTAT :</a:t>
+              <a:t>RÉSULTATS :</a:t>
             </a:r>
           </a:p>
           <a:p>

--- a/Detection de fraude.pptx
+++ b/Detection de fraude.pptx
@@ -11278,12 +11278,12 @@
           <a:p>
             <a:pPr algn="ctr"/>
             <a:r>
-              <a:rPr lang="fr-FR" sz="4000">
+              <a:rPr lang="fr-FR" sz="4000" b="1" dirty="0">
                 <a:solidFill>
                   <a:schemeClr val="bg1"/>
                 </a:solidFill>
               </a:rPr>
-              <a:t>Detection de fraude</a:t>
+              <a:t>Détection de fraude</a:t>
             </a:r>
           </a:p>
         </p:txBody>
@@ -11322,12 +11322,55 @@
               </a:lnSpc>
             </a:pPr>
             <a:r>
-              <a:rPr lang="fr-FR" sz="1200" dirty="0" err="1">
+              <a:rPr lang="fr-FR" sz="1400" dirty="0">
                 <a:solidFill>
                   <a:schemeClr val="bg1"/>
                 </a:solidFill>
               </a:rPr>
-              <a:t>Clement</a:t>
+              <a:t>Clément Marie-Brisson</a:t>
+            </a:r>
+          </a:p>
+          <a:p>
+            <a:pPr algn="ctr">
+              <a:lnSpc>
+                <a:spcPct val="100000"/>
+              </a:lnSpc>
+            </a:pPr>
+            <a:r>
+              <a:rPr lang="fr-FR" sz="1400" dirty="0">
+                <a:solidFill>
+                  <a:schemeClr val="bg1"/>
+                </a:solidFill>
+              </a:rPr>
+              <a:t>Yolène </a:t>
+            </a:r>
+            <a:r>
+              <a:rPr lang="fr-FR" sz="1400" dirty="0" err="1">
+                <a:solidFill>
+                  <a:schemeClr val="bg1"/>
+                </a:solidFill>
+              </a:rPr>
+              <a:t>Moysan</a:t>
+            </a:r>
+            <a:endParaRPr lang="fr-FR" sz="1400" dirty="0">
+              <a:solidFill>
+                <a:schemeClr val="bg1"/>
+              </a:solidFill>
+            </a:endParaRPr>
+          </a:p>
+          <a:p>
+            <a:pPr algn="ctr">
+              <a:lnSpc>
+                <a:spcPct val="100000"/>
+              </a:lnSpc>
+            </a:pPr>
+            <a:r>
+              <a:rPr lang="fr-FR" sz="1400" dirty="0">
+                <a:solidFill>
+                  <a:schemeClr val="bg1"/>
+                </a:solidFill>
+              </a:rPr>
+              <a:t>Alexis</a:t>
             </a:r>
             <a:r>
               <a:rPr lang="fr-FR" sz="1200" dirty="0">
@@ -11335,30 +11378,15 @@
                   <a:schemeClr val="bg1"/>
                 </a:solidFill>
               </a:rPr>
-              <a:t> Marie-Brisson</a:t>
+              <a:t> </a:t>
             </a:r>
-          </a:p>
-          <a:p>
-            <a:pPr algn="ctr">
-              <a:lnSpc>
-                <a:spcPct val="100000"/>
-              </a:lnSpc>
-            </a:pPr>
             <a:r>
-              <a:rPr lang="fr-FR" sz="1200" dirty="0">
+              <a:rPr lang="fr-FR" sz="1400" dirty="0">
                 <a:solidFill>
                   <a:schemeClr val="bg1"/>
                 </a:solidFill>
               </a:rPr>
-              <a:t>Yolène </a:t>
-            </a:r>
-            <a:r>
-              <a:rPr lang="fr-FR" sz="1200" dirty="0" err="1">
-                <a:solidFill>
-                  <a:schemeClr val="bg1"/>
-                </a:solidFill>
-              </a:rPr>
-              <a:t>Moysan</a:t>
+              <a:t>Guillotin</a:t>
             </a:r>
             <a:endParaRPr lang="fr-FR" sz="1200" dirty="0">
               <a:solidFill>
@@ -11366,19 +11394,44 @@
               </a:solidFill>
             </a:endParaRPr>
           </a:p>
-          <a:p>
-            <a:pPr algn="ctr">
-              <a:lnSpc>
-                <a:spcPct val="100000"/>
-              </a:lnSpc>
-            </a:pPr>
+        </p:txBody>
+      </p:sp>
+      <p:sp>
+        <p:nvSpPr>
+          <p:cNvPr id="5" name="ZoneTexte 4">
+            <a:extLst>
+              <a:ext uri="{FF2B5EF4-FFF2-40B4-BE49-F238E27FC236}">
+                <a16:creationId xmlns:a16="http://schemas.microsoft.com/office/drawing/2014/main" id="{AD9F2B00-8620-6C40-96C1-0E15FDB083D9}"/>
+              </a:ext>
+            </a:extLst>
+          </p:cNvPr>
+          <p:cNvSpPr txBox="1"/>
+          <p:nvPr/>
+        </p:nvSpPr>
+        <p:spPr>
+          <a:xfrm>
+            <a:off x="0" y="497711"/>
+            <a:ext cx="12192000" cy="400110"/>
+          </a:xfrm>
+          <a:prstGeom prst="rect">
+            <a:avLst/>
+          </a:prstGeom>
+          <a:noFill/>
+        </p:spPr>
+        <p:txBody>
+          <a:bodyPr wrap="square" rtlCol="0">
+            <a:spAutoFit/>
+          </a:bodyPr>
+          <a:lstStyle/>
+          <a:p>
+            <a:pPr algn="ctr"/>
             <a:r>
-              <a:rPr lang="fr-FR" sz="1200" dirty="0">
+              <a:rPr lang="fr-FR" sz="2000" dirty="0">
                 <a:solidFill>
                   <a:schemeClr val="bg1"/>
                 </a:solidFill>
               </a:rPr>
-              <a:t>Alexis Guillotin</a:t>
+              <a:t>08 décembre 2021</a:t>
             </a:r>
           </a:p>
         </p:txBody>
@@ -15392,7 +15445,7 @@
           <a:p>
             <a:pPr algn="ctr"/>
             <a:r>
-              <a:rPr lang="en-US" b="1">
+              <a:rPr lang="en-US" b="1" dirty="0">
                 <a:solidFill>
                   <a:schemeClr val="bg1"/>
                 </a:solidFill>
@@ -16426,7 +16479,7 @@
         </p:blipFill>
         <p:spPr>
           <a:xfrm>
-            <a:off x="7084868" y="2182596"/>
+            <a:off x="7084868" y="2228896"/>
             <a:ext cx="3282662" cy="4248150"/>
           </a:xfrm>
           <a:prstGeom prst="rect">
@@ -18085,9 +18138,18 @@
           <a:lstStyle/>
           <a:p>
             <a:r>
-              <a:rPr lang="en-US" sz="4800"/>
-              <a:t>Utilisation d’IA</a:t>
+              <a:rPr lang="en-US" sz="4800" b="1" dirty="0" err="1"/>
+              <a:t>Utilisation</a:t>
             </a:r>
+            <a:r>
+              <a:rPr lang="en-US" sz="4800" b="1" dirty="0"/>
+              <a:t> </a:t>
+            </a:r>
+            <a:r>
+              <a:rPr lang="en-US" sz="4800" b="1" dirty="0" err="1"/>
+              <a:t>d’IA</a:t>
+            </a:r>
+            <a:endParaRPr lang="en-US" sz="4800" b="1" dirty="0"/>
           </a:p>
         </p:txBody>
       </p:sp>

--- a/Detection de fraude.pptx
+++ b/Detection de fraude.pptx
@@ -11266,24 +11266,24 @@
         </p:nvSpPr>
         <p:spPr>
           <a:xfrm>
-            <a:off x="2103121" y="4727173"/>
-            <a:ext cx="7985759" cy="868823"/>
+            <a:off x="2103115" y="1057927"/>
+            <a:ext cx="7985759" cy="1475409"/>
           </a:xfrm>
         </p:spPr>
         <p:txBody>
           <a:bodyPr anchor="b">
-            <a:normAutofit/>
+            <a:normAutofit fontScale="90000"/>
           </a:bodyPr>
           <a:lstStyle/>
           <a:p>
             <a:pPr algn="ctr"/>
             <a:r>
-              <a:rPr lang="fr-FR" sz="4000" b="1" dirty="0">
+              <a:rPr lang="fr-FR" sz="5400" b="1" dirty="0">
                 <a:solidFill>
                   <a:schemeClr val="bg1"/>
                 </a:solidFill>
               </a:rPr>
-              <a:t>Détection de fraude</a:t>
+              <a:t>Détection de fraude de montant de salaire</a:t>
             </a:r>
           </a:p>
         </p:txBody>
@@ -11306,7 +11306,7 @@
         </p:nvSpPr>
         <p:spPr>
           <a:xfrm>
-            <a:off x="2615738" y="5680637"/>
+            <a:off x="2615733" y="5427882"/>
             <a:ext cx="6960524" cy="598516"/>
           </a:xfrm>
         </p:spPr>
@@ -11322,50 +11322,7 @@
               </a:lnSpc>
             </a:pPr>
             <a:r>
-              <a:rPr lang="fr-FR" sz="1400" dirty="0">
-                <a:solidFill>
-                  <a:schemeClr val="bg1"/>
-                </a:solidFill>
-              </a:rPr>
-              <a:t>Clément Marie-Brisson</a:t>
-            </a:r>
-          </a:p>
-          <a:p>
-            <a:pPr algn="ctr">
-              <a:lnSpc>
-                <a:spcPct val="100000"/>
-              </a:lnSpc>
-            </a:pPr>
-            <a:r>
-              <a:rPr lang="fr-FR" sz="1400" dirty="0">
-                <a:solidFill>
-                  <a:schemeClr val="bg1"/>
-                </a:solidFill>
-              </a:rPr>
-              <a:t>Yolène </a:t>
-            </a:r>
-            <a:r>
-              <a:rPr lang="fr-FR" sz="1400" dirty="0" err="1">
-                <a:solidFill>
-                  <a:schemeClr val="bg1"/>
-                </a:solidFill>
-              </a:rPr>
-              <a:t>Moysan</a:t>
-            </a:r>
-            <a:endParaRPr lang="fr-FR" sz="1400" dirty="0">
-              <a:solidFill>
-                <a:schemeClr val="bg1"/>
-              </a:solidFill>
-            </a:endParaRPr>
-          </a:p>
-          <a:p>
-            <a:pPr algn="ctr">
-              <a:lnSpc>
-                <a:spcPct val="100000"/>
-              </a:lnSpc>
-            </a:pPr>
-            <a:r>
-              <a:rPr lang="fr-FR" sz="1400" dirty="0">
+              <a:rPr lang="fr-FR" sz="1600" dirty="0">
                 <a:solidFill>
                   <a:schemeClr val="bg1"/>
                 </a:solidFill>
@@ -11373,7 +11330,7 @@
               <a:t>Alexis</a:t>
             </a:r>
             <a:r>
-              <a:rPr lang="fr-FR" sz="1200" dirty="0">
+              <a:rPr lang="fr-FR" sz="1400" dirty="0">
                 <a:solidFill>
                   <a:schemeClr val="bg1"/>
                 </a:solidFill>
@@ -11381,14 +11338,65 @@
               <a:t> </a:t>
             </a:r>
             <a:r>
-              <a:rPr lang="fr-FR" sz="1400" dirty="0">
+              <a:rPr lang="fr-FR" sz="1600" dirty="0">
                 <a:solidFill>
                   <a:schemeClr val="bg1"/>
                 </a:solidFill>
               </a:rPr>
               <a:t>Guillotin</a:t>
             </a:r>
-            <a:endParaRPr lang="fr-FR" sz="1200" dirty="0">
+            <a:endParaRPr lang="fr-FR" sz="1400" dirty="0">
+              <a:solidFill>
+                <a:schemeClr val="bg1"/>
+              </a:solidFill>
+            </a:endParaRPr>
+          </a:p>
+          <a:p>
+            <a:pPr algn="ctr">
+              <a:lnSpc>
+                <a:spcPct val="100000"/>
+              </a:lnSpc>
+            </a:pPr>
+            <a:r>
+              <a:rPr lang="fr-FR" sz="1600" dirty="0">
+                <a:solidFill>
+                  <a:schemeClr val="bg1"/>
+                </a:solidFill>
+              </a:rPr>
+              <a:t>Clément Marie-Brisson</a:t>
+            </a:r>
+          </a:p>
+          <a:p>
+            <a:pPr algn="ctr">
+              <a:lnSpc>
+                <a:spcPct val="100000"/>
+              </a:lnSpc>
+            </a:pPr>
+            <a:r>
+              <a:rPr lang="fr-FR" sz="1600" dirty="0" err="1">
+                <a:solidFill>
+                  <a:schemeClr val="bg1"/>
+                </a:solidFill>
+              </a:rPr>
+              <a:t>Yolène</a:t>
+            </a:r>
+            <a:r>
+              <a:rPr lang="fr-FR" sz="1600" dirty="0">
+                <a:solidFill>
+                  <a:schemeClr val="bg1"/>
+                </a:solidFill>
+              </a:rPr>
+              <a:t> </a:t>
+            </a:r>
+            <a:r>
+              <a:rPr lang="fr-FR" sz="1600" dirty="0" err="1">
+                <a:solidFill>
+                  <a:schemeClr val="bg1"/>
+                </a:solidFill>
+              </a:rPr>
+              <a:t>Moysan</a:t>
+            </a:r>
+            <a:endParaRPr lang="fr-FR" sz="1600" dirty="0">
               <a:solidFill>
                 <a:schemeClr val="bg1"/>
               </a:solidFill>
